--- a/doc/test/AgendaSlidesVisualAfterSync.pptx
+++ b/doc/test/AgendaSlidesVisualAfterSync.pptx
@@ -38,7 +38,7 @@
     <p:sldId id="314" r:id="rId29"/>
     <p:sldId id="344" r:id="rId30"/>
     <p:sldId id="328" r:id="rId31"/>
-    <p:sldId id="345" r:id="rId32"/>
+    <p:sldId id="348" r:id="rId32"/>
   </p:sldIdLst>
   <p:sldSz cx="9144000" cy="6858000" type="screen4x3"/>
   <p:notesSz cx="6858000" cy="9144000"/>
@@ -190,13 +190,13 @@
             <p14:sldId id="314"/>
             <p14:sldId id="344"/>
             <p14:sldId id="328"/>
-            <p14:sldId id="345"/>
+            <p14:sldId id="348"/>
           </p14:sldIdLst>
         </p14:section>
       </p14:sectionLst>
     </p:ext>
     <p:ext uri="{EFAFB233-063F-42B5-8137-9DF3F51BA10A}">
-      <p15:sldGuideLst xmlns:p15="http://schemas.microsoft.com/office/powerpoint/2012/main" xmlns="">
+      <p15:sldGuideLst xmlns:p15="http://schemas.microsoft.com/office/powerpoint/2012/main">
         <p15:guide id="1" orient="horz" pos="2160">
           <p15:clr>
             <a:srgbClr val="A4A3A4"/>
@@ -295,7 +295,7 @@
           <a:p>
             <a:fld id="{C33977A5-270E-4E03-B118-17345E304686}" type="datetimeFigureOut">
               <a:rPr lang="en-US" smtClean="0"/>
-              <a:t>19-Jun-15</a:t>
+              <a:t>1/23/2017</a:t>
             </a:fld>
             <a:endParaRPr lang="en-US"/>
           </a:p>
@@ -359,38 +359,37 @@
           <a:p>
             <a:pPr lvl="0"/>
             <a:r>
-              <a:rPr lang="en-US" smtClean="0"/>
+              <a:rPr lang="en-US"/>
               <a:t>Click to edit Master text styles</a:t>
             </a:r>
           </a:p>
           <a:p>
             <a:pPr lvl="1"/>
             <a:r>
-              <a:rPr lang="en-US" smtClean="0"/>
+              <a:rPr lang="en-US"/>
               <a:t>Second level</a:t>
             </a:r>
           </a:p>
           <a:p>
             <a:pPr lvl="2"/>
             <a:r>
-              <a:rPr lang="en-US" smtClean="0"/>
+              <a:rPr lang="en-US"/>
               <a:t>Third level</a:t>
             </a:r>
           </a:p>
           <a:p>
             <a:pPr lvl="3"/>
             <a:r>
-              <a:rPr lang="en-US" smtClean="0"/>
+              <a:rPr lang="en-US"/>
               <a:t>Fourth level</a:t>
             </a:r>
           </a:p>
           <a:p>
             <a:pPr lvl="4"/>
             <a:r>
-              <a:rPr lang="en-US" smtClean="0"/>
+              <a:rPr lang="en-US"/>
               <a:t>Fifth level</a:t>
             </a:r>
-            <a:endParaRPr lang="en-US"/>
           </a:p>
         </p:txBody>
       </p:sp>
@@ -608,10 +607,9 @@
           <a:lstStyle/>
           <a:p>
             <a:r>
-              <a:rPr lang="en-US" smtClean="0"/>
+              <a:rPr lang="en-US"/>
               <a:t>This notes page is used to store data - Do not edit the notes. UFBUVGVtcGxhdGVNYXJrZXI=@VW5uYW1lZCBTaGFwZSAyMDE1MDYxOTE2NTEyMzMyNDYw@VW5uYW1lZCBTaGFwZSAyMDE1MDYxOTE2NTEyMzMyNDYx@VW5uYW1lZCBTaGFwZSAyMDE1MDYxOTE2NTEyMzMyNTYy@UHB0TGFic0FnZW5kYV8mXkBWaXN1YWxBZ2VuZGFJbWFnZV8mXkBPbmUgU2xpZGVfMg==@UHB0TGFic0FnZW5kYV8mXkBWaXN1YWxBZ2VuZGFJbWFnZV8mXkBTYW1lIE5hbWVfNQ==@UHB0TGFic0FnZW5kYV8mXkBWaXN1YWxBZ2VuZGFJbWFnZV8mXkDjgYLjgYTjgYbjgYjjgYprbCkoKiYlJCNAODV2XyspMF9AIyVMOkNGXTFfNg==@UHB0TGFic0FnZW5kYV8mXkBWaXN1YWxBZ2VuZGFJbWFnZV8mXkBUd28gU2xpZGVzXzM=@UHB0TGFic0FnZW5kYV8mXkBWaXN1YWxBZ2VuZGFJbWFnZV8mXkBOZXcgU2VjdGlvbl80@-190556688</a:t>
             </a:r>
-            <a:endParaRPr lang="en-US"/>
           </a:p>
         </p:txBody>
       </p:sp>
@@ -689,10 +687,9 @@
           <a:lstStyle/>
           <a:p>
             <a:r>
-              <a:rPr lang="en-US" smtClean="0"/>
+              <a:rPr lang="en-US"/>
               <a:t>Click to edit Master title style</a:t>
             </a:r>
-            <a:endParaRPr lang="en-US"/>
           </a:p>
         </p:txBody>
       </p:sp>
@@ -808,10 +805,9 @@
           </a:lstStyle>
           <a:p>
             <a:r>
-              <a:rPr lang="en-US" smtClean="0"/>
+              <a:rPr lang="en-US"/>
               <a:t>Click to edit Master subtitle style</a:t>
             </a:r>
-            <a:endParaRPr lang="en-US"/>
           </a:p>
         </p:txBody>
       </p:sp>
@@ -832,7 +828,7 @@
           <a:p>
             <a:fld id="{699DC775-C286-4358-8C92-D7E584E969B3}" type="datetimeFigureOut">
               <a:rPr lang="en-US" smtClean="0"/>
-              <a:t>19-Jun-15</a:t>
+              <a:t>1/23/2017</a:t>
             </a:fld>
             <a:endParaRPr lang="en-US"/>
           </a:p>
@@ -926,10 +922,9 @@
           <a:lstStyle/>
           <a:p>
             <a:r>
-              <a:rPr lang="en-US" smtClean="0"/>
+              <a:rPr lang="en-US"/>
               <a:t>Click to edit Master title style</a:t>
             </a:r>
-            <a:endParaRPr lang="en-US"/>
           </a:p>
         </p:txBody>
       </p:sp>
@@ -950,38 +945,37 @@
           <a:p>
             <a:pPr lvl="0"/>
             <a:r>
-              <a:rPr lang="en-US" smtClean="0"/>
+              <a:rPr lang="en-US"/>
               <a:t>Click to edit Master text styles</a:t>
             </a:r>
           </a:p>
           <a:p>
             <a:pPr lvl="1"/>
             <a:r>
-              <a:rPr lang="en-US" smtClean="0"/>
+              <a:rPr lang="en-US"/>
               <a:t>Second level</a:t>
             </a:r>
           </a:p>
           <a:p>
             <a:pPr lvl="2"/>
             <a:r>
-              <a:rPr lang="en-US" smtClean="0"/>
+              <a:rPr lang="en-US"/>
               <a:t>Third level</a:t>
             </a:r>
           </a:p>
           <a:p>
             <a:pPr lvl="3"/>
             <a:r>
-              <a:rPr lang="en-US" smtClean="0"/>
+              <a:rPr lang="en-US"/>
               <a:t>Fourth level</a:t>
             </a:r>
           </a:p>
           <a:p>
             <a:pPr lvl="4"/>
             <a:r>
-              <a:rPr lang="en-US" smtClean="0"/>
+              <a:rPr lang="en-US"/>
               <a:t>Fifth level</a:t>
             </a:r>
-            <a:endParaRPr lang="en-US"/>
           </a:p>
         </p:txBody>
       </p:sp>
@@ -1002,7 +996,7 @@
           <a:p>
             <a:fld id="{699DC775-C286-4358-8C92-D7E584E969B3}" type="datetimeFigureOut">
               <a:rPr lang="en-US" smtClean="0"/>
-              <a:t>19-Jun-15</a:t>
+              <a:t>1/23/2017</a:t>
             </a:fld>
             <a:endParaRPr lang="en-US"/>
           </a:p>
@@ -1101,10 +1095,9 @@
           <a:lstStyle/>
           <a:p>
             <a:r>
-              <a:rPr lang="en-US" smtClean="0"/>
+              <a:rPr lang="en-US"/>
               <a:t>Click to edit Master title style</a:t>
             </a:r>
-            <a:endParaRPr lang="en-US"/>
           </a:p>
         </p:txBody>
       </p:sp>
@@ -1130,38 +1123,37 @@
           <a:p>
             <a:pPr lvl="0"/>
             <a:r>
-              <a:rPr lang="en-US" smtClean="0"/>
+              <a:rPr lang="en-US"/>
               <a:t>Click to edit Master text styles</a:t>
             </a:r>
           </a:p>
           <a:p>
             <a:pPr lvl="1"/>
             <a:r>
-              <a:rPr lang="en-US" smtClean="0"/>
+              <a:rPr lang="en-US"/>
               <a:t>Second level</a:t>
             </a:r>
           </a:p>
           <a:p>
             <a:pPr lvl="2"/>
             <a:r>
-              <a:rPr lang="en-US" smtClean="0"/>
+              <a:rPr lang="en-US"/>
               <a:t>Third level</a:t>
             </a:r>
           </a:p>
           <a:p>
             <a:pPr lvl="3"/>
             <a:r>
-              <a:rPr lang="en-US" smtClean="0"/>
+              <a:rPr lang="en-US"/>
               <a:t>Fourth level</a:t>
             </a:r>
           </a:p>
           <a:p>
             <a:pPr lvl="4"/>
             <a:r>
-              <a:rPr lang="en-US" smtClean="0"/>
+              <a:rPr lang="en-US"/>
               <a:t>Fifth level</a:t>
             </a:r>
-            <a:endParaRPr lang="en-US"/>
           </a:p>
         </p:txBody>
       </p:sp>
@@ -1182,7 +1174,7 @@
           <a:p>
             <a:fld id="{699DC775-C286-4358-8C92-D7E584E969B3}" type="datetimeFigureOut">
               <a:rPr lang="en-US" smtClean="0"/>
-              <a:t>19-Jun-15</a:t>
+              <a:t>1/23/2017</a:t>
             </a:fld>
             <a:endParaRPr lang="en-US"/>
           </a:p>
@@ -1276,10 +1268,9 @@
           <a:lstStyle/>
           <a:p>
             <a:r>
-              <a:rPr lang="en-US" smtClean="0"/>
+              <a:rPr lang="en-US"/>
               <a:t>Click to edit Master title style</a:t>
             </a:r>
-            <a:endParaRPr lang="en-US"/>
           </a:p>
         </p:txBody>
       </p:sp>
@@ -1300,38 +1291,37 @@
           <a:p>
             <a:pPr lvl="0"/>
             <a:r>
-              <a:rPr lang="en-US" smtClean="0"/>
+              <a:rPr lang="en-US"/>
               <a:t>Click to edit Master text styles</a:t>
             </a:r>
           </a:p>
           <a:p>
             <a:pPr lvl="1"/>
             <a:r>
-              <a:rPr lang="en-US" smtClean="0"/>
+              <a:rPr lang="en-US"/>
               <a:t>Second level</a:t>
             </a:r>
           </a:p>
           <a:p>
             <a:pPr lvl="2"/>
             <a:r>
-              <a:rPr lang="en-US" smtClean="0"/>
+              <a:rPr lang="en-US"/>
               <a:t>Third level</a:t>
             </a:r>
           </a:p>
           <a:p>
             <a:pPr lvl="3"/>
             <a:r>
-              <a:rPr lang="en-US" smtClean="0"/>
+              <a:rPr lang="en-US"/>
               <a:t>Fourth level</a:t>
             </a:r>
           </a:p>
           <a:p>
             <a:pPr lvl="4"/>
             <a:r>
-              <a:rPr lang="en-US" smtClean="0"/>
+              <a:rPr lang="en-US"/>
               <a:t>Fifth level</a:t>
             </a:r>
-            <a:endParaRPr lang="en-US"/>
           </a:p>
         </p:txBody>
       </p:sp>
@@ -1352,7 +1342,7 @@
           <a:p>
             <a:fld id="{699DC775-C286-4358-8C92-D7E584E969B3}" type="datetimeFigureOut">
               <a:rPr lang="en-US" smtClean="0"/>
-              <a:t>19-Jun-15</a:t>
+              <a:t>1/23/2017</a:t>
             </a:fld>
             <a:endParaRPr lang="en-US"/>
           </a:p>
@@ -1451,10 +1441,9 @@
           <a:lstStyle/>
           <a:p>
             <a:r>
-              <a:rPr lang="en-US" smtClean="0"/>
+              <a:rPr lang="en-US"/>
               <a:t>Click to edit Master title style</a:t>
             </a:r>
-            <a:endParaRPr lang="en-US"/>
           </a:p>
         </p:txBody>
       </p:sp>
@@ -1570,10 +1559,9 @@
           </a:lstStyle>
           <a:p>
             <a:r>
-              <a:rPr lang="en-US" smtClean="0"/>
+              <a:rPr lang="en-US"/>
               <a:t>Click to edit Master subtitle style</a:t>
             </a:r>
-            <a:endParaRPr lang="en-US"/>
           </a:p>
         </p:txBody>
       </p:sp>
@@ -1594,7 +1582,7 @@
           <a:p>
             <a:fld id="{699DC775-C286-4358-8C92-D7E584E969B3}" type="datetimeFigureOut">
               <a:rPr lang="en-US" smtClean="0"/>
-              <a:t>19-Jun-15</a:t>
+              <a:t>1/23/2017</a:t>
             </a:fld>
             <a:endParaRPr lang="en-US"/>
           </a:p>
@@ -1688,10 +1676,9 @@
           <a:lstStyle/>
           <a:p>
             <a:r>
-              <a:rPr lang="en-US" smtClean="0"/>
+              <a:rPr lang="en-US"/>
               <a:t>Click to edit Master title style</a:t>
             </a:r>
-            <a:endParaRPr lang="en-US"/>
           </a:p>
         </p:txBody>
       </p:sp>
@@ -1712,38 +1699,37 @@
           <a:p>
             <a:pPr lvl="0"/>
             <a:r>
-              <a:rPr lang="en-US" smtClean="0"/>
+              <a:rPr lang="en-US"/>
               <a:t>Click to edit Master text styles</a:t>
             </a:r>
           </a:p>
           <a:p>
             <a:pPr lvl="1"/>
             <a:r>
-              <a:rPr lang="en-US" smtClean="0"/>
+              <a:rPr lang="en-US"/>
               <a:t>Second level</a:t>
             </a:r>
           </a:p>
           <a:p>
             <a:pPr lvl="2"/>
             <a:r>
-              <a:rPr lang="en-US" smtClean="0"/>
+              <a:rPr lang="en-US"/>
               <a:t>Third level</a:t>
             </a:r>
           </a:p>
           <a:p>
             <a:pPr lvl="3"/>
             <a:r>
-              <a:rPr lang="en-US" smtClean="0"/>
+              <a:rPr lang="en-US"/>
               <a:t>Fourth level</a:t>
             </a:r>
           </a:p>
           <a:p>
             <a:pPr lvl="4"/>
             <a:r>
-              <a:rPr lang="en-US" smtClean="0"/>
+              <a:rPr lang="en-US"/>
               <a:t>Fifth level</a:t>
             </a:r>
-            <a:endParaRPr lang="en-US"/>
           </a:p>
         </p:txBody>
       </p:sp>
@@ -1764,7 +1750,7 @@
           <a:p>
             <a:fld id="{699DC775-C286-4358-8C92-D7E584E969B3}" type="datetimeFigureOut">
               <a:rPr lang="en-US" smtClean="0"/>
-              <a:t>19-Jun-15</a:t>
+              <a:t>1/23/2017</a:t>
             </a:fld>
             <a:endParaRPr lang="en-US"/>
           </a:p>
@@ -1867,10 +1853,9 @@
           </a:lstStyle>
           <a:p>
             <a:r>
-              <a:rPr lang="en-US" smtClean="0"/>
+              <a:rPr lang="en-US"/>
               <a:t>Click to edit Master title style</a:t>
             </a:r>
-            <a:endParaRPr lang="en-US"/>
           </a:p>
         </p:txBody>
       </p:sp>
@@ -1987,7 +1972,7 @@
           <a:p>
             <a:pPr lvl="0"/>
             <a:r>
-              <a:rPr lang="en-US" smtClean="0"/>
+              <a:rPr lang="en-US"/>
               <a:t>Click to edit Master text styles</a:t>
             </a:r>
           </a:p>
@@ -2010,7 +1995,7 @@
           <a:p>
             <a:fld id="{699DC775-C286-4358-8C92-D7E584E969B3}" type="datetimeFigureOut">
               <a:rPr lang="en-US" smtClean="0"/>
-              <a:t>19-Jun-15</a:t>
+              <a:t>1/23/2017</a:t>
             </a:fld>
             <a:endParaRPr lang="en-US"/>
           </a:p>
@@ -2104,10 +2089,9 @@
           <a:lstStyle/>
           <a:p>
             <a:r>
-              <a:rPr lang="en-US" smtClean="0"/>
+              <a:rPr lang="en-US"/>
               <a:t>Click to edit Master title style</a:t>
             </a:r>
-            <a:endParaRPr lang="en-US"/>
           </a:p>
         </p:txBody>
       </p:sp>
@@ -2161,38 +2145,37 @@
           <a:p>
             <a:pPr lvl="0"/>
             <a:r>
-              <a:rPr lang="en-US" smtClean="0"/>
+              <a:rPr lang="en-US"/>
               <a:t>Click to edit Master text styles</a:t>
             </a:r>
           </a:p>
           <a:p>
             <a:pPr lvl="1"/>
             <a:r>
-              <a:rPr lang="en-US" smtClean="0"/>
+              <a:rPr lang="en-US"/>
               <a:t>Second level</a:t>
             </a:r>
           </a:p>
           <a:p>
             <a:pPr lvl="2"/>
             <a:r>
-              <a:rPr lang="en-US" smtClean="0"/>
+              <a:rPr lang="en-US"/>
               <a:t>Third level</a:t>
             </a:r>
           </a:p>
           <a:p>
             <a:pPr lvl="3"/>
             <a:r>
-              <a:rPr lang="en-US" smtClean="0"/>
+              <a:rPr lang="en-US"/>
               <a:t>Fourth level</a:t>
             </a:r>
           </a:p>
           <a:p>
             <a:pPr lvl="4"/>
             <a:r>
-              <a:rPr lang="en-US" smtClean="0"/>
+              <a:rPr lang="en-US"/>
               <a:t>Fifth level</a:t>
             </a:r>
-            <a:endParaRPr lang="en-US"/>
           </a:p>
         </p:txBody>
       </p:sp>
@@ -2246,38 +2229,37 @@
           <a:p>
             <a:pPr lvl="0"/>
             <a:r>
-              <a:rPr lang="en-US" smtClean="0"/>
+              <a:rPr lang="en-US"/>
               <a:t>Click to edit Master text styles</a:t>
             </a:r>
           </a:p>
           <a:p>
             <a:pPr lvl="1"/>
             <a:r>
-              <a:rPr lang="en-US" smtClean="0"/>
+              <a:rPr lang="en-US"/>
               <a:t>Second level</a:t>
             </a:r>
           </a:p>
           <a:p>
             <a:pPr lvl="2"/>
             <a:r>
-              <a:rPr lang="en-US" smtClean="0"/>
+              <a:rPr lang="en-US"/>
               <a:t>Third level</a:t>
             </a:r>
           </a:p>
           <a:p>
             <a:pPr lvl="3"/>
             <a:r>
-              <a:rPr lang="en-US" smtClean="0"/>
+              <a:rPr lang="en-US"/>
               <a:t>Fourth level</a:t>
             </a:r>
           </a:p>
           <a:p>
             <a:pPr lvl="4"/>
             <a:r>
-              <a:rPr lang="en-US" smtClean="0"/>
+              <a:rPr lang="en-US"/>
               <a:t>Fifth level</a:t>
             </a:r>
-            <a:endParaRPr lang="en-US"/>
           </a:p>
         </p:txBody>
       </p:sp>
@@ -2298,7 +2280,7 @@
           <a:p>
             <a:fld id="{699DC775-C286-4358-8C92-D7E584E969B3}" type="datetimeFigureOut">
               <a:rPr lang="en-US" smtClean="0"/>
-              <a:t>19-Jun-15</a:t>
+              <a:t>1/23/2017</a:t>
             </a:fld>
             <a:endParaRPr lang="en-US"/>
           </a:p>
@@ -2396,10 +2378,9 @@
           </a:lstStyle>
           <a:p>
             <a:r>
-              <a:rPr lang="en-US" smtClean="0"/>
+              <a:rPr lang="en-US"/>
               <a:t>Click to edit Master title style</a:t>
             </a:r>
-            <a:endParaRPr lang="en-US"/>
           </a:p>
         </p:txBody>
       </p:sp>
@@ -2462,7 +2443,7 @@
           <a:p>
             <a:pPr lvl="0"/>
             <a:r>
-              <a:rPr lang="en-US" smtClean="0"/>
+              <a:rPr lang="en-US"/>
               <a:t>Click to edit Master text styles</a:t>
             </a:r>
           </a:p>
@@ -2518,38 +2499,37 @@
           <a:p>
             <a:pPr lvl="0"/>
             <a:r>
-              <a:rPr lang="en-US" smtClean="0"/>
+              <a:rPr lang="en-US"/>
               <a:t>Click to edit Master text styles</a:t>
             </a:r>
           </a:p>
           <a:p>
             <a:pPr lvl="1"/>
             <a:r>
-              <a:rPr lang="en-US" smtClean="0"/>
+              <a:rPr lang="en-US"/>
               <a:t>Second level</a:t>
             </a:r>
           </a:p>
           <a:p>
             <a:pPr lvl="2"/>
             <a:r>
-              <a:rPr lang="en-US" smtClean="0"/>
+              <a:rPr lang="en-US"/>
               <a:t>Third level</a:t>
             </a:r>
           </a:p>
           <a:p>
             <a:pPr lvl="3"/>
             <a:r>
-              <a:rPr lang="en-US" smtClean="0"/>
+              <a:rPr lang="en-US"/>
               <a:t>Fourth level</a:t>
             </a:r>
           </a:p>
           <a:p>
             <a:pPr lvl="4"/>
             <a:r>
-              <a:rPr lang="en-US" smtClean="0"/>
+              <a:rPr lang="en-US"/>
               <a:t>Fifth level</a:t>
             </a:r>
-            <a:endParaRPr lang="en-US"/>
           </a:p>
         </p:txBody>
       </p:sp>
@@ -2612,7 +2592,7 @@
           <a:p>
             <a:pPr lvl="0"/>
             <a:r>
-              <a:rPr lang="en-US" smtClean="0"/>
+              <a:rPr lang="en-US"/>
               <a:t>Click to edit Master text styles</a:t>
             </a:r>
           </a:p>
@@ -2668,38 +2648,37 @@
           <a:p>
             <a:pPr lvl="0"/>
             <a:r>
-              <a:rPr lang="en-US" smtClean="0"/>
+              <a:rPr lang="en-US"/>
               <a:t>Click to edit Master text styles</a:t>
             </a:r>
           </a:p>
           <a:p>
             <a:pPr lvl="1"/>
             <a:r>
-              <a:rPr lang="en-US" smtClean="0"/>
+              <a:rPr lang="en-US"/>
               <a:t>Second level</a:t>
             </a:r>
           </a:p>
           <a:p>
             <a:pPr lvl="2"/>
             <a:r>
-              <a:rPr lang="en-US" smtClean="0"/>
+              <a:rPr lang="en-US"/>
               <a:t>Third level</a:t>
             </a:r>
           </a:p>
           <a:p>
             <a:pPr lvl="3"/>
             <a:r>
-              <a:rPr lang="en-US" smtClean="0"/>
+              <a:rPr lang="en-US"/>
               <a:t>Fourth level</a:t>
             </a:r>
           </a:p>
           <a:p>
             <a:pPr lvl="4"/>
             <a:r>
-              <a:rPr lang="en-US" smtClean="0"/>
+              <a:rPr lang="en-US"/>
               <a:t>Fifth level</a:t>
             </a:r>
-            <a:endParaRPr lang="en-US"/>
           </a:p>
         </p:txBody>
       </p:sp>
@@ -2720,7 +2699,7 @@
           <a:p>
             <a:fld id="{699DC775-C286-4358-8C92-D7E584E969B3}" type="datetimeFigureOut">
               <a:rPr lang="en-US" smtClean="0"/>
-              <a:t>19-Jun-15</a:t>
+              <a:t>1/23/2017</a:t>
             </a:fld>
             <a:endParaRPr lang="en-US"/>
           </a:p>
@@ -2814,10 +2793,9 @@
           <a:lstStyle/>
           <a:p>
             <a:r>
-              <a:rPr lang="en-US" smtClean="0"/>
+              <a:rPr lang="en-US"/>
               <a:t>Click to edit Master title style</a:t>
             </a:r>
-            <a:endParaRPr lang="en-US"/>
           </a:p>
         </p:txBody>
       </p:sp>
@@ -2838,7 +2816,7 @@
           <a:p>
             <a:fld id="{699DC775-C286-4358-8C92-D7E584E969B3}" type="datetimeFigureOut">
               <a:rPr lang="en-US" smtClean="0"/>
-              <a:t>19-Jun-15</a:t>
+              <a:t>1/23/2017</a:t>
             </a:fld>
             <a:endParaRPr lang="en-US"/>
           </a:p>
@@ -2933,7 +2911,7 @@
           <a:p>
             <a:fld id="{699DC775-C286-4358-8C92-D7E584E969B3}" type="datetimeFigureOut">
               <a:rPr lang="en-US" smtClean="0"/>
-              <a:t>19-Jun-15</a:t>
+              <a:t>1/23/2017</a:t>
             </a:fld>
             <a:endParaRPr lang="en-US"/>
           </a:p>
@@ -3027,10 +3005,9 @@
           <a:lstStyle/>
           <a:p>
             <a:r>
-              <a:rPr lang="en-US" smtClean="0"/>
+              <a:rPr lang="en-US"/>
               <a:t>Click to edit Master title style</a:t>
             </a:r>
-            <a:endParaRPr lang="en-US"/>
           </a:p>
         </p:txBody>
       </p:sp>
@@ -3051,38 +3028,37 @@
           <a:p>
             <a:pPr lvl="0"/>
             <a:r>
-              <a:rPr lang="en-US" smtClean="0"/>
+              <a:rPr lang="en-US"/>
               <a:t>Click to edit Master text styles</a:t>
             </a:r>
           </a:p>
           <a:p>
             <a:pPr lvl="1"/>
             <a:r>
-              <a:rPr lang="en-US" smtClean="0"/>
+              <a:rPr lang="en-US"/>
               <a:t>Second level</a:t>
             </a:r>
           </a:p>
           <a:p>
             <a:pPr lvl="2"/>
             <a:r>
-              <a:rPr lang="en-US" smtClean="0"/>
+              <a:rPr lang="en-US"/>
               <a:t>Third level</a:t>
             </a:r>
           </a:p>
           <a:p>
             <a:pPr lvl="3"/>
             <a:r>
-              <a:rPr lang="en-US" smtClean="0"/>
+              <a:rPr lang="en-US"/>
               <a:t>Fourth level</a:t>
             </a:r>
           </a:p>
           <a:p>
             <a:pPr lvl="4"/>
             <a:r>
-              <a:rPr lang="en-US" smtClean="0"/>
+              <a:rPr lang="en-US"/>
               <a:t>Fifth level</a:t>
             </a:r>
-            <a:endParaRPr lang="en-US"/>
           </a:p>
         </p:txBody>
       </p:sp>
@@ -3103,7 +3079,7 @@
           <a:p>
             <a:fld id="{699DC775-C286-4358-8C92-D7E584E969B3}" type="datetimeFigureOut">
               <a:rPr lang="en-US" smtClean="0"/>
-              <a:t>19-Jun-15</a:t>
+              <a:t>1/23/2017</a:t>
             </a:fld>
             <a:endParaRPr lang="en-US"/>
           </a:p>
@@ -3206,10 +3182,9 @@
           </a:lstStyle>
           <a:p>
             <a:r>
-              <a:rPr lang="en-US" smtClean="0"/>
+              <a:rPr lang="en-US"/>
               <a:t>Click to edit Master title style</a:t>
             </a:r>
-            <a:endParaRPr lang="en-US"/>
           </a:p>
         </p:txBody>
       </p:sp>
@@ -3263,38 +3238,37 @@
           <a:p>
             <a:pPr lvl="0"/>
             <a:r>
-              <a:rPr lang="en-US" smtClean="0"/>
+              <a:rPr lang="en-US"/>
               <a:t>Click to edit Master text styles</a:t>
             </a:r>
           </a:p>
           <a:p>
             <a:pPr lvl="1"/>
             <a:r>
-              <a:rPr lang="en-US" smtClean="0"/>
+              <a:rPr lang="en-US"/>
               <a:t>Second level</a:t>
             </a:r>
           </a:p>
           <a:p>
             <a:pPr lvl="2"/>
             <a:r>
-              <a:rPr lang="en-US" smtClean="0"/>
+              <a:rPr lang="en-US"/>
               <a:t>Third level</a:t>
             </a:r>
           </a:p>
           <a:p>
             <a:pPr lvl="3"/>
             <a:r>
-              <a:rPr lang="en-US" smtClean="0"/>
+              <a:rPr lang="en-US"/>
               <a:t>Fourth level</a:t>
             </a:r>
           </a:p>
           <a:p>
             <a:pPr lvl="4"/>
             <a:r>
-              <a:rPr lang="en-US" smtClean="0"/>
+              <a:rPr lang="en-US"/>
               <a:t>Fifth level</a:t>
             </a:r>
-            <a:endParaRPr lang="en-US"/>
           </a:p>
         </p:txBody>
       </p:sp>
@@ -3357,7 +3331,7 @@
           <a:p>
             <a:pPr lvl="0"/>
             <a:r>
-              <a:rPr lang="en-US" smtClean="0"/>
+              <a:rPr lang="en-US"/>
               <a:t>Click to edit Master text styles</a:t>
             </a:r>
           </a:p>
@@ -3380,7 +3354,7 @@
           <a:p>
             <a:fld id="{699DC775-C286-4358-8C92-D7E584E969B3}" type="datetimeFigureOut">
               <a:rPr lang="en-US" smtClean="0"/>
-              <a:t>19-Jun-15</a:t>
+              <a:t>1/23/2017</a:t>
             </a:fld>
             <a:endParaRPr lang="en-US"/>
           </a:p>
@@ -3483,10 +3457,9 @@
           </a:lstStyle>
           <a:p>
             <a:r>
-              <a:rPr lang="en-US" smtClean="0"/>
+              <a:rPr lang="en-US"/>
               <a:t>Click to edit Master title style</a:t>
             </a:r>
-            <a:endParaRPr lang="en-US"/>
           </a:p>
         </p:txBody>
       </p:sp>
@@ -3610,7 +3583,7 @@
           <a:p>
             <a:pPr lvl="0"/>
             <a:r>
-              <a:rPr lang="en-US" smtClean="0"/>
+              <a:rPr lang="en-US"/>
               <a:t>Click to edit Master text styles</a:t>
             </a:r>
           </a:p>
@@ -3633,7 +3606,7 @@
           <a:p>
             <a:fld id="{699DC775-C286-4358-8C92-D7E584E969B3}" type="datetimeFigureOut">
               <a:rPr lang="en-US" smtClean="0"/>
-              <a:t>19-Jun-15</a:t>
+              <a:t>1/23/2017</a:t>
             </a:fld>
             <a:endParaRPr lang="en-US"/>
           </a:p>
@@ -3727,10 +3700,9 @@
           <a:lstStyle/>
           <a:p>
             <a:r>
-              <a:rPr lang="en-US" smtClean="0"/>
+              <a:rPr lang="en-US"/>
               <a:t>Click to edit Master title style</a:t>
             </a:r>
-            <a:endParaRPr lang="en-US"/>
           </a:p>
         </p:txBody>
       </p:sp>
@@ -3751,38 +3723,37 @@
           <a:p>
             <a:pPr lvl="0"/>
             <a:r>
-              <a:rPr lang="en-US" smtClean="0"/>
+              <a:rPr lang="en-US"/>
               <a:t>Click to edit Master text styles</a:t>
             </a:r>
           </a:p>
           <a:p>
             <a:pPr lvl="1"/>
             <a:r>
-              <a:rPr lang="en-US" smtClean="0"/>
+              <a:rPr lang="en-US"/>
               <a:t>Second level</a:t>
             </a:r>
           </a:p>
           <a:p>
             <a:pPr lvl="2"/>
             <a:r>
-              <a:rPr lang="en-US" smtClean="0"/>
+              <a:rPr lang="en-US"/>
               <a:t>Third level</a:t>
             </a:r>
           </a:p>
           <a:p>
             <a:pPr lvl="3"/>
             <a:r>
-              <a:rPr lang="en-US" smtClean="0"/>
+              <a:rPr lang="en-US"/>
               <a:t>Fourth level</a:t>
             </a:r>
           </a:p>
           <a:p>
             <a:pPr lvl="4"/>
             <a:r>
-              <a:rPr lang="en-US" smtClean="0"/>
+              <a:rPr lang="en-US"/>
               <a:t>Fifth level</a:t>
             </a:r>
-            <a:endParaRPr lang="en-US"/>
           </a:p>
         </p:txBody>
       </p:sp>
@@ -3803,7 +3774,7 @@
           <a:p>
             <a:fld id="{699DC775-C286-4358-8C92-D7E584E969B3}" type="datetimeFigureOut">
               <a:rPr lang="en-US" smtClean="0"/>
-              <a:t>19-Jun-15</a:t>
+              <a:t>1/23/2017</a:t>
             </a:fld>
             <a:endParaRPr lang="en-US"/>
           </a:p>
@@ -3902,10 +3873,9 @@
           <a:lstStyle/>
           <a:p>
             <a:r>
-              <a:rPr lang="en-US" smtClean="0"/>
+              <a:rPr lang="en-US"/>
               <a:t>Click to edit Master title style</a:t>
             </a:r>
-            <a:endParaRPr lang="en-US"/>
           </a:p>
         </p:txBody>
       </p:sp>
@@ -3931,38 +3901,37 @@
           <a:p>
             <a:pPr lvl="0"/>
             <a:r>
-              <a:rPr lang="en-US" smtClean="0"/>
+              <a:rPr lang="en-US"/>
               <a:t>Click to edit Master text styles</a:t>
             </a:r>
           </a:p>
           <a:p>
             <a:pPr lvl="1"/>
             <a:r>
-              <a:rPr lang="en-US" smtClean="0"/>
+              <a:rPr lang="en-US"/>
               <a:t>Second level</a:t>
             </a:r>
           </a:p>
           <a:p>
             <a:pPr lvl="2"/>
             <a:r>
-              <a:rPr lang="en-US" smtClean="0"/>
+              <a:rPr lang="en-US"/>
               <a:t>Third level</a:t>
             </a:r>
           </a:p>
           <a:p>
             <a:pPr lvl="3"/>
             <a:r>
-              <a:rPr lang="en-US" smtClean="0"/>
+              <a:rPr lang="en-US"/>
               <a:t>Fourth level</a:t>
             </a:r>
           </a:p>
           <a:p>
             <a:pPr lvl="4"/>
             <a:r>
-              <a:rPr lang="en-US" smtClean="0"/>
+              <a:rPr lang="en-US"/>
               <a:t>Fifth level</a:t>
             </a:r>
-            <a:endParaRPr lang="en-US"/>
           </a:p>
         </p:txBody>
       </p:sp>
@@ -3983,7 +3952,7 @@
           <a:p>
             <a:fld id="{699DC775-C286-4358-8C92-D7E584E969B3}" type="datetimeFigureOut">
               <a:rPr lang="en-US" smtClean="0"/>
-              <a:t>19-Jun-15</a:t>
+              <a:t>1/23/2017</a:t>
             </a:fld>
             <a:endParaRPr lang="en-US"/>
           </a:p>
@@ -4077,10 +4046,9 @@
           <a:lstStyle/>
           <a:p>
             <a:r>
-              <a:rPr lang="en-US" smtClean="0"/>
+              <a:rPr lang="en-US"/>
               <a:t>Click to edit Master title style</a:t>
             </a:r>
-            <a:endParaRPr lang="en-US"/>
           </a:p>
         </p:txBody>
       </p:sp>
@@ -4101,38 +4069,37 @@
           <a:p>
             <a:pPr lvl="0"/>
             <a:r>
-              <a:rPr lang="en-US" smtClean="0"/>
+              <a:rPr lang="en-US"/>
               <a:t>Click to edit Master text styles</a:t>
             </a:r>
           </a:p>
           <a:p>
             <a:pPr lvl="1"/>
             <a:r>
-              <a:rPr lang="en-US" smtClean="0"/>
+              <a:rPr lang="en-US"/>
               <a:t>Second level</a:t>
             </a:r>
           </a:p>
           <a:p>
             <a:pPr lvl="2"/>
             <a:r>
-              <a:rPr lang="en-US" smtClean="0"/>
+              <a:rPr lang="en-US"/>
               <a:t>Third level</a:t>
             </a:r>
           </a:p>
           <a:p>
             <a:pPr lvl="3"/>
             <a:r>
-              <a:rPr lang="en-US" smtClean="0"/>
+              <a:rPr lang="en-US"/>
               <a:t>Fourth level</a:t>
             </a:r>
           </a:p>
           <a:p>
             <a:pPr lvl="4"/>
             <a:r>
-              <a:rPr lang="en-US" smtClean="0"/>
+              <a:rPr lang="en-US"/>
               <a:t>Fifth level</a:t>
             </a:r>
-            <a:endParaRPr lang="en-US"/>
           </a:p>
         </p:txBody>
       </p:sp>
@@ -4153,7 +4120,7 @@
           <a:p>
             <a:fld id="{699DC775-C286-4358-8C92-D7E584E969B3}" type="datetimeFigureOut">
               <a:rPr lang="en-US" smtClean="0"/>
-              <a:t>19-Jun-15</a:t>
+              <a:t>1/23/2017</a:t>
             </a:fld>
             <a:endParaRPr lang="en-US"/>
           </a:p>
@@ -4260,10 +4227,9 @@
           <a:lstStyle/>
           <a:p>
             <a:r>
-              <a:rPr lang="en-US" smtClean="0"/>
+              <a:rPr lang="en-US"/>
               <a:t>Click to edit Master title style</a:t>
             </a:r>
-            <a:endParaRPr lang="en-US"/>
           </a:p>
         </p:txBody>
       </p:sp>
@@ -4379,10 +4345,9 @@
           </a:lstStyle>
           <a:p>
             <a:r>
-              <a:rPr lang="en-US" smtClean="0"/>
+              <a:rPr lang="en-US"/>
               <a:t>Click to edit Master subtitle style</a:t>
             </a:r>
-            <a:endParaRPr lang="en-US"/>
           </a:p>
         </p:txBody>
       </p:sp>
@@ -4403,7 +4368,7 @@
           <a:p>
             <a:fld id="{699DC775-C286-4358-8C92-D7E584E969B3}" type="datetimeFigureOut">
               <a:rPr lang="en-US" smtClean="0"/>
-              <a:t>19-Jun-15</a:t>
+              <a:t>1/23/2017</a:t>
             </a:fld>
             <a:endParaRPr lang="en-US"/>
           </a:p>
@@ -4505,10 +4470,9 @@
           <a:lstStyle/>
           <a:p>
             <a:r>
-              <a:rPr lang="en-US" smtClean="0"/>
+              <a:rPr lang="en-US"/>
               <a:t>Click to edit Master title style</a:t>
             </a:r>
-            <a:endParaRPr lang="en-US"/>
           </a:p>
         </p:txBody>
       </p:sp>
@@ -4529,38 +4493,37 @@
           <a:p>
             <a:pPr lvl="0"/>
             <a:r>
-              <a:rPr lang="en-US" smtClean="0"/>
+              <a:rPr lang="en-US"/>
               <a:t>Click to edit Master text styles</a:t>
             </a:r>
           </a:p>
           <a:p>
             <a:pPr lvl="1"/>
             <a:r>
-              <a:rPr lang="en-US" smtClean="0"/>
+              <a:rPr lang="en-US"/>
               <a:t>Second level</a:t>
             </a:r>
           </a:p>
           <a:p>
             <a:pPr lvl="2"/>
             <a:r>
-              <a:rPr lang="en-US" smtClean="0"/>
+              <a:rPr lang="en-US"/>
               <a:t>Third level</a:t>
             </a:r>
           </a:p>
           <a:p>
             <a:pPr lvl="3"/>
             <a:r>
-              <a:rPr lang="en-US" smtClean="0"/>
+              <a:rPr lang="en-US"/>
               <a:t>Fourth level</a:t>
             </a:r>
           </a:p>
           <a:p>
             <a:pPr lvl="4"/>
             <a:r>
-              <a:rPr lang="en-US" smtClean="0"/>
+              <a:rPr lang="en-US"/>
               <a:t>Fifth level</a:t>
             </a:r>
-            <a:endParaRPr lang="en-US"/>
           </a:p>
         </p:txBody>
       </p:sp>
@@ -4581,7 +4544,7 @@
           <a:p>
             <a:fld id="{699DC775-C286-4358-8C92-D7E584E969B3}" type="datetimeFigureOut">
               <a:rPr lang="en-US" smtClean="0"/>
-              <a:t>19-Jun-15</a:t>
+              <a:t>1/23/2017</a:t>
             </a:fld>
             <a:endParaRPr lang="en-US"/>
           </a:p>
@@ -4692,10 +4655,9 @@
           </a:lstStyle>
           <a:p>
             <a:r>
-              <a:rPr lang="en-US" smtClean="0"/>
+              <a:rPr lang="en-US"/>
               <a:t>Click to edit Master title style</a:t>
             </a:r>
-            <a:endParaRPr lang="en-US"/>
           </a:p>
         </p:txBody>
       </p:sp>
@@ -4812,7 +4774,7 @@
           <a:p>
             <a:pPr lvl="0"/>
             <a:r>
-              <a:rPr lang="en-US" smtClean="0"/>
+              <a:rPr lang="en-US"/>
               <a:t>Click to edit Master text styles</a:t>
             </a:r>
           </a:p>
@@ -4835,7 +4797,7 @@
           <a:p>
             <a:fld id="{699DC775-C286-4358-8C92-D7E584E969B3}" type="datetimeFigureOut">
               <a:rPr lang="en-US" smtClean="0"/>
-              <a:t>19-Jun-15</a:t>
+              <a:t>1/23/2017</a:t>
             </a:fld>
             <a:endParaRPr lang="en-US"/>
           </a:p>
@@ -4937,10 +4899,9 @@
           <a:lstStyle/>
           <a:p>
             <a:r>
-              <a:rPr lang="en-US" smtClean="0"/>
+              <a:rPr lang="en-US"/>
               <a:t>Click to edit Master title style</a:t>
             </a:r>
-            <a:endParaRPr lang="en-US"/>
           </a:p>
         </p:txBody>
       </p:sp>
@@ -4994,38 +4955,37 @@
           <a:p>
             <a:pPr lvl="0"/>
             <a:r>
-              <a:rPr lang="en-US" smtClean="0"/>
+              <a:rPr lang="en-US"/>
               <a:t>Click to edit Master text styles</a:t>
             </a:r>
           </a:p>
           <a:p>
             <a:pPr lvl="1"/>
             <a:r>
-              <a:rPr lang="en-US" smtClean="0"/>
+              <a:rPr lang="en-US"/>
               <a:t>Second level</a:t>
             </a:r>
           </a:p>
           <a:p>
             <a:pPr lvl="2"/>
             <a:r>
-              <a:rPr lang="en-US" smtClean="0"/>
+              <a:rPr lang="en-US"/>
               <a:t>Third level</a:t>
             </a:r>
           </a:p>
           <a:p>
             <a:pPr lvl="3"/>
             <a:r>
-              <a:rPr lang="en-US" smtClean="0"/>
+              <a:rPr lang="en-US"/>
               <a:t>Fourth level</a:t>
             </a:r>
           </a:p>
           <a:p>
             <a:pPr lvl="4"/>
             <a:r>
-              <a:rPr lang="en-US" smtClean="0"/>
+              <a:rPr lang="en-US"/>
               <a:t>Fifth level</a:t>
             </a:r>
-            <a:endParaRPr lang="en-US"/>
           </a:p>
         </p:txBody>
       </p:sp>
@@ -5079,38 +5039,37 @@
           <a:p>
             <a:pPr lvl="0"/>
             <a:r>
-              <a:rPr lang="en-US" smtClean="0"/>
+              <a:rPr lang="en-US"/>
               <a:t>Click to edit Master text styles</a:t>
             </a:r>
           </a:p>
           <a:p>
             <a:pPr lvl="1"/>
             <a:r>
-              <a:rPr lang="en-US" smtClean="0"/>
+              <a:rPr lang="en-US"/>
               <a:t>Second level</a:t>
             </a:r>
           </a:p>
           <a:p>
             <a:pPr lvl="2"/>
             <a:r>
-              <a:rPr lang="en-US" smtClean="0"/>
+              <a:rPr lang="en-US"/>
               <a:t>Third level</a:t>
             </a:r>
           </a:p>
           <a:p>
             <a:pPr lvl="3"/>
             <a:r>
-              <a:rPr lang="en-US" smtClean="0"/>
+              <a:rPr lang="en-US"/>
               <a:t>Fourth level</a:t>
             </a:r>
           </a:p>
           <a:p>
             <a:pPr lvl="4"/>
             <a:r>
-              <a:rPr lang="en-US" smtClean="0"/>
+              <a:rPr lang="en-US"/>
               <a:t>Fifth level</a:t>
             </a:r>
-            <a:endParaRPr lang="en-US"/>
           </a:p>
         </p:txBody>
       </p:sp>
@@ -5131,7 +5090,7 @@
           <a:p>
             <a:fld id="{699DC775-C286-4358-8C92-D7E584E969B3}" type="datetimeFigureOut">
               <a:rPr lang="en-US" smtClean="0"/>
-              <a:t>19-Jun-15</a:t>
+              <a:t>1/23/2017</a:t>
             </a:fld>
             <a:endParaRPr lang="en-US"/>
           </a:p>
@@ -5237,10 +5196,9 @@
           </a:lstStyle>
           <a:p>
             <a:r>
-              <a:rPr lang="en-US" smtClean="0"/>
+              <a:rPr lang="en-US"/>
               <a:t>Click to edit Master title style</a:t>
             </a:r>
-            <a:endParaRPr lang="en-US"/>
           </a:p>
         </p:txBody>
       </p:sp>
@@ -5303,7 +5261,7 @@
           <a:p>
             <a:pPr lvl="0"/>
             <a:r>
-              <a:rPr lang="en-US" smtClean="0"/>
+              <a:rPr lang="en-US"/>
               <a:t>Click to edit Master text styles</a:t>
             </a:r>
           </a:p>
@@ -5359,38 +5317,37 @@
           <a:p>
             <a:pPr lvl="0"/>
             <a:r>
-              <a:rPr lang="en-US" smtClean="0"/>
+              <a:rPr lang="en-US"/>
               <a:t>Click to edit Master text styles</a:t>
             </a:r>
           </a:p>
           <a:p>
             <a:pPr lvl="1"/>
             <a:r>
-              <a:rPr lang="en-US" smtClean="0"/>
+              <a:rPr lang="en-US"/>
               <a:t>Second level</a:t>
             </a:r>
           </a:p>
           <a:p>
             <a:pPr lvl="2"/>
             <a:r>
-              <a:rPr lang="en-US" smtClean="0"/>
+              <a:rPr lang="en-US"/>
               <a:t>Third level</a:t>
             </a:r>
           </a:p>
           <a:p>
             <a:pPr lvl="3"/>
             <a:r>
-              <a:rPr lang="en-US" smtClean="0"/>
+              <a:rPr lang="en-US"/>
               <a:t>Fourth level</a:t>
             </a:r>
           </a:p>
           <a:p>
             <a:pPr lvl="4"/>
             <a:r>
-              <a:rPr lang="en-US" smtClean="0"/>
+              <a:rPr lang="en-US"/>
               <a:t>Fifth level</a:t>
             </a:r>
-            <a:endParaRPr lang="en-US"/>
           </a:p>
         </p:txBody>
       </p:sp>
@@ -5453,7 +5410,7 @@
           <a:p>
             <a:pPr lvl="0"/>
             <a:r>
-              <a:rPr lang="en-US" smtClean="0"/>
+              <a:rPr lang="en-US"/>
               <a:t>Click to edit Master text styles</a:t>
             </a:r>
           </a:p>
@@ -5509,38 +5466,37 @@
           <a:p>
             <a:pPr lvl="0"/>
             <a:r>
-              <a:rPr lang="en-US" smtClean="0"/>
+              <a:rPr lang="en-US"/>
               <a:t>Click to edit Master text styles</a:t>
             </a:r>
           </a:p>
           <a:p>
             <a:pPr lvl="1"/>
             <a:r>
-              <a:rPr lang="en-US" smtClean="0"/>
+              <a:rPr lang="en-US"/>
               <a:t>Second level</a:t>
             </a:r>
           </a:p>
           <a:p>
             <a:pPr lvl="2"/>
             <a:r>
-              <a:rPr lang="en-US" smtClean="0"/>
+              <a:rPr lang="en-US"/>
               <a:t>Third level</a:t>
             </a:r>
           </a:p>
           <a:p>
             <a:pPr lvl="3"/>
             <a:r>
-              <a:rPr lang="en-US" smtClean="0"/>
+              <a:rPr lang="en-US"/>
               <a:t>Fourth level</a:t>
             </a:r>
           </a:p>
           <a:p>
             <a:pPr lvl="4"/>
             <a:r>
-              <a:rPr lang="en-US" smtClean="0"/>
+              <a:rPr lang="en-US"/>
               <a:t>Fifth level</a:t>
             </a:r>
-            <a:endParaRPr lang="en-US"/>
           </a:p>
         </p:txBody>
       </p:sp>
@@ -5561,7 +5517,7 @@
           <a:p>
             <a:fld id="{699DC775-C286-4358-8C92-D7E584E969B3}" type="datetimeFigureOut">
               <a:rPr lang="en-US" smtClean="0"/>
-              <a:t>19-Jun-15</a:t>
+              <a:t>1/23/2017</a:t>
             </a:fld>
             <a:endParaRPr lang="en-US"/>
           </a:p>
@@ -5664,10 +5620,9 @@
           </a:lstStyle>
           <a:p>
             <a:r>
-              <a:rPr lang="en-US" smtClean="0"/>
+              <a:rPr lang="en-US"/>
               <a:t>Click to edit Master title style</a:t>
             </a:r>
-            <a:endParaRPr lang="en-US"/>
           </a:p>
         </p:txBody>
       </p:sp>
@@ -5784,7 +5739,7 @@
           <a:p>
             <a:pPr lvl="0"/>
             <a:r>
-              <a:rPr lang="en-US" smtClean="0"/>
+              <a:rPr lang="en-US"/>
               <a:t>Click to edit Master text styles</a:t>
             </a:r>
           </a:p>
@@ -5807,7 +5762,7 @@
           <a:p>
             <a:fld id="{699DC775-C286-4358-8C92-D7E584E969B3}" type="datetimeFigureOut">
               <a:rPr lang="en-US" smtClean="0"/>
-              <a:t>19-Jun-15</a:t>
+              <a:t>1/23/2017</a:t>
             </a:fld>
             <a:endParaRPr lang="en-US"/>
           </a:p>
@@ -5909,10 +5864,9 @@
           <a:lstStyle/>
           <a:p>
             <a:r>
-              <a:rPr lang="en-US" smtClean="0"/>
+              <a:rPr lang="en-US"/>
               <a:t>Click to edit Master title style</a:t>
             </a:r>
-            <a:endParaRPr lang="en-US"/>
           </a:p>
         </p:txBody>
       </p:sp>
@@ -5933,7 +5887,7 @@
           <a:p>
             <a:fld id="{699DC775-C286-4358-8C92-D7E584E969B3}" type="datetimeFigureOut">
               <a:rPr lang="en-US" smtClean="0"/>
-              <a:t>19-Jun-15</a:t>
+              <a:t>1/23/2017</a:t>
             </a:fld>
             <a:endParaRPr lang="en-US"/>
           </a:p>
@@ -6036,7 +5990,7 @@
           <a:p>
             <a:fld id="{699DC775-C286-4358-8C92-D7E584E969B3}" type="datetimeFigureOut">
               <a:rPr lang="en-US" smtClean="0"/>
-              <a:t>19-Jun-15</a:t>
+              <a:t>1/23/2017</a:t>
             </a:fld>
             <a:endParaRPr lang="en-US"/>
           </a:p>
@@ -6147,10 +6101,9 @@
           </a:lstStyle>
           <a:p>
             <a:r>
-              <a:rPr lang="en-US" smtClean="0"/>
+              <a:rPr lang="en-US"/>
               <a:t>Click to edit Master title style</a:t>
             </a:r>
-            <a:endParaRPr lang="en-US"/>
           </a:p>
         </p:txBody>
       </p:sp>
@@ -6204,38 +6157,37 @@
           <a:p>
             <a:pPr lvl="0"/>
             <a:r>
-              <a:rPr lang="en-US" smtClean="0"/>
+              <a:rPr lang="en-US"/>
               <a:t>Click to edit Master text styles</a:t>
             </a:r>
           </a:p>
           <a:p>
             <a:pPr lvl="1"/>
             <a:r>
-              <a:rPr lang="en-US" smtClean="0"/>
+              <a:rPr lang="en-US"/>
               <a:t>Second level</a:t>
             </a:r>
           </a:p>
           <a:p>
             <a:pPr lvl="2"/>
             <a:r>
-              <a:rPr lang="en-US" smtClean="0"/>
+              <a:rPr lang="en-US"/>
               <a:t>Third level</a:t>
             </a:r>
           </a:p>
           <a:p>
             <a:pPr lvl="3"/>
             <a:r>
-              <a:rPr lang="en-US" smtClean="0"/>
+              <a:rPr lang="en-US"/>
               <a:t>Fourth level</a:t>
             </a:r>
           </a:p>
           <a:p>
             <a:pPr lvl="4"/>
             <a:r>
-              <a:rPr lang="en-US" smtClean="0"/>
+              <a:rPr lang="en-US"/>
               <a:t>Fifth level</a:t>
             </a:r>
-            <a:endParaRPr lang="en-US"/>
           </a:p>
         </p:txBody>
       </p:sp>
@@ -6298,7 +6250,7 @@
           <a:p>
             <a:pPr lvl="0"/>
             <a:r>
-              <a:rPr lang="en-US" smtClean="0"/>
+              <a:rPr lang="en-US"/>
               <a:t>Click to edit Master text styles</a:t>
             </a:r>
           </a:p>
@@ -6321,7 +6273,7 @@
           <a:p>
             <a:fld id="{699DC775-C286-4358-8C92-D7E584E969B3}" type="datetimeFigureOut">
               <a:rPr lang="en-US" smtClean="0"/>
-              <a:t>19-Jun-15</a:t>
+              <a:t>1/23/2017</a:t>
             </a:fld>
             <a:endParaRPr lang="en-US"/>
           </a:p>
@@ -6432,10 +6384,9 @@
           </a:lstStyle>
           <a:p>
             <a:r>
-              <a:rPr lang="en-US" smtClean="0"/>
+              <a:rPr lang="en-US"/>
               <a:t>Click to edit Master title style</a:t>
             </a:r>
-            <a:endParaRPr lang="en-US"/>
           </a:p>
         </p:txBody>
       </p:sp>
@@ -6559,7 +6510,7 @@
           <a:p>
             <a:pPr lvl="0"/>
             <a:r>
-              <a:rPr lang="en-US" smtClean="0"/>
+              <a:rPr lang="en-US"/>
               <a:t>Click to edit Master text styles</a:t>
             </a:r>
           </a:p>
@@ -6582,7 +6533,7 @@
           <a:p>
             <a:fld id="{699DC775-C286-4358-8C92-D7E584E969B3}" type="datetimeFigureOut">
               <a:rPr lang="en-US" smtClean="0"/>
-              <a:t>19-Jun-15</a:t>
+              <a:t>1/23/2017</a:t>
             </a:fld>
             <a:endParaRPr lang="en-US"/>
           </a:p>
@@ -6684,10 +6635,9 @@
           <a:lstStyle/>
           <a:p>
             <a:r>
-              <a:rPr lang="en-US" smtClean="0"/>
+              <a:rPr lang="en-US"/>
               <a:t>Click to edit Master title style</a:t>
             </a:r>
-            <a:endParaRPr lang="en-US"/>
           </a:p>
         </p:txBody>
       </p:sp>
@@ -6708,38 +6658,37 @@
           <a:p>
             <a:pPr lvl="0"/>
             <a:r>
-              <a:rPr lang="en-US" smtClean="0"/>
+              <a:rPr lang="en-US"/>
               <a:t>Click to edit Master text styles</a:t>
             </a:r>
           </a:p>
           <a:p>
             <a:pPr lvl="1"/>
             <a:r>
-              <a:rPr lang="en-US" smtClean="0"/>
+              <a:rPr lang="en-US"/>
               <a:t>Second level</a:t>
             </a:r>
           </a:p>
           <a:p>
             <a:pPr lvl="2"/>
             <a:r>
-              <a:rPr lang="en-US" smtClean="0"/>
+              <a:rPr lang="en-US"/>
               <a:t>Third level</a:t>
             </a:r>
           </a:p>
           <a:p>
             <a:pPr lvl="3"/>
             <a:r>
-              <a:rPr lang="en-US" smtClean="0"/>
+              <a:rPr lang="en-US"/>
               <a:t>Fourth level</a:t>
             </a:r>
           </a:p>
           <a:p>
             <a:pPr lvl="4"/>
             <a:r>
-              <a:rPr lang="en-US" smtClean="0"/>
+              <a:rPr lang="en-US"/>
               <a:t>Fifth level</a:t>
             </a:r>
-            <a:endParaRPr lang="en-US"/>
           </a:p>
         </p:txBody>
       </p:sp>
@@ -6760,7 +6709,7 @@
           <a:p>
             <a:fld id="{699DC775-C286-4358-8C92-D7E584E969B3}" type="datetimeFigureOut">
               <a:rPr lang="en-US" smtClean="0"/>
-              <a:t>19-Jun-15</a:t>
+              <a:t>1/23/2017</a:t>
             </a:fld>
             <a:endParaRPr lang="en-US"/>
           </a:p>
@@ -6867,10 +6816,9 @@
           <a:lstStyle/>
           <a:p>
             <a:r>
-              <a:rPr lang="en-US" smtClean="0"/>
+              <a:rPr lang="en-US"/>
               <a:t>Click to edit Master title style</a:t>
             </a:r>
-            <a:endParaRPr lang="en-US"/>
           </a:p>
         </p:txBody>
       </p:sp>
@@ -6896,38 +6844,37 @@
           <a:p>
             <a:pPr lvl="0"/>
             <a:r>
-              <a:rPr lang="en-US" smtClean="0"/>
+              <a:rPr lang="en-US"/>
               <a:t>Click to edit Master text styles</a:t>
             </a:r>
           </a:p>
           <a:p>
             <a:pPr lvl="1"/>
             <a:r>
-              <a:rPr lang="en-US" smtClean="0"/>
+              <a:rPr lang="en-US"/>
               <a:t>Second level</a:t>
             </a:r>
           </a:p>
           <a:p>
             <a:pPr lvl="2"/>
             <a:r>
-              <a:rPr lang="en-US" smtClean="0"/>
+              <a:rPr lang="en-US"/>
               <a:t>Third level</a:t>
             </a:r>
           </a:p>
           <a:p>
             <a:pPr lvl="3"/>
             <a:r>
-              <a:rPr lang="en-US" smtClean="0"/>
+              <a:rPr lang="en-US"/>
               <a:t>Fourth level</a:t>
             </a:r>
           </a:p>
           <a:p>
             <a:pPr lvl="4"/>
             <a:r>
-              <a:rPr lang="en-US" smtClean="0"/>
+              <a:rPr lang="en-US"/>
               <a:t>Fifth level</a:t>
             </a:r>
-            <a:endParaRPr lang="en-US"/>
           </a:p>
         </p:txBody>
       </p:sp>
@@ -6948,7 +6895,7 @@
           <a:p>
             <a:fld id="{699DC775-C286-4358-8C92-D7E584E969B3}" type="datetimeFigureOut">
               <a:rPr lang="en-US" smtClean="0"/>
-              <a:t>19-Jun-15</a:t>
+              <a:t>1/23/2017</a:t>
             </a:fld>
             <a:endParaRPr lang="en-US"/>
           </a:p>
@@ -7042,10 +6989,9 @@
           <a:lstStyle/>
           <a:p>
             <a:r>
-              <a:rPr lang="en-US" smtClean="0"/>
+              <a:rPr lang="en-US"/>
               <a:t>Click to edit Master title style</a:t>
             </a:r>
-            <a:endParaRPr lang="en-US"/>
           </a:p>
         </p:txBody>
       </p:sp>
@@ -7066,38 +7012,37 @@
           <a:p>
             <a:pPr lvl="0"/>
             <a:r>
-              <a:rPr lang="en-US" smtClean="0"/>
+              <a:rPr lang="en-US"/>
               <a:t>Click to edit Master text styles</a:t>
             </a:r>
           </a:p>
           <a:p>
             <a:pPr lvl="1"/>
             <a:r>
-              <a:rPr lang="en-US" smtClean="0"/>
+              <a:rPr lang="en-US"/>
               <a:t>Second level</a:t>
             </a:r>
           </a:p>
           <a:p>
             <a:pPr lvl="2"/>
             <a:r>
-              <a:rPr lang="en-US" smtClean="0"/>
+              <a:rPr lang="en-US"/>
               <a:t>Third level</a:t>
             </a:r>
           </a:p>
           <a:p>
             <a:pPr lvl="3"/>
             <a:r>
-              <a:rPr lang="en-US" smtClean="0"/>
+              <a:rPr lang="en-US"/>
               <a:t>Fourth level</a:t>
             </a:r>
           </a:p>
           <a:p>
             <a:pPr lvl="4"/>
             <a:r>
-              <a:rPr lang="en-US" smtClean="0"/>
+              <a:rPr lang="en-US"/>
               <a:t>Fifth level</a:t>
             </a:r>
-            <a:endParaRPr lang="en-US"/>
           </a:p>
         </p:txBody>
       </p:sp>
@@ -7118,7 +7063,7 @@
           <a:p>
             <a:fld id="{699DC775-C286-4358-8C92-D7E584E969B3}" type="datetimeFigureOut">
               <a:rPr lang="en-US" smtClean="0"/>
-              <a:t>19-Jun-15</a:t>
+              <a:t>1/23/2017</a:t>
             </a:fld>
             <a:endParaRPr lang="en-US"/>
           </a:p>
@@ -7212,10 +7157,9 @@
           <a:lstStyle/>
           <a:p>
             <a:r>
-              <a:rPr lang="en-US" smtClean="0"/>
+              <a:rPr lang="en-US"/>
               <a:t>Click to edit Master title style</a:t>
             </a:r>
-            <a:endParaRPr lang="en-US"/>
           </a:p>
         </p:txBody>
       </p:sp>
@@ -7269,38 +7213,37 @@
           <a:p>
             <a:pPr lvl="0"/>
             <a:r>
-              <a:rPr lang="en-US" smtClean="0"/>
+              <a:rPr lang="en-US"/>
               <a:t>Click to edit Master text styles</a:t>
             </a:r>
           </a:p>
           <a:p>
             <a:pPr lvl="1"/>
             <a:r>
-              <a:rPr lang="en-US" smtClean="0"/>
+              <a:rPr lang="en-US"/>
               <a:t>Second level</a:t>
             </a:r>
           </a:p>
           <a:p>
             <a:pPr lvl="2"/>
             <a:r>
-              <a:rPr lang="en-US" smtClean="0"/>
+              <a:rPr lang="en-US"/>
               <a:t>Third level</a:t>
             </a:r>
           </a:p>
           <a:p>
             <a:pPr lvl="3"/>
             <a:r>
-              <a:rPr lang="en-US" smtClean="0"/>
+              <a:rPr lang="en-US"/>
               <a:t>Fourth level</a:t>
             </a:r>
           </a:p>
           <a:p>
             <a:pPr lvl="4"/>
             <a:r>
-              <a:rPr lang="en-US" smtClean="0"/>
+              <a:rPr lang="en-US"/>
               <a:t>Fifth level</a:t>
             </a:r>
-            <a:endParaRPr lang="en-US"/>
           </a:p>
         </p:txBody>
       </p:sp>
@@ -7354,38 +7297,37 @@
           <a:p>
             <a:pPr lvl="0"/>
             <a:r>
-              <a:rPr lang="en-US" smtClean="0"/>
+              <a:rPr lang="en-US"/>
               <a:t>Click to edit Master text styles</a:t>
             </a:r>
           </a:p>
           <a:p>
             <a:pPr lvl="1"/>
             <a:r>
-              <a:rPr lang="en-US" smtClean="0"/>
+              <a:rPr lang="en-US"/>
               <a:t>Second level</a:t>
             </a:r>
           </a:p>
           <a:p>
             <a:pPr lvl="2"/>
             <a:r>
-              <a:rPr lang="en-US" smtClean="0"/>
+              <a:rPr lang="en-US"/>
               <a:t>Third level</a:t>
             </a:r>
           </a:p>
           <a:p>
             <a:pPr lvl="3"/>
             <a:r>
-              <a:rPr lang="en-US" smtClean="0"/>
+              <a:rPr lang="en-US"/>
               <a:t>Fourth level</a:t>
             </a:r>
           </a:p>
           <a:p>
             <a:pPr lvl="4"/>
             <a:r>
-              <a:rPr lang="en-US" smtClean="0"/>
+              <a:rPr lang="en-US"/>
               <a:t>Fifth level</a:t>
             </a:r>
-            <a:endParaRPr lang="en-US"/>
           </a:p>
         </p:txBody>
       </p:sp>
@@ -7406,7 +7348,7 @@
           <a:p>
             <a:fld id="{699DC775-C286-4358-8C92-D7E584E969B3}" type="datetimeFigureOut">
               <a:rPr lang="en-US" smtClean="0"/>
-              <a:t>19-Jun-15</a:t>
+              <a:t>1/23/2017</a:t>
             </a:fld>
             <a:endParaRPr lang="en-US"/>
           </a:p>
@@ -7504,10 +7446,9 @@
           </a:lstStyle>
           <a:p>
             <a:r>
-              <a:rPr lang="en-US" smtClean="0"/>
+              <a:rPr lang="en-US"/>
               <a:t>Click to edit Master title style</a:t>
             </a:r>
-            <a:endParaRPr lang="en-US"/>
           </a:p>
         </p:txBody>
       </p:sp>
@@ -7570,7 +7511,7 @@
           <a:p>
             <a:pPr lvl="0"/>
             <a:r>
-              <a:rPr lang="en-US" smtClean="0"/>
+              <a:rPr lang="en-US"/>
               <a:t>Click to edit Master text styles</a:t>
             </a:r>
           </a:p>
@@ -7626,38 +7567,37 @@
           <a:p>
             <a:pPr lvl="0"/>
             <a:r>
-              <a:rPr lang="en-US" smtClean="0"/>
+              <a:rPr lang="en-US"/>
               <a:t>Click to edit Master text styles</a:t>
             </a:r>
           </a:p>
           <a:p>
             <a:pPr lvl="1"/>
             <a:r>
-              <a:rPr lang="en-US" smtClean="0"/>
+              <a:rPr lang="en-US"/>
               <a:t>Second level</a:t>
             </a:r>
           </a:p>
           <a:p>
             <a:pPr lvl="2"/>
             <a:r>
-              <a:rPr lang="en-US" smtClean="0"/>
+              <a:rPr lang="en-US"/>
               <a:t>Third level</a:t>
             </a:r>
           </a:p>
           <a:p>
             <a:pPr lvl="3"/>
             <a:r>
-              <a:rPr lang="en-US" smtClean="0"/>
+              <a:rPr lang="en-US"/>
               <a:t>Fourth level</a:t>
             </a:r>
           </a:p>
           <a:p>
             <a:pPr lvl="4"/>
             <a:r>
-              <a:rPr lang="en-US" smtClean="0"/>
+              <a:rPr lang="en-US"/>
               <a:t>Fifth level</a:t>
             </a:r>
-            <a:endParaRPr lang="en-US"/>
           </a:p>
         </p:txBody>
       </p:sp>
@@ -7720,7 +7660,7 @@
           <a:p>
             <a:pPr lvl="0"/>
             <a:r>
-              <a:rPr lang="en-US" smtClean="0"/>
+              <a:rPr lang="en-US"/>
               <a:t>Click to edit Master text styles</a:t>
             </a:r>
           </a:p>
@@ -7776,38 +7716,37 @@
           <a:p>
             <a:pPr lvl="0"/>
             <a:r>
-              <a:rPr lang="en-US" smtClean="0"/>
+              <a:rPr lang="en-US"/>
               <a:t>Click to edit Master text styles</a:t>
             </a:r>
           </a:p>
           <a:p>
             <a:pPr lvl="1"/>
             <a:r>
-              <a:rPr lang="en-US" smtClean="0"/>
+              <a:rPr lang="en-US"/>
               <a:t>Second level</a:t>
             </a:r>
           </a:p>
           <a:p>
             <a:pPr lvl="2"/>
             <a:r>
-              <a:rPr lang="en-US" smtClean="0"/>
+              <a:rPr lang="en-US"/>
               <a:t>Third level</a:t>
             </a:r>
           </a:p>
           <a:p>
             <a:pPr lvl="3"/>
             <a:r>
-              <a:rPr lang="en-US" smtClean="0"/>
+              <a:rPr lang="en-US"/>
               <a:t>Fourth level</a:t>
             </a:r>
           </a:p>
           <a:p>
             <a:pPr lvl="4"/>
             <a:r>
-              <a:rPr lang="en-US" smtClean="0"/>
+              <a:rPr lang="en-US"/>
               <a:t>Fifth level</a:t>
             </a:r>
-            <a:endParaRPr lang="en-US"/>
           </a:p>
         </p:txBody>
       </p:sp>
@@ -7828,7 +7767,7 @@
           <a:p>
             <a:fld id="{699DC775-C286-4358-8C92-D7E584E969B3}" type="datetimeFigureOut">
               <a:rPr lang="en-US" smtClean="0"/>
-              <a:t>19-Jun-15</a:t>
+              <a:t>1/23/2017</a:t>
             </a:fld>
             <a:endParaRPr lang="en-US"/>
           </a:p>
@@ -7922,10 +7861,9 @@
           <a:lstStyle/>
           <a:p>
             <a:r>
-              <a:rPr lang="en-US" smtClean="0"/>
+              <a:rPr lang="en-US"/>
               <a:t>Click to edit Master title style</a:t>
             </a:r>
-            <a:endParaRPr lang="en-US"/>
           </a:p>
         </p:txBody>
       </p:sp>
@@ -7946,7 +7884,7 @@
           <a:p>
             <a:fld id="{699DC775-C286-4358-8C92-D7E584E969B3}" type="datetimeFigureOut">
               <a:rPr lang="en-US" smtClean="0"/>
-              <a:t>19-Jun-15</a:t>
+              <a:t>1/23/2017</a:t>
             </a:fld>
             <a:endParaRPr lang="en-US"/>
           </a:p>
@@ -8041,7 +7979,7 @@
           <a:p>
             <a:fld id="{699DC775-C286-4358-8C92-D7E584E969B3}" type="datetimeFigureOut">
               <a:rPr lang="en-US" smtClean="0"/>
-              <a:t>19-Jun-15</a:t>
+              <a:t>1/23/2017</a:t>
             </a:fld>
             <a:endParaRPr lang="en-US"/>
           </a:p>
@@ -8144,10 +8082,9 @@
           </a:lstStyle>
           <a:p>
             <a:r>
-              <a:rPr lang="en-US" smtClean="0"/>
+              <a:rPr lang="en-US"/>
               <a:t>Click to edit Master title style</a:t>
             </a:r>
-            <a:endParaRPr lang="en-US"/>
           </a:p>
         </p:txBody>
       </p:sp>
@@ -8201,38 +8138,37 @@
           <a:p>
             <a:pPr lvl="0"/>
             <a:r>
-              <a:rPr lang="en-US" smtClean="0"/>
+              <a:rPr lang="en-US"/>
               <a:t>Click to edit Master text styles</a:t>
             </a:r>
           </a:p>
           <a:p>
             <a:pPr lvl="1"/>
             <a:r>
-              <a:rPr lang="en-US" smtClean="0"/>
+              <a:rPr lang="en-US"/>
               <a:t>Second level</a:t>
             </a:r>
           </a:p>
           <a:p>
             <a:pPr lvl="2"/>
             <a:r>
-              <a:rPr lang="en-US" smtClean="0"/>
+              <a:rPr lang="en-US"/>
               <a:t>Third level</a:t>
             </a:r>
           </a:p>
           <a:p>
             <a:pPr lvl="3"/>
             <a:r>
-              <a:rPr lang="en-US" smtClean="0"/>
+              <a:rPr lang="en-US"/>
               <a:t>Fourth level</a:t>
             </a:r>
           </a:p>
           <a:p>
             <a:pPr lvl="4"/>
             <a:r>
-              <a:rPr lang="en-US" smtClean="0"/>
+              <a:rPr lang="en-US"/>
               <a:t>Fifth level</a:t>
             </a:r>
-            <a:endParaRPr lang="en-US"/>
           </a:p>
         </p:txBody>
       </p:sp>
@@ -8295,7 +8231,7 @@
           <a:p>
             <a:pPr lvl="0"/>
             <a:r>
-              <a:rPr lang="en-US" smtClean="0"/>
+              <a:rPr lang="en-US"/>
               <a:t>Click to edit Master text styles</a:t>
             </a:r>
           </a:p>
@@ -8318,7 +8254,7 @@
           <a:p>
             <a:fld id="{699DC775-C286-4358-8C92-D7E584E969B3}" type="datetimeFigureOut">
               <a:rPr lang="en-US" smtClean="0"/>
-              <a:t>19-Jun-15</a:t>
+              <a:t>1/23/2017</a:t>
             </a:fld>
             <a:endParaRPr lang="en-US"/>
           </a:p>
@@ -8421,10 +8357,9 @@
           </a:lstStyle>
           <a:p>
             <a:r>
-              <a:rPr lang="en-US" smtClean="0"/>
+              <a:rPr lang="en-US"/>
               <a:t>Click to edit Master title style</a:t>
             </a:r>
-            <a:endParaRPr lang="en-US"/>
           </a:p>
         </p:txBody>
       </p:sp>
@@ -8548,7 +8483,7 @@
           <a:p>
             <a:pPr lvl="0"/>
             <a:r>
-              <a:rPr lang="en-US" smtClean="0"/>
+              <a:rPr lang="en-US"/>
               <a:t>Click to edit Master text styles</a:t>
             </a:r>
           </a:p>
@@ -8571,7 +8506,7 @@
           <a:p>
             <a:fld id="{699DC775-C286-4358-8C92-D7E584E969B3}" type="datetimeFigureOut">
               <a:rPr lang="en-US" smtClean="0"/>
-              <a:t>19-Jun-15</a:t>
+              <a:t>1/23/2017</a:t>
             </a:fld>
             <a:endParaRPr lang="en-US"/>
           </a:p>
@@ -8680,10 +8615,9 @@
           <a:lstStyle/>
           <a:p>
             <a:r>
-              <a:rPr lang="en-US" smtClean="0"/>
+              <a:rPr lang="en-US"/>
               <a:t>Click to edit Master title style</a:t>
             </a:r>
-            <a:endParaRPr lang="en-US"/>
           </a:p>
         </p:txBody>
       </p:sp>
@@ -8714,38 +8648,37 @@
           <a:p>
             <a:pPr lvl="0"/>
             <a:r>
-              <a:rPr lang="en-US" smtClean="0"/>
+              <a:rPr lang="en-US"/>
               <a:t>Click to edit Master text styles</a:t>
             </a:r>
           </a:p>
           <a:p>
             <a:pPr lvl="1"/>
             <a:r>
-              <a:rPr lang="en-US" smtClean="0"/>
+              <a:rPr lang="en-US"/>
               <a:t>Second level</a:t>
             </a:r>
           </a:p>
           <a:p>
             <a:pPr lvl="2"/>
             <a:r>
-              <a:rPr lang="en-US" smtClean="0"/>
+              <a:rPr lang="en-US"/>
               <a:t>Third level</a:t>
             </a:r>
           </a:p>
           <a:p>
             <a:pPr lvl="3"/>
             <a:r>
-              <a:rPr lang="en-US" smtClean="0"/>
+              <a:rPr lang="en-US"/>
               <a:t>Fourth level</a:t>
             </a:r>
           </a:p>
           <a:p>
             <a:pPr lvl="4"/>
             <a:r>
-              <a:rPr lang="en-US" smtClean="0"/>
+              <a:rPr lang="en-US"/>
               <a:t>Fifth level</a:t>
             </a:r>
-            <a:endParaRPr lang="en-US"/>
           </a:p>
         </p:txBody>
       </p:sp>
@@ -8784,7 +8717,7 @@
           <a:p>
             <a:fld id="{699DC775-C286-4358-8C92-D7E584E969B3}" type="datetimeFigureOut">
               <a:rPr lang="en-US" smtClean="0"/>
-              <a:t>19-Jun-15</a:t>
+              <a:t>1/23/2017</a:t>
             </a:fld>
             <a:endParaRPr lang="en-US"/>
           </a:p>
@@ -9196,10 +9129,9 @@
           <a:lstStyle/>
           <a:p>
             <a:r>
-              <a:rPr lang="en-US" smtClean="0"/>
+              <a:rPr lang="en-US"/>
               <a:t>Click to edit Master title style</a:t>
             </a:r>
-            <a:endParaRPr lang="en-US"/>
           </a:p>
         </p:txBody>
       </p:sp>
@@ -9230,38 +9162,37 @@
           <a:p>
             <a:pPr lvl="0"/>
             <a:r>
-              <a:rPr lang="en-US" smtClean="0"/>
+              <a:rPr lang="en-US"/>
               <a:t>Click to edit Master text styles</a:t>
             </a:r>
           </a:p>
           <a:p>
             <a:pPr lvl="1"/>
             <a:r>
-              <a:rPr lang="en-US" smtClean="0"/>
+              <a:rPr lang="en-US"/>
               <a:t>Second level</a:t>
             </a:r>
           </a:p>
           <a:p>
             <a:pPr lvl="2"/>
             <a:r>
-              <a:rPr lang="en-US" smtClean="0"/>
+              <a:rPr lang="en-US"/>
               <a:t>Third level</a:t>
             </a:r>
           </a:p>
           <a:p>
             <a:pPr lvl="3"/>
             <a:r>
-              <a:rPr lang="en-US" smtClean="0"/>
+              <a:rPr lang="en-US"/>
               <a:t>Fourth level</a:t>
             </a:r>
           </a:p>
           <a:p>
             <a:pPr lvl="4"/>
             <a:r>
-              <a:rPr lang="en-US" smtClean="0"/>
+              <a:rPr lang="en-US"/>
               <a:t>Fifth level</a:t>
             </a:r>
-            <a:endParaRPr lang="en-US"/>
           </a:p>
         </p:txBody>
       </p:sp>
@@ -9300,7 +9231,7 @@
           <a:p>
             <a:fld id="{699DC775-C286-4358-8C92-D7E584E969B3}" type="datetimeFigureOut">
               <a:rPr lang="en-US" smtClean="0"/>
-              <a:t>19-Jun-15</a:t>
+              <a:t>1/23/2017</a:t>
             </a:fld>
             <a:endParaRPr lang="en-US"/>
           </a:p>
@@ -9710,10 +9641,9 @@
           <a:lstStyle/>
           <a:p>
             <a:r>
-              <a:rPr lang="en-US" dirty="0" smtClean="0"/>
+              <a:rPr lang="en-US" dirty="0"/>
               <a:t>Click to edit Master title style</a:t>
             </a:r>
-            <a:endParaRPr lang="en-US" dirty="0"/>
           </a:p>
         </p:txBody>
       </p:sp>
@@ -9744,38 +9674,37 @@
           <a:p>
             <a:pPr lvl="0"/>
             <a:r>
-              <a:rPr lang="en-US" smtClean="0"/>
+              <a:rPr lang="en-US"/>
               <a:t>Click to edit Master text styles</a:t>
             </a:r>
           </a:p>
           <a:p>
             <a:pPr lvl="1"/>
             <a:r>
-              <a:rPr lang="en-US" smtClean="0"/>
+              <a:rPr lang="en-US"/>
               <a:t>Second level</a:t>
             </a:r>
           </a:p>
           <a:p>
             <a:pPr lvl="2"/>
             <a:r>
-              <a:rPr lang="en-US" smtClean="0"/>
+              <a:rPr lang="en-US"/>
               <a:t>Third level</a:t>
             </a:r>
           </a:p>
           <a:p>
             <a:pPr lvl="3"/>
             <a:r>
-              <a:rPr lang="en-US" smtClean="0"/>
+              <a:rPr lang="en-US"/>
               <a:t>Fourth level</a:t>
             </a:r>
           </a:p>
           <a:p>
             <a:pPr lvl="4"/>
             <a:r>
-              <a:rPr lang="en-US" smtClean="0"/>
+              <a:rPr lang="en-US"/>
               <a:t>Fifth level</a:t>
             </a:r>
-            <a:endParaRPr lang="en-US"/>
           </a:p>
         </p:txBody>
       </p:sp>
@@ -9814,7 +9743,7 @@
           <a:p>
             <a:fld id="{699DC775-C286-4358-8C92-D7E584E969B3}" type="datetimeFigureOut">
               <a:rPr lang="en-US" smtClean="0"/>
-              <a:t>19-Jun-15</a:t>
+              <a:t>1/23/2017</a:t>
             </a:fld>
             <a:endParaRPr lang="en-US"/>
           </a:p>
@@ -10216,7 +10145,7 @@
           <a:p>
             <a:pPr algn="ctr"/>
             <a:r>
-              <a:rPr lang="en-US" b="1" smtClean="0">
+              <a:rPr lang="en-US" b="1">
                 <a:solidFill>
                   <a:srgbClr val="FFFF00"/>
                 </a:solidFill>
@@ -10227,18 +10156,13 @@
           <a:p>
             <a:pPr algn="ctr"/>
             <a:r>
-              <a:rPr lang="en-US" smtClean="0">
+              <a:rPr lang="en-US">
                 <a:solidFill>
                   <a:srgbClr val="FFFFFF"/>
                 </a:solidFill>
               </a:rPr>
               <a:t>Adjust the design of this slide and click the 'Sync Agenda' (in Agenda Lab) to replicate the design in the other slides.</a:t>
             </a:r>
-            <a:endParaRPr lang="en-US">
-              <a:solidFill>
-                <a:srgbClr val="FFFFFF"/>
-              </a:solidFill>
-            </a:endParaRPr>
           </a:p>
         </p:txBody>
       </p:sp>
@@ -10701,14 +10625,6 @@
   <p:clrMapOvr>
     <a:masterClrMapping/>
   </p:clrMapOvr>
-  <mc:AlternateContent xmlns:mc="http://schemas.openxmlformats.org/markup-compatibility/2006" xmlns:p14="http://schemas.microsoft.com/office/powerpoint/2010/main">
-    <mc:Choice Requires="p14">
-      <p:transition spd="slow" p14:dur="2000"/>
-    </mc:Choice>
-    <mc:Fallback xmlns="">
-      <p:transition spd="slow"/>
-    </mc:Fallback>
-  </mc:AlternateContent>
   <p:timing>
     <p:tnLst>
       <p:par>
@@ -11089,11 +11005,11 @@
   <p:clrMapOvr>
     <a:masterClrMapping/>
   </p:clrMapOvr>
-  <mc:AlternateContent xmlns:mc="http://schemas.openxmlformats.org/markup-compatibility/2006">
-    <mc:Choice xmlns:p14="http://schemas.microsoft.com/office/powerpoint/2010/main" Requires="p14">
+  <mc:AlternateContent xmlns:mc="http://schemas.openxmlformats.org/markup-compatibility/2006" xmlns:p14="http://schemas.microsoft.com/office/powerpoint/2010/main">
+    <mc:Choice Requires="p14">
       <p:transition p14:dur="250" advClick="0" advTm="0"/>
     </mc:Choice>
-    <mc:Fallback>
+    <mc:Fallback xmlns="">
       <p:transition advClick="0" advTm="0"/>
     </mc:Fallback>
   </mc:AlternateContent>
@@ -11869,13 +11785,13 @@
   <p:clrMapOvr>
     <a:masterClrMapping/>
   </p:clrMapOvr>
-  <mc:AlternateContent xmlns:mc="http://schemas.openxmlformats.org/markup-compatibility/2006">
-    <mc:Choice xmlns:p14="http://schemas.microsoft.com/office/powerpoint/2010/main" Requires="p14">
+  <mc:AlternateContent xmlns:mc="http://schemas.openxmlformats.org/markup-compatibility/2006" xmlns:p14="http://schemas.microsoft.com/office/powerpoint/2010/main">
+    <mc:Choice Requires="p14">
       <p:transition p14:dur="250">
         <p:fade/>
       </p:transition>
     </mc:Choice>
-    <mc:Fallback>
+    <mc:Fallback xmlns="">
       <p:transition>
         <p:fade/>
       </p:transition>
@@ -12238,11 +12154,11 @@
   <p:clrMapOvr>
     <a:masterClrMapping/>
   </p:clrMapOvr>
-  <mc:AlternateContent xmlns:mc="http://schemas.openxmlformats.org/markup-compatibility/2006">
-    <mc:Choice xmlns:p14="http://schemas.microsoft.com/office/powerpoint/2010/main" Requires="p14">
+  <mc:AlternateContent xmlns:mc="http://schemas.openxmlformats.org/markup-compatibility/2006" xmlns:p14="http://schemas.microsoft.com/office/powerpoint/2010/main">
+    <mc:Choice Requires="p14">
       <p:transition p14:dur="250" advClick="0" advTm="0"/>
     </mc:Choice>
-    <mc:Fallback>
+    <mc:Fallback xmlns="">
       <p:transition advClick="0" advTm="0"/>
     </mc:Fallback>
   </mc:AlternateContent>
@@ -12662,25 +12578,18 @@
   <p:clrMapOvr>
     <a:masterClrMapping/>
   </p:clrMapOvr>
-  <mc:AlternateContent xmlns:mc="http://schemas.openxmlformats.org/markup-compatibility/2006">
-    <mc:Choice xmlns:p14="http://schemas.microsoft.com/office/powerpoint/2010/main" Requires="p14">
+  <mc:AlternateContent xmlns:mc="http://schemas.openxmlformats.org/markup-compatibility/2006" xmlns:p14="http://schemas.microsoft.com/office/powerpoint/2010/main">
+    <mc:Choice Requires="p14">
       <p:transition p14:dur="250">
         <p:fade/>
       </p:transition>
     </mc:Choice>
-    <mc:Fallback>
+    <mc:Fallback xmlns="">
       <p:transition>
         <p:fade/>
       </p:transition>
     </mc:Fallback>
   </mc:AlternateContent>
-  <p:timing>
-    <p:tnLst>
-      <p:par>
-        <p:cTn id="1" dur="indefinite" restart="never" nodeType="tmRoot"/>
-      </p:par>
-    </p:tnLst>
-  </p:timing>
 </p:sld>
 </file>
 
@@ -12711,13 +12620,6 @@
   <p:clrMapOvr>
     <a:masterClrMapping/>
   </p:clrMapOvr>
-  <p:timing>
-    <p:tnLst>
-      <p:par>
-        <p:cTn id="1" dur="indefinite" restart="never" nodeType="tmRoot"/>
-      </p:par>
-    </p:tnLst>
-  </p:timing>
 </p:sld>
 </file>
 
@@ -12970,11 +12872,11 @@
   <p:clrMapOvr>
     <a:masterClrMapping/>
   </p:clrMapOvr>
-  <mc:AlternateContent xmlns:mc="http://schemas.openxmlformats.org/markup-compatibility/2006">
-    <mc:Choice xmlns:p14="http://schemas.microsoft.com/office/powerpoint/2010/main" Requires="p14">
+  <mc:AlternateContent xmlns:mc="http://schemas.openxmlformats.org/markup-compatibility/2006" xmlns:p14="http://schemas.microsoft.com/office/powerpoint/2010/main">
+    <mc:Choice Requires="p14">
       <p:transition spd="slow" p14:dur="2000" advClick="0" advTm="0"/>
     </mc:Choice>
-    <mc:Fallback>
+    <mc:Fallback xmlns="">
       <p:transition spd="slow" advClick="0" advTm="0"/>
     </mc:Fallback>
   </mc:AlternateContent>
@@ -13750,13 +13652,13 @@
   <p:clrMapOvr>
     <a:masterClrMapping/>
   </p:clrMapOvr>
-  <mc:AlternateContent xmlns:mc="http://schemas.openxmlformats.org/markup-compatibility/2006">
-    <mc:Choice xmlns:p14="http://schemas.microsoft.com/office/powerpoint/2010/main" Requires="p14">
+  <mc:AlternateContent xmlns:mc="http://schemas.openxmlformats.org/markup-compatibility/2006" xmlns:p14="http://schemas.microsoft.com/office/powerpoint/2010/main">
+    <mc:Choice Requires="p14">
       <p:transition p14:dur="250">
         <p:fade/>
       </p:transition>
     </mc:Choice>
-    <mc:Fallback>
+    <mc:Fallback xmlns="">
       <p:transition>
         <p:fade/>
       </p:transition>
@@ -14119,11 +14021,11 @@
   <p:clrMapOvr>
     <a:masterClrMapping/>
   </p:clrMapOvr>
-  <mc:AlternateContent xmlns:mc="http://schemas.openxmlformats.org/markup-compatibility/2006">
-    <mc:Choice xmlns:p14="http://schemas.microsoft.com/office/powerpoint/2010/main" Requires="p14">
+  <mc:AlternateContent xmlns:mc="http://schemas.openxmlformats.org/markup-compatibility/2006" xmlns:p14="http://schemas.microsoft.com/office/powerpoint/2010/main">
+    <mc:Choice Requires="p14">
       <p:transition p14:dur="250" advClick="0" advTm="0"/>
     </mc:Choice>
-    <mc:Fallback>
+    <mc:Fallback xmlns="">
       <p:transition advClick="0" advTm="0"/>
     </mc:Fallback>
   </mc:AlternateContent>
@@ -14457,7 +14359,7 @@
           <a:lstStyle/>
           <a:p>
             <a:r>
-              <a:rPr lang="en-US" sz="6000" dirty="0" smtClean="0"/>
+              <a:rPr lang="en-US" sz="6000" dirty="0"/>
               <a:t>Test Image</a:t>
             </a:r>
             <a:endParaRPr lang="en-SG" sz="6000" dirty="0"/>
@@ -14474,25 +14376,18 @@
   <p:clrMapOvr>
     <a:masterClrMapping/>
   </p:clrMapOvr>
-  <mc:AlternateContent xmlns:mc="http://schemas.openxmlformats.org/markup-compatibility/2006">
-    <mc:Choice xmlns:p14="http://schemas.microsoft.com/office/powerpoint/2010/main" Requires="p14">
+  <mc:AlternateContent xmlns:mc="http://schemas.openxmlformats.org/markup-compatibility/2006" xmlns:p14="http://schemas.microsoft.com/office/powerpoint/2010/main">
+    <mc:Choice Requires="p14">
       <p:transition p14:dur="250">
         <p:fade/>
       </p:transition>
     </mc:Choice>
-    <mc:Fallback>
+    <mc:Fallback xmlns="">
       <p:transition>
         <p:fade/>
       </p:transition>
     </mc:Fallback>
   </mc:AlternateContent>
-  <p:timing>
-    <p:tnLst>
-      <p:par>
-        <p:cTn id="1" dur="indefinite" restart="never" nodeType="tmRoot"/>
-      </p:par>
-    </p:tnLst>
-  </p:timing>
 </p:sld>
 </file>
 
@@ -14536,7 +14431,7 @@
           <a:lstStyle/>
           <a:p>
             <a:r>
-              <a:rPr lang="en-US" sz="6000" dirty="0" smtClean="0"/>
+              <a:rPr lang="en-US" sz="6000" dirty="0"/>
               <a:t>A long section</a:t>
             </a:r>
             <a:endParaRPr lang="en-SG" sz="6000" dirty="0"/>
@@ -14553,13 +14448,6 @@
   <p:clrMapOvr>
     <a:masterClrMapping/>
   </p:clrMapOvr>
-  <p:timing>
-    <p:tnLst>
-      <p:par>
-        <p:cTn id="1" dur="indefinite" restart="never" nodeType="tmRoot"/>
-      </p:par>
-    </p:tnLst>
-  </p:timing>
 </p:sld>
 </file>
 
@@ -14598,7 +14486,7 @@
           <a:lstStyle/>
           <a:p>
             <a:r>
-              <a:rPr lang="en-US" sz="5400" b="1" dirty="0" err="1" smtClean="0">
+              <a:rPr lang="en-US" sz="5400" b="1" dirty="0" err="1">
                 <a:solidFill>
                   <a:schemeClr val="accent6">
                     <a:lumMod val="75000"/>
@@ -14608,7 +14496,7 @@
               <a:t>PowerPointLabs</a:t>
             </a:r>
             <a:r>
-              <a:rPr lang="en-US" sz="5400" b="1" dirty="0" smtClean="0">
+              <a:rPr lang="en-US" sz="5400" b="1" dirty="0">
                 <a:solidFill>
                   <a:schemeClr val="accent6">
                     <a:lumMod val="75000"/>
@@ -14646,7 +14534,7 @@
               <a:buNone/>
             </a:pPr>
             <a:r>
-              <a:rPr lang="en-US" b="1" dirty="0" smtClean="0">
+              <a:rPr lang="en-US" b="1" dirty="0">
                 <a:solidFill>
                   <a:srgbClr val="0070C0"/>
                 </a:solidFill>
@@ -14657,34 +14545,21 @@
           <a:p>
             <a:pPr marL="285750" indent="-285750"/>
             <a:r>
-              <a:rPr lang="en-US" b="1" dirty="0" smtClean="0">
-                <a:solidFill>
-                  <a:srgbClr val="0070C0"/>
-                </a:solidFill>
-              </a:rPr>
-              <a:t>DO </a:t>
-            </a:r>
-            <a:r>
               <a:rPr lang="en-US" b="1" dirty="0">
                 <a:solidFill>
                   <a:srgbClr val="0070C0"/>
                 </a:solidFill>
               </a:rPr>
-              <a:t>NOT SAVE </a:t>
-            </a:r>
-            <a:r>
-              <a:rPr lang="en-US" dirty="0" smtClean="0">
+              <a:t>DO NOT SAVE </a:t>
+            </a:r>
+            <a:r>
+              <a:rPr lang="en-US" dirty="0">
                 <a:solidFill>
                   <a:srgbClr val="0070C0"/>
                 </a:solidFill>
               </a:rPr>
               <a:t>these slides after testing. Keep this file in its original form.</a:t>
             </a:r>
-            <a:endParaRPr lang="en-US" dirty="0">
-              <a:solidFill>
-                <a:srgbClr val="0070C0"/>
-              </a:solidFill>
-            </a:endParaRPr>
           </a:p>
           <a:p>
             <a:pPr marL="285750" indent="-285750"/>
@@ -14694,47 +14569,7 @@
                   <a:srgbClr val="0070C0"/>
                 </a:solidFill>
               </a:rPr>
-              <a:t>If </a:t>
-            </a:r>
-            <a:r>
-              <a:rPr lang="en-US" dirty="0" smtClean="0">
-                <a:solidFill>
-                  <a:srgbClr val="0070C0"/>
-                </a:solidFill>
-              </a:rPr>
-              <a:t>your </a:t>
-            </a:r>
-            <a:r>
-              <a:rPr lang="en-US" dirty="0">
-                <a:solidFill>
-                  <a:srgbClr val="0070C0"/>
-                </a:solidFill>
-              </a:rPr>
-              <a:t>result </a:t>
-            </a:r>
-            <a:r>
-              <a:rPr lang="en-US" dirty="0" smtClean="0">
-                <a:solidFill>
-                  <a:srgbClr val="0070C0"/>
-                </a:solidFill>
-              </a:rPr>
-              <a:t>is different from the </a:t>
-            </a:r>
-            <a:r>
-              <a:rPr lang="en-US" dirty="0">
-                <a:solidFill>
-                  <a:srgbClr val="0070C0"/>
-                </a:solidFill>
-              </a:rPr>
-              <a:t>expected output, </a:t>
-            </a:r>
-            <a:r>
-              <a:rPr lang="en-US" dirty="0" smtClean="0">
-                <a:solidFill>
-                  <a:srgbClr val="0070C0"/>
-                </a:solidFill>
-              </a:rPr>
-              <a:t>please submit a bug report (attach slides/screenshots as necessary).</a:t>
+              <a:t>If your result is different from the expected output, please submit a bug report (attach slides/screenshots as necessary).</a:t>
             </a:r>
             <a:endParaRPr lang="en-SG" dirty="0">
               <a:solidFill>
@@ -14757,13 +14592,6 @@
   <p:clrMapOvr>
     <a:masterClrMapping/>
   </p:clrMapOvr>
-  <p:timing>
-    <p:tnLst>
-      <p:par>
-        <p:cTn id="1" dur="indefinite" restart="never" nodeType="tmRoot"/>
-      </p:par>
-    </p:tnLst>
-  </p:timing>
 </p:sld>
 </file>
 
@@ -14802,13 +14630,6 @@
   <p:clrMapOvr>
     <a:masterClrMapping/>
   </p:clrMapOvr>
-  <p:timing>
-    <p:tnLst>
-      <p:par>
-        <p:cTn id="1" dur="indefinite" restart="never" nodeType="tmRoot"/>
-      </p:par>
-    </p:tnLst>
-  </p:timing>
 </p:sld>
 </file>
 
@@ -14848,13 +14669,6 @@
   <p:clrMapOvr>
     <a:masterClrMapping/>
   </p:clrMapOvr>
-  <p:timing>
-    <p:tnLst>
-      <p:par>
-        <p:cTn id="1" dur="indefinite" restart="never" nodeType="tmRoot"/>
-      </p:par>
-    </p:tnLst>
-  </p:timing>
 </p:sld>
 </file>
 
@@ -14885,13 +14699,6 @@
   <p:clrMapOvr>
     <a:masterClrMapping/>
   </p:clrMapOvr>
-  <p:timing>
-    <p:tnLst>
-      <p:par>
-        <p:cTn id="1" dur="indefinite" restart="never" nodeType="tmRoot"/>
-      </p:par>
-    </p:tnLst>
-  </p:timing>
 </p:sld>
 </file>
 
@@ -15144,11 +14951,11 @@
   <p:clrMapOvr>
     <a:masterClrMapping/>
   </p:clrMapOvr>
-  <mc:AlternateContent xmlns:mc="http://schemas.openxmlformats.org/markup-compatibility/2006">
-    <mc:Choice xmlns:p14="http://schemas.microsoft.com/office/powerpoint/2010/main" Requires="p14">
+  <mc:AlternateContent xmlns:mc="http://schemas.openxmlformats.org/markup-compatibility/2006" xmlns:p14="http://schemas.microsoft.com/office/powerpoint/2010/main">
+    <mc:Choice Requires="p14">
       <p:transition spd="slow" p14:dur="2000" advClick="0" advTm="0"/>
     </mc:Choice>
-    <mc:Fallback>
+    <mc:Fallback xmlns="">
       <p:transition spd="slow" advClick="0" advTm="0"/>
     </mc:Fallback>
   </mc:AlternateContent>
@@ -15924,13 +15731,13 @@
   <p:clrMapOvr>
     <a:masterClrMapping/>
   </p:clrMapOvr>
-  <mc:AlternateContent xmlns:mc="http://schemas.openxmlformats.org/markup-compatibility/2006">
-    <mc:Choice xmlns:p14="http://schemas.microsoft.com/office/powerpoint/2010/main" Requires="p14">
+  <mc:AlternateContent xmlns:mc="http://schemas.openxmlformats.org/markup-compatibility/2006" xmlns:p14="http://schemas.microsoft.com/office/powerpoint/2010/main">
+    <mc:Choice Requires="p14">
       <p:transition p14:dur="250">
         <p:fade/>
       </p:transition>
     </mc:Choice>
-    <mc:Fallback>
+    <mc:Fallback xmlns="">
       <p:transition>
         <p:fade/>
       </p:transition>
@@ -16293,11 +16100,11 @@
   <p:clrMapOvr>
     <a:masterClrMapping/>
   </p:clrMapOvr>
-  <mc:AlternateContent xmlns:mc="http://schemas.openxmlformats.org/markup-compatibility/2006">
-    <mc:Choice xmlns:p14="http://schemas.microsoft.com/office/powerpoint/2010/main" Requires="p14">
+  <mc:AlternateContent xmlns:mc="http://schemas.openxmlformats.org/markup-compatibility/2006" xmlns:p14="http://schemas.microsoft.com/office/powerpoint/2010/main">
+    <mc:Choice Requires="p14">
       <p:transition p14:dur="250" advClick="0" advTm="0"/>
     </mc:Choice>
-    <mc:Fallback>
+    <mc:Fallback xmlns="">
       <p:transition advClick="0" advTm="0"/>
     </mc:Fallback>
   </mc:AlternateContent>
@@ -16596,25 +16403,18 @@
   <p:clrMapOvr>
     <a:masterClrMapping/>
   </p:clrMapOvr>
-  <mc:AlternateContent xmlns:mc="http://schemas.openxmlformats.org/markup-compatibility/2006">
-    <mc:Choice xmlns:p14="http://schemas.microsoft.com/office/powerpoint/2010/main" Requires="p14">
+  <mc:AlternateContent xmlns:mc="http://schemas.openxmlformats.org/markup-compatibility/2006" xmlns:p14="http://schemas.microsoft.com/office/powerpoint/2010/main">
+    <mc:Choice Requires="p14">
       <p:transition p14:dur="250">
         <p:fade/>
       </p:transition>
     </mc:Choice>
-    <mc:Fallback>
+    <mc:Fallback xmlns="">
       <p:transition>
         <p:fade/>
       </p:transition>
     </mc:Fallback>
   </mc:AlternateContent>
-  <p:timing>
-    <p:tnLst>
-      <p:par>
-        <p:cTn id="1" dur="indefinite" restart="never" nodeType="tmRoot"/>
-      </p:par>
-    </p:tnLst>
-  </p:timing>
 </p:sld>
 </file>
 
@@ -16875,11 +16675,11 @@
   <p:clrMapOvr>
     <a:masterClrMapping/>
   </p:clrMapOvr>
-  <mc:AlternateContent xmlns:mc="http://schemas.openxmlformats.org/markup-compatibility/2006">
-    <mc:Choice xmlns:p14="http://schemas.microsoft.com/office/powerpoint/2010/main" Requires="p14">
+  <mc:AlternateContent xmlns:mc="http://schemas.openxmlformats.org/markup-compatibility/2006" xmlns:p14="http://schemas.microsoft.com/office/powerpoint/2010/main">
+    <mc:Choice Requires="p14">
       <p:transition p14:dur="250" advClick="0" advTm="0"/>
     </mc:Choice>
-    <mc:Fallback>
+    <mc:Fallback xmlns="">
       <p:transition advClick="0" advTm="0"/>
     </mc:Fallback>
   </mc:AlternateContent>
@@ -17655,13 +17455,13 @@
   <p:clrMapOvr>
     <a:masterClrMapping/>
   </p:clrMapOvr>
-  <mc:AlternateContent xmlns:mc="http://schemas.openxmlformats.org/markup-compatibility/2006">
-    <mc:Choice xmlns:p14="http://schemas.microsoft.com/office/powerpoint/2010/main" Requires="p14">
+  <mc:AlternateContent xmlns:mc="http://schemas.openxmlformats.org/markup-compatibility/2006" xmlns:p14="http://schemas.microsoft.com/office/powerpoint/2010/main">
+    <mc:Choice Requires="p14">
       <p:transition p14:dur="250">
         <p:fade/>
       </p:transition>
     </mc:Choice>
-    <mc:Fallback>
+    <mc:Fallback xmlns="">
       <p:transition>
         <p:fade/>
       </p:transition>
@@ -17796,7 +17596,7 @@
         <p:nvPicPr>
           <p:cNvPr id="2" name="Picture 1"/>
           <p:cNvPicPr>
-            <a:picLocks/>
+            <a:picLocks noChangeAspect="1"/>
           </p:cNvPicPr>
           <p:nvPr/>
         </p:nvPicPr>
@@ -17814,8 +17614,8 @@
         </p:blipFill>
         <p:spPr>
           <a:xfrm>
-            <a:off x="649224" y="992124"/>
-            <a:ext cx="7845552" cy="4873752"/>
+            <a:off x="0" y="1029202"/>
+            <a:ext cx="9144000" cy="4799596"/>
           </a:xfrm>
           <a:prstGeom prst="rect">
             <a:avLst/>
@@ -17825,21 +17625,13 @@
     </p:spTree>
     <p:extLst>
       <p:ext uri="{BB962C8B-B14F-4D97-AF65-F5344CB8AC3E}">
-        <p14:creationId xmlns:p14="http://schemas.microsoft.com/office/powerpoint/2010/main" val="538995199"/>
+        <p14:creationId xmlns:p14="http://schemas.microsoft.com/office/powerpoint/2010/main" val="1597053776"/>
       </p:ext>
     </p:extLst>
   </p:cSld>
   <p:clrMapOvr>
     <a:masterClrMapping/>
   </p:clrMapOvr>
-  <mc:AlternateContent xmlns:mc="http://schemas.openxmlformats.org/markup-compatibility/2006">
-    <mc:Choice xmlns:p14="http://schemas.microsoft.com/office/powerpoint/2010/main" Requires="p14">
-      <p:transition spd="slow" p14:dur="2000"/>
-    </mc:Choice>
-    <mc:Fallback>
-      <p:transition spd="slow"/>
-    </mc:Fallback>
-  </mc:AlternateContent>
 </p:sld>
 </file>
 
@@ -18712,11 +18504,11 @@
   <p:clrMapOvr>
     <a:masterClrMapping/>
   </p:clrMapOvr>
-  <mc:AlternateContent xmlns:mc="http://schemas.openxmlformats.org/markup-compatibility/2006">
-    <mc:Choice xmlns:p14="http://schemas.microsoft.com/office/powerpoint/2010/main" Requires="p14">
+  <mc:AlternateContent xmlns:mc="http://schemas.openxmlformats.org/markup-compatibility/2006" xmlns:p14="http://schemas.microsoft.com/office/powerpoint/2010/main">
+    <mc:Choice Requires="p14">
       <p:transition spd="slow" p14:dur="2000" advClick="0" advTm="0"/>
     </mc:Choice>
-    <mc:Fallback>
+    <mc:Fallback xmlns="">
       <p:transition spd="slow" advClick="0" advTm="0"/>
     </mc:Fallback>
   </mc:AlternateContent>
@@ -19031,7 +18823,7 @@
           <a:p>
             <a:pPr algn="l"/>
             <a:r>
-              <a:rPr lang="en-US" sz="7200" dirty="0" smtClean="0">
+              <a:rPr lang="en-US" sz="7200" dirty="0">
                 <a:solidFill>
                   <a:schemeClr val="bg1"/>
                 </a:solidFill>
@@ -19069,7 +18861,7 @@
           <a:lstStyle/>
           <a:p>
             <a:r>
-              <a:rPr lang="en-US" sz="2400" b="1" dirty="0" smtClean="0">
+              <a:rPr lang="en-US" sz="2400" b="1" dirty="0">
                 <a:solidFill>
                   <a:schemeClr val="bg1"/>
                 </a:solidFill>
@@ -19083,7 +18875,7 @@
               <a:buChar char="•"/>
             </a:pPr>
             <a:r>
-              <a:rPr lang="en-US" sz="2400" dirty="0" smtClean="0">
+              <a:rPr lang="en-US" sz="2400" dirty="0">
                 <a:solidFill>
                   <a:schemeClr val="bg1"/>
                 </a:solidFill>
@@ -19103,25 +18895,18 @@
   <p:clrMapOvr>
     <a:masterClrMapping/>
   </p:clrMapOvr>
-  <mc:AlternateContent xmlns:mc="http://schemas.openxmlformats.org/markup-compatibility/2006">
-    <mc:Choice xmlns:p14="http://schemas.microsoft.com/office/powerpoint/2010/main" Requires="p14">
+  <mc:AlternateContent xmlns:mc="http://schemas.openxmlformats.org/markup-compatibility/2006" xmlns:p14="http://schemas.microsoft.com/office/powerpoint/2010/main">
+    <mc:Choice Requires="p14">
       <p:transition p14:dur="250">
         <p:fade/>
       </p:transition>
     </mc:Choice>
-    <mc:Fallback>
+    <mc:Fallback xmlns="">
       <p:transition>
         <p:fade/>
       </p:transition>
     </mc:Fallback>
   </mc:AlternateContent>
-  <p:timing>
-    <p:tnLst>
-      <p:par>
-        <p:cTn id="1" dur="indefinite" restart="never" nodeType="tmRoot"/>
-      </p:par>
-    </p:tnLst>
-  </p:timing>
 </p:sld>
 </file>
 
@@ -19403,11 +19188,11 @@
   <p:clrMapOvr>
     <a:masterClrMapping/>
   </p:clrMapOvr>
-  <mc:AlternateContent xmlns:mc="http://schemas.openxmlformats.org/markup-compatibility/2006">
-    <mc:Choice xmlns:p14="http://schemas.microsoft.com/office/powerpoint/2010/main" Requires="p14">
+  <mc:AlternateContent xmlns:mc="http://schemas.openxmlformats.org/markup-compatibility/2006" xmlns:p14="http://schemas.microsoft.com/office/powerpoint/2010/main">
+    <mc:Choice Requires="p14">
       <p:transition p14:dur="250" advClick="0" advTm="0"/>
     </mc:Choice>
-    <mc:Fallback>
+    <mc:Fallback xmlns="">
       <p:transition advClick="0" advTm="0"/>
     </mc:Fallback>
   </mc:AlternateContent>
@@ -20183,13 +19968,13 @@
   <p:clrMapOvr>
     <a:masterClrMapping/>
   </p:clrMapOvr>
-  <mc:AlternateContent xmlns:mc="http://schemas.openxmlformats.org/markup-compatibility/2006">
-    <mc:Choice xmlns:p14="http://schemas.microsoft.com/office/powerpoint/2010/main" Requires="p14">
+  <mc:AlternateContent xmlns:mc="http://schemas.openxmlformats.org/markup-compatibility/2006" xmlns:p14="http://schemas.microsoft.com/office/powerpoint/2010/main">
+    <mc:Choice Requires="p14">
       <p:transition p14:dur="250">
         <p:fade/>
       </p:transition>
     </mc:Choice>
-    <mc:Fallback>
+    <mc:Fallback xmlns="">
       <p:transition>
         <p:fade/>
       </p:transition>
@@ -20552,11 +20337,11 @@
   <p:clrMapOvr>
     <a:masterClrMapping/>
   </p:clrMapOvr>
-  <mc:AlternateContent xmlns:mc="http://schemas.openxmlformats.org/markup-compatibility/2006">
-    <mc:Choice xmlns:p14="http://schemas.microsoft.com/office/powerpoint/2010/main" Requires="p14">
+  <mc:AlternateContent xmlns:mc="http://schemas.openxmlformats.org/markup-compatibility/2006" xmlns:p14="http://schemas.microsoft.com/office/powerpoint/2010/main">
+    <mc:Choice Requires="p14">
       <p:transition p14:dur="250" advClick="0" advTm="0"/>
     </mc:Choice>
-    <mc:Fallback>
+    <mc:Fallback xmlns="">
       <p:transition advClick="0" advTm="0"/>
     </mc:Fallback>
   </mc:AlternateContent>
@@ -20890,7 +20675,7 @@
           <a:lstStyle/>
           <a:p>
             <a:r>
-              <a:rPr lang="en-US" sz="6000" dirty="0" smtClean="0"/>
+              <a:rPr lang="en-US" sz="6000" dirty="0"/>
               <a:t>Test Image</a:t>
             </a:r>
             <a:endParaRPr lang="en-SG" sz="6000" dirty="0"/>
@@ -20907,25 +20692,18 @@
   <p:clrMapOvr>
     <a:masterClrMapping/>
   </p:clrMapOvr>
-  <mc:AlternateContent xmlns:mc="http://schemas.openxmlformats.org/markup-compatibility/2006">
-    <mc:Choice xmlns:p14="http://schemas.microsoft.com/office/powerpoint/2010/main" Requires="p14">
+  <mc:AlternateContent xmlns:mc="http://schemas.openxmlformats.org/markup-compatibility/2006" xmlns:p14="http://schemas.microsoft.com/office/powerpoint/2010/main">
+    <mc:Choice Requires="p14">
       <p:transition p14:dur="250">
         <p:fade/>
       </p:transition>
     </mc:Choice>
-    <mc:Fallback>
+    <mc:Fallback xmlns="">
       <p:transition>
         <p:fade/>
       </p:transition>
     </mc:Fallback>
   </mc:AlternateContent>
-  <p:timing>
-    <p:tnLst>
-      <p:par>
-        <p:cTn id="1" dur="indefinite" restart="never" nodeType="tmRoot"/>
-      </p:par>
-    </p:tnLst>
-  </p:timing>
 </p:sld>
 </file>
 

--- a/doc/test/AgendaSlidesVisualAfterSync.pptx
+++ b/doc/test/AgendaSlidesVisualAfterSync.pptx
@@ -38,7 +38,7 @@
     <p:sldId id="314" r:id="rId29"/>
     <p:sldId id="344" r:id="rId30"/>
     <p:sldId id="328" r:id="rId31"/>
-    <p:sldId id="348" r:id="rId32"/>
+    <p:sldId id="345" r:id="rId32"/>
   </p:sldIdLst>
   <p:sldSz cx="9144000" cy="6858000" type="screen4x3"/>
   <p:notesSz cx="6858000" cy="9144000"/>
@@ -190,13 +190,13 @@
             <p14:sldId id="314"/>
             <p14:sldId id="344"/>
             <p14:sldId id="328"/>
-            <p14:sldId id="348"/>
+            <p14:sldId id="345"/>
           </p14:sldIdLst>
         </p14:section>
       </p14:sectionLst>
     </p:ext>
     <p:ext uri="{EFAFB233-063F-42B5-8137-9DF3F51BA10A}">
-      <p15:sldGuideLst xmlns:p15="http://schemas.microsoft.com/office/powerpoint/2012/main">
+      <p15:sldGuideLst xmlns:p15="http://schemas.microsoft.com/office/powerpoint/2012/main" xmlns="">
         <p15:guide id="1" orient="horz" pos="2160">
           <p15:clr>
             <a:srgbClr val="A4A3A4"/>
@@ -295,7 +295,7 @@
           <a:p>
             <a:fld id="{C33977A5-270E-4E03-B118-17345E304686}" type="datetimeFigureOut">
               <a:rPr lang="en-US" smtClean="0"/>
-              <a:t>1/23/2017</a:t>
+              <a:t>19-Jun-15</a:t>
             </a:fld>
             <a:endParaRPr lang="en-US"/>
           </a:p>
@@ -359,37 +359,38 @@
           <a:p>
             <a:pPr lvl="0"/>
             <a:r>
-              <a:rPr lang="en-US"/>
+              <a:rPr lang="en-US" smtClean="0"/>
               <a:t>Click to edit Master text styles</a:t>
             </a:r>
           </a:p>
           <a:p>
             <a:pPr lvl="1"/>
             <a:r>
-              <a:rPr lang="en-US"/>
+              <a:rPr lang="en-US" smtClean="0"/>
               <a:t>Second level</a:t>
             </a:r>
           </a:p>
           <a:p>
             <a:pPr lvl="2"/>
             <a:r>
-              <a:rPr lang="en-US"/>
+              <a:rPr lang="en-US" smtClean="0"/>
               <a:t>Third level</a:t>
             </a:r>
           </a:p>
           <a:p>
             <a:pPr lvl="3"/>
             <a:r>
-              <a:rPr lang="en-US"/>
+              <a:rPr lang="en-US" smtClean="0"/>
               <a:t>Fourth level</a:t>
             </a:r>
           </a:p>
           <a:p>
             <a:pPr lvl="4"/>
             <a:r>
-              <a:rPr lang="en-US"/>
+              <a:rPr lang="en-US" smtClean="0"/>
               <a:t>Fifth level</a:t>
             </a:r>
+            <a:endParaRPr lang="en-US"/>
           </a:p>
         </p:txBody>
       </p:sp>
@@ -607,9 +608,10 @@
           <a:lstStyle/>
           <a:p>
             <a:r>
-              <a:rPr lang="en-US"/>
+              <a:rPr lang="en-US" smtClean="0"/>
               <a:t>This notes page is used to store data - Do not edit the notes. UFBUVGVtcGxhdGVNYXJrZXI=@VW5uYW1lZCBTaGFwZSAyMDE1MDYxOTE2NTEyMzMyNDYw@VW5uYW1lZCBTaGFwZSAyMDE1MDYxOTE2NTEyMzMyNDYx@VW5uYW1lZCBTaGFwZSAyMDE1MDYxOTE2NTEyMzMyNTYy@UHB0TGFic0FnZW5kYV8mXkBWaXN1YWxBZ2VuZGFJbWFnZV8mXkBPbmUgU2xpZGVfMg==@UHB0TGFic0FnZW5kYV8mXkBWaXN1YWxBZ2VuZGFJbWFnZV8mXkBTYW1lIE5hbWVfNQ==@UHB0TGFic0FnZW5kYV8mXkBWaXN1YWxBZ2VuZGFJbWFnZV8mXkDjgYLjgYTjgYbjgYjjgYprbCkoKiYlJCNAODV2XyspMF9AIyVMOkNGXTFfNg==@UHB0TGFic0FnZW5kYV8mXkBWaXN1YWxBZ2VuZGFJbWFnZV8mXkBUd28gU2xpZGVzXzM=@UHB0TGFic0FnZW5kYV8mXkBWaXN1YWxBZ2VuZGFJbWFnZV8mXkBOZXcgU2VjdGlvbl80@-190556688</a:t>
             </a:r>
+            <a:endParaRPr lang="en-US"/>
           </a:p>
         </p:txBody>
       </p:sp>
@@ -687,9 +689,10 @@
           <a:lstStyle/>
           <a:p>
             <a:r>
-              <a:rPr lang="en-US"/>
+              <a:rPr lang="en-US" smtClean="0"/>
               <a:t>Click to edit Master title style</a:t>
             </a:r>
+            <a:endParaRPr lang="en-US"/>
           </a:p>
         </p:txBody>
       </p:sp>
@@ -805,9 +808,10 @@
           </a:lstStyle>
           <a:p>
             <a:r>
-              <a:rPr lang="en-US"/>
+              <a:rPr lang="en-US" smtClean="0"/>
               <a:t>Click to edit Master subtitle style</a:t>
             </a:r>
+            <a:endParaRPr lang="en-US"/>
           </a:p>
         </p:txBody>
       </p:sp>
@@ -828,7 +832,7 @@
           <a:p>
             <a:fld id="{699DC775-C286-4358-8C92-D7E584E969B3}" type="datetimeFigureOut">
               <a:rPr lang="en-US" smtClean="0"/>
-              <a:t>1/23/2017</a:t>
+              <a:t>19-Jun-15</a:t>
             </a:fld>
             <a:endParaRPr lang="en-US"/>
           </a:p>
@@ -922,9 +926,10 @@
           <a:lstStyle/>
           <a:p>
             <a:r>
-              <a:rPr lang="en-US"/>
+              <a:rPr lang="en-US" smtClean="0"/>
               <a:t>Click to edit Master title style</a:t>
             </a:r>
+            <a:endParaRPr lang="en-US"/>
           </a:p>
         </p:txBody>
       </p:sp>
@@ -945,37 +950,38 @@
           <a:p>
             <a:pPr lvl="0"/>
             <a:r>
-              <a:rPr lang="en-US"/>
+              <a:rPr lang="en-US" smtClean="0"/>
               <a:t>Click to edit Master text styles</a:t>
             </a:r>
           </a:p>
           <a:p>
             <a:pPr lvl="1"/>
             <a:r>
-              <a:rPr lang="en-US"/>
+              <a:rPr lang="en-US" smtClean="0"/>
               <a:t>Second level</a:t>
             </a:r>
           </a:p>
           <a:p>
             <a:pPr lvl="2"/>
             <a:r>
-              <a:rPr lang="en-US"/>
+              <a:rPr lang="en-US" smtClean="0"/>
               <a:t>Third level</a:t>
             </a:r>
           </a:p>
           <a:p>
             <a:pPr lvl="3"/>
             <a:r>
-              <a:rPr lang="en-US"/>
+              <a:rPr lang="en-US" smtClean="0"/>
               <a:t>Fourth level</a:t>
             </a:r>
           </a:p>
           <a:p>
             <a:pPr lvl="4"/>
             <a:r>
-              <a:rPr lang="en-US"/>
+              <a:rPr lang="en-US" smtClean="0"/>
               <a:t>Fifth level</a:t>
             </a:r>
+            <a:endParaRPr lang="en-US"/>
           </a:p>
         </p:txBody>
       </p:sp>
@@ -996,7 +1002,7 @@
           <a:p>
             <a:fld id="{699DC775-C286-4358-8C92-D7E584E969B3}" type="datetimeFigureOut">
               <a:rPr lang="en-US" smtClean="0"/>
-              <a:t>1/23/2017</a:t>
+              <a:t>19-Jun-15</a:t>
             </a:fld>
             <a:endParaRPr lang="en-US"/>
           </a:p>
@@ -1095,9 +1101,10 @@
           <a:lstStyle/>
           <a:p>
             <a:r>
-              <a:rPr lang="en-US"/>
+              <a:rPr lang="en-US" smtClean="0"/>
               <a:t>Click to edit Master title style</a:t>
             </a:r>
+            <a:endParaRPr lang="en-US"/>
           </a:p>
         </p:txBody>
       </p:sp>
@@ -1123,37 +1130,38 @@
           <a:p>
             <a:pPr lvl="0"/>
             <a:r>
-              <a:rPr lang="en-US"/>
+              <a:rPr lang="en-US" smtClean="0"/>
               <a:t>Click to edit Master text styles</a:t>
             </a:r>
           </a:p>
           <a:p>
             <a:pPr lvl="1"/>
             <a:r>
-              <a:rPr lang="en-US"/>
+              <a:rPr lang="en-US" smtClean="0"/>
               <a:t>Second level</a:t>
             </a:r>
           </a:p>
           <a:p>
             <a:pPr lvl="2"/>
             <a:r>
-              <a:rPr lang="en-US"/>
+              <a:rPr lang="en-US" smtClean="0"/>
               <a:t>Third level</a:t>
             </a:r>
           </a:p>
           <a:p>
             <a:pPr lvl="3"/>
             <a:r>
-              <a:rPr lang="en-US"/>
+              <a:rPr lang="en-US" smtClean="0"/>
               <a:t>Fourth level</a:t>
             </a:r>
           </a:p>
           <a:p>
             <a:pPr lvl="4"/>
             <a:r>
-              <a:rPr lang="en-US"/>
+              <a:rPr lang="en-US" smtClean="0"/>
               <a:t>Fifth level</a:t>
             </a:r>
+            <a:endParaRPr lang="en-US"/>
           </a:p>
         </p:txBody>
       </p:sp>
@@ -1174,7 +1182,7 @@
           <a:p>
             <a:fld id="{699DC775-C286-4358-8C92-D7E584E969B3}" type="datetimeFigureOut">
               <a:rPr lang="en-US" smtClean="0"/>
-              <a:t>1/23/2017</a:t>
+              <a:t>19-Jun-15</a:t>
             </a:fld>
             <a:endParaRPr lang="en-US"/>
           </a:p>
@@ -1268,9 +1276,10 @@
           <a:lstStyle/>
           <a:p>
             <a:r>
-              <a:rPr lang="en-US"/>
+              <a:rPr lang="en-US" smtClean="0"/>
               <a:t>Click to edit Master title style</a:t>
             </a:r>
+            <a:endParaRPr lang="en-US"/>
           </a:p>
         </p:txBody>
       </p:sp>
@@ -1291,37 +1300,38 @@
           <a:p>
             <a:pPr lvl="0"/>
             <a:r>
-              <a:rPr lang="en-US"/>
+              <a:rPr lang="en-US" smtClean="0"/>
               <a:t>Click to edit Master text styles</a:t>
             </a:r>
           </a:p>
           <a:p>
             <a:pPr lvl="1"/>
             <a:r>
-              <a:rPr lang="en-US"/>
+              <a:rPr lang="en-US" smtClean="0"/>
               <a:t>Second level</a:t>
             </a:r>
           </a:p>
           <a:p>
             <a:pPr lvl="2"/>
             <a:r>
-              <a:rPr lang="en-US"/>
+              <a:rPr lang="en-US" smtClean="0"/>
               <a:t>Third level</a:t>
             </a:r>
           </a:p>
           <a:p>
             <a:pPr lvl="3"/>
             <a:r>
-              <a:rPr lang="en-US"/>
+              <a:rPr lang="en-US" smtClean="0"/>
               <a:t>Fourth level</a:t>
             </a:r>
           </a:p>
           <a:p>
             <a:pPr lvl="4"/>
             <a:r>
-              <a:rPr lang="en-US"/>
+              <a:rPr lang="en-US" smtClean="0"/>
               <a:t>Fifth level</a:t>
             </a:r>
+            <a:endParaRPr lang="en-US"/>
           </a:p>
         </p:txBody>
       </p:sp>
@@ -1342,7 +1352,7 @@
           <a:p>
             <a:fld id="{699DC775-C286-4358-8C92-D7E584E969B3}" type="datetimeFigureOut">
               <a:rPr lang="en-US" smtClean="0"/>
-              <a:t>1/23/2017</a:t>
+              <a:t>19-Jun-15</a:t>
             </a:fld>
             <a:endParaRPr lang="en-US"/>
           </a:p>
@@ -1441,9 +1451,10 @@
           <a:lstStyle/>
           <a:p>
             <a:r>
-              <a:rPr lang="en-US"/>
+              <a:rPr lang="en-US" smtClean="0"/>
               <a:t>Click to edit Master title style</a:t>
             </a:r>
+            <a:endParaRPr lang="en-US"/>
           </a:p>
         </p:txBody>
       </p:sp>
@@ -1559,9 +1570,10 @@
           </a:lstStyle>
           <a:p>
             <a:r>
-              <a:rPr lang="en-US"/>
+              <a:rPr lang="en-US" smtClean="0"/>
               <a:t>Click to edit Master subtitle style</a:t>
             </a:r>
+            <a:endParaRPr lang="en-US"/>
           </a:p>
         </p:txBody>
       </p:sp>
@@ -1582,7 +1594,7 @@
           <a:p>
             <a:fld id="{699DC775-C286-4358-8C92-D7E584E969B3}" type="datetimeFigureOut">
               <a:rPr lang="en-US" smtClean="0"/>
-              <a:t>1/23/2017</a:t>
+              <a:t>19-Jun-15</a:t>
             </a:fld>
             <a:endParaRPr lang="en-US"/>
           </a:p>
@@ -1676,9 +1688,10 @@
           <a:lstStyle/>
           <a:p>
             <a:r>
-              <a:rPr lang="en-US"/>
+              <a:rPr lang="en-US" smtClean="0"/>
               <a:t>Click to edit Master title style</a:t>
             </a:r>
+            <a:endParaRPr lang="en-US"/>
           </a:p>
         </p:txBody>
       </p:sp>
@@ -1699,37 +1712,38 @@
           <a:p>
             <a:pPr lvl="0"/>
             <a:r>
-              <a:rPr lang="en-US"/>
+              <a:rPr lang="en-US" smtClean="0"/>
               <a:t>Click to edit Master text styles</a:t>
             </a:r>
           </a:p>
           <a:p>
             <a:pPr lvl="1"/>
             <a:r>
-              <a:rPr lang="en-US"/>
+              <a:rPr lang="en-US" smtClean="0"/>
               <a:t>Second level</a:t>
             </a:r>
           </a:p>
           <a:p>
             <a:pPr lvl="2"/>
             <a:r>
-              <a:rPr lang="en-US"/>
+              <a:rPr lang="en-US" smtClean="0"/>
               <a:t>Third level</a:t>
             </a:r>
           </a:p>
           <a:p>
             <a:pPr lvl="3"/>
             <a:r>
-              <a:rPr lang="en-US"/>
+              <a:rPr lang="en-US" smtClean="0"/>
               <a:t>Fourth level</a:t>
             </a:r>
           </a:p>
           <a:p>
             <a:pPr lvl="4"/>
             <a:r>
-              <a:rPr lang="en-US"/>
+              <a:rPr lang="en-US" smtClean="0"/>
               <a:t>Fifth level</a:t>
             </a:r>
+            <a:endParaRPr lang="en-US"/>
           </a:p>
         </p:txBody>
       </p:sp>
@@ -1750,7 +1764,7 @@
           <a:p>
             <a:fld id="{699DC775-C286-4358-8C92-D7E584E969B3}" type="datetimeFigureOut">
               <a:rPr lang="en-US" smtClean="0"/>
-              <a:t>1/23/2017</a:t>
+              <a:t>19-Jun-15</a:t>
             </a:fld>
             <a:endParaRPr lang="en-US"/>
           </a:p>
@@ -1853,9 +1867,10 @@
           </a:lstStyle>
           <a:p>
             <a:r>
-              <a:rPr lang="en-US"/>
+              <a:rPr lang="en-US" smtClean="0"/>
               <a:t>Click to edit Master title style</a:t>
             </a:r>
+            <a:endParaRPr lang="en-US"/>
           </a:p>
         </p:txBody>
       </p:sp>
@@ -1972,7 +1987,7 @@
           <a:p>
             <a:pPr lvl="0"/>
             <a:r>
-              <a:rPr lang="en-US"/>
+              <a:rPr lang="en-US" smtClean="0"/>
               <a:t>Click to edit Master text styles</a:t>
             </a:r>
           </a:p>
@@ -1995,7 +2010,7 @@
           <a:p>
             <a:fld id="{699DC775-C286-4358-8C92-D7E584E969B3}" type="datetimeFigureOut">
               <a:rPr lang="en-US" smtClean="0"/>
-              <a:t>1/23/2017</a:t>
+              <a:t>19-Jun-15</a:t>
             </a:fld>
             <a:endParaRPr lang="en-US"/>
           </a:p>
@@ -2089,9 +2104,10 @@
           <a:lstStyle/>
           <a:p>
             <a:r>
-              <a:rPr lang="en-US"/>
+              <a:rPr lang="en-US" smtClean="0"/>
               <a:t>Click to edit Master title style</a:t>
             </a:r>
+            <a:endParaRPr lang="en-US"/>
           </a:p>
         </p:txBody>
       </p:sp>
@@ -2145,37 +2161,38 @@
           <a:p>
             <a:pPr lvl="0"/>
             <a:r>
-              <a:rPr lang="en-US"/>
+              <a:rPr lang="en-US" smtClean="0"/>
               <a:t>Click to edit Master text styles</a:t>
             </a:r>
           </a:p>
           <a:p>
             <a:pPr lvl="1"/>
             <a:r>
-              <a:rPr lang="en-US"/>
+              <a:rPr lang="en-US" smtClean="0"/>
               <a:t>Second level</a:t>
             </a:r>
           </a:p>
           <a:p>
             <a:pPr lvl="2"/>
             <a:r>
-              <a:rPr lang="en-US"/>
+              <a:rPr lang="en-US" smtClean="0"/>
               <a:t>Third level</a:t>
             </a:r>
           </a:p>
           <a:p>
             <a:pPr lvl="3"/>
             <a:r>
-              <a:rPr lang="en-US"/>
+              <a:rPr lang="en-US" smtClean="0"/>
               <a:t>Fourth level</a:t>
             </a:r>
           </a:p>
           <a:p>
             <a:pPr lvl="4"/>
             <a:r>
-              <a:rPr lang="en-US"/>
+              <a:rPr lang="en-US" smtClean="0"/>
               <a:t>Fifth level</a:t>
             </a:r>
+            <a:endParaRPr lang="en-US"/>
           </a:p>
         </p:txBody>
       </p:sp>
@@ -2229,37 +2246,38 @@
           <a:p>
             <a:pPr lvl="0"/>
             <a:r>
-              <a:rPr lang="en-US"/>
+              <a:rPr lang="en-US" smtClean="0"/>
               <a:t>Click to edit Master text styles</a:t>
             </a:r>
           </a:p>
           <a:p>
             <a:pPr lvl="1"/>
             <a:r>
-              <a:rPr lang="en-US"/>
+              <a:rPr lang="en-US" smtClean="0"/>
               <a:t>Second level</a:t>
             </a:r>
           </a:p>
           <a:p>
             <a:pPr lvl="2"/>
             <a:r>
-              <a:rPr lang="en-US"/>
+              <a:rPr lang="en-US" smtClean="0"/>
               <a:t>Third level</a:t>
             </a:r>
           </a:p>
           <a:p>
             <a:pPr lvl="3"/>
             <a:r>
-              <a:rPr lang="en-US"/>
+              <a:rPr lang="en-US" smtClean="0"/>
               <a:t>Fourth level</a:t>
             </a:r>
           </a:p>
           <a:p>
             <a:pPr lvl="4"/>
             <a:r>
-              <a:rPr lang="en-US"/>
+              <a:rPr lang="en-US" smtClean="0"/>
               <a:t>Fifth level</a:t>
             </a:r>
+            <a:endParaRPr lang="en-US"/>
           </a:p>
         </p:txBody>
       </p:sp>
@@ -2280,7 +2298,7 @@
           <a:p>
             <a:fld id="{699DC775-C286-4358-8C92-D7E584E969B3}" type="datetimeFigureOut">
               <a:rPr lang="en-US" smtClean="0"/>
-              <a:t>1/23/2017</a:t>
+              <a:t>19-Jun-15</a:t>
             </a:fld>
             <a:endParaRPr lang="en-US"/>
           </a:p>
@@ -2378,9 +2396,10 @@
           </a:lstStyle>
           <a:p>
             <a:r>
-              <a:rPr lang="en-US"/>
+              <a:rPr lang="en-US" smtClean="0"/>
               <a:t>Click to edit Master title style</a:t>
             </a:r>
+            <a:endParaRPr lang="en-US"/>
           </a:p>
         </p:txBody>
       </p:sp>
@@ -2443,7 +2462,7 @@
           <a:p>
             <a:pPr lvl="0"/>
             <a:r>
-              <a:rPr lang="en-US"/>
+              <a:rPr lang="en-US" smtClean="0"/>
               <a:t>Click to edit Master text styles</a:t>
             </a:r>
           </a:p>
@@ -2499,37 +2518,38 @@
           <a:p>
             <a:pPr lvl="0"/>
             <a:r>
-              <a:rPr lang="en-US"/>
+              <a:rPr lang="en-US" smtClean="0"/>
               <a:t>Click to edit Master text styles</a:t>
             </a:r>
           </a:p>
           <a:p>
             <a:pPr lvl="1"/>
             <a:r>
-              <a:rPr lang="en-US"/>
+              <a:rPr lang="en-US" smtClean="0"/>
               <a:t>Second level</a:t>
             </a:r>
           </a:p>
           <a:p>
             <a:pPr lvl="2"/>
             <a:r>
-              <a:rPr lang="en-US"/>
+              <a:rPr lang="en-US" smtClean="0"/>
               <a:t>Third level</a:t>
             </a:r>
           </a:p>
           <a:p>
             <a:pPr lvl="3"/>
             <a:r>
-              <a:rPr lang="en-US"/>
+              <a:rPr lang="en-US" smtClean="0"/>
               <a:t>Fourth level</a:t>
             </a:r>
           </a:p>
           <a:p>
             <a:pPr lvl="4"/>
             <a:r>
-              <a:rPr lang="en-US"/>
+              <a:rPr lang="en-US" smtClean="0"/>
               <a:t>Fifth level</a:t>
             </a:r>
+            <a:endParaRPr lang="en-US"/>
           </a:p>
         </p:txBody>
       </p:sp>
@@ -2592,7 +2612,7 @@
           <a:p>
             <a:pPr lvl="0"/>
             <a:r>
-              <a:rPr lang="en-US"/>
+              <a:rPr lang="en-US" smtClean="0"/>
               <a:t>Click to edit Master text styles</a:t>
             </a:r>
           </a:p>
@@ -2648,37 +2668,38 @@
           <a:p>
             <a:pPr lvl="0"/>
             <a:r>
-              <a:rPr lang="en-US"/>
+              <a:rPr lang="en-US" smtClean="0"/>
               <a:t>Click to edit Master text styles</a:t>
             </a:r>
           </a:p>
           <a:p>
             <a:pPr lvl="1"/>
             <a:r>
-              <a:rPr lang="en-US"/>
+              <a:rPr lang="en-US" smtClean="0"/>
               <a:t>Second level</a:t>
             </a:r>
           </a:p>
           <a:p>
             <a:pPr lvl="2"/>
             <a:r>
-              <a:rPr lang="en-US"/>
+              <a:rPr lang="en-US" smtClean="0"/>
               <a:t>Third level</a:t>
             </a:r>
           </a:p>
           <a:p>
             <a:pPr lvl="3"/>
             <a:r>
-              <a:rPr lang="en-US"/>
+              <a:rPr lang="en-US" smtClean="0"/>
               <a:t>Fourth level</a:t>
             </a:r>
           </a:p>
           <a:p>
             <a:pPr lvl="4"/>
             <a:r>
-              <a:rPr lang="en-US"/>
+              <a:rPr lang="en-US" smtClean="0"/>
               <a:t>Fifth level</a:t>
             </a:r>
+            <a:endParaRPr lang="en-US"/>
           </a:p>
         </p:txBody>
       </p:sp>
@@ -2699,7 +2720,7 @@
           <a:p>
             <a:fld id="{699DC775-C286-4358-8C92-D7E584E969B3}" type="datetimeFigureOut">
               <a:rPr lang="en-US" smtClean="0"/>
-              <a:t>1/23/2017</a:t>
+              <a:t>19-Jun-15</a:t>
             </a:fld>
             <a:endParaRPr lang="en-US"/>
           </a:p>
@@ -2793,9 +2814,10 @@
           <a:lstStyle/>
           <a:p>
             <a:r>
-              <a:rPr lang="en-US"/>
+              <a:rPr lang="en-US" smtClean="0"/>
               <a:t>Click to edit Master title style</a:t>
             </a:r>
+            <a:endParaRPr lang="en-US"/>
           </a:p>
         </p:txBody>
       </p:sp>
@@ -2816,7 +2838,7 @@
           <a:p>
             <a:fld id="{699DC775-C286-4358-8C92-D7E584E969B3}" type="datetimeFigureOut">
               <a:rPr lang="en-US" smtClean="0"/>
-              <a:t>1/23/2017</a:t>
+              <a:t>19-Jun-15</a:t>
             </a:fld>
             <a:endParaRPr lang="en-US"/>
           </a:p>
@@ -2911,7 +2933,7 @@
           <a:p>
             <a:fld id="{699DC775-C286-4358-8C92-D7E584E969B3}" type="datetimeFigureOut">
               <a:rPr lang="en-US" smtClean="0"/>
-              <a:t>1/23/2017</a:t>
+              <a:t>19-Jun-15</a:t>
             </a:fld>
             <a:endParaRPr lang="en-US"/>
           </a:p>
@@ -3005,9 +3027,10 @@
           <a:lstStyle/>
           <a:p>
             <a:r>
-              <a:rPr lang="en-US"/>
+              <a:rPr lang="en-US" smtClean="0"/>
               <a:t>Click to edit Master title style</a:t>
             </a:r>
+            <a:endParaRPr lang="en-US"/>
           </a:p>
         </p:txBody>
       </p:sp>
@@ -3028,37 +3051,38 @@
           <a:p>
             <a:pPr lvl="0"/>
             <a:r>
-              <a:rPr lang="en-US"/>
+              <a:rPr lang="en-US" smtClean="0"/>
               <a:t>Click to edit Master text styles</a:t>
             </a:r>
           </a:p>
           <a:p>
             <a:pPr lvl="1"/>
             <a:r>
-              <a:rPr lang="en-US"/>
+              <a:rPr lang="en-US" smtClean="0"/>
               <a:t>Second level</a:t>
             </a:r>
           </a:p>
           <a:p>
             <a:pPr lvl="2"/>
             <a:r>
-              <a:rPr lang="en-US"/>
+              <a:rPr lang="en-US" smtClean="0"/>
               <a:t>Third level</a:t>
             </a:r>
           </a:p>
           <a:p>
             <a:pPr lvl="3"/>
             <a:r>
-              <a:rPr lang="en-US"/>
+              <a:rPr lang="en-US" smtClean="0"/>
               <a:t>Fourth level</a:t>
             </a:r>
           </a:p>
           <a:p>
             <a:pPr lvl="4"/>
             <a:r>
-              <a:rPr lang="en-US"/>
+              <a:rPr lang="en-US" smtClean="0"/>
               <a:t>Fifth level</a:t>
             </a:r>
+            <a:endParaRPr lang="en-US"/>
           </a:p>
         </p:txBody>
       </p:sp>
@@ -3079,7 +3103,7 @@
           <a:p>
             <a:fld id="{699DC775-C286-4358-8C92-D7E584E969B3}" type="datetimeFigureOut">
               <a:rPr lang="en-US" smtClean="0"/>
-              <a:t>1/23/2017</a:t>
+              <a:t>19-Jun-15</a:t>
             </a:fld>
             <a:endParaRPr lang="en-US"/>
           </a:p>
@@ -3182,9 +3206,10 @@
           </a:lstStyle>
           <a:p>
             <a:r>
-              <a:rPr lang="en-US"/>
+              <a:rPr lang="en-US" smtClean="0"/>
               <a:t>Click to edit Master title style</a:t>
             </a:r>
+            <a:endParaRPr lang="en-US"/>
           </a:p>
         </p:txBody>
       </p:sp>
@@ -3238,37 +3263,38 @@
           <a:p>
             <a:pPr lvl="0"/>
             <a:r>
-              <a:rPr lang="en-US"/>
+              <a:rPr lang="en-US" smtClean="0"/>
               <a:t>Click to edit Master text styles</a:t>
             </a:r>
           </a:p>
           <a:p>
             <a:pPr lvl="1"/>
             <a:r>
-              <a:rPr lang="en-US"/>
+              <a:rPr lang="en-US" smtClean="0"/>
               <a:t>Second level</a:t>
             </a:r>
           </a:p>
           <a:p>
             <a:pPr lvl="2"/>
             <a:r>
-              <a:rPr lang="en-US"/>
+              <a:rPr lang="en-US" smtClean="0"/>
               <a:t>Third level</a:t>
             </a:r>
           </a:p>
           <a:p>
             <a:pPr lvl="3"/>
             <a:r>
-              <a:rPr lang="en-US"/>
+              <a:rPr lang="en-US" smtClean="0"/>
               <a:t>Fourth level</a:t>
             </a:r>
           </a:p>
           <a:p>
             <a:pPr lvl="4"/>
             <a:r>
-              <a:rPr lang="en-US"/>
+              <a:rPr lang="en-US" smtClean="0"/>
               <a:t>Fifth level</a:t>
             </a:r>
+            <a:endParaRPr lang="en-US"/>
           </a:p>
         </p:txBody>
       </p:sp>
@@ -3331,7 +3357,7 @@
           <a:p>
             <a:pPr lvl="0"/>
             <a:r>
-              <a:rPr lang="en-US"/>
+              <a:rPr lang="en-US" smtClean="0"/>
               <a:t>Click to edit Master text styles</a:t>
             </a:r>
           </a:p>
@@ -3354,7 +3380,7 @@
           <a:p>
             <a:fld id="{699DC775-C286-4358-8C92-D7E584E969B3}" type="datetimeFigureOut">
               <a:rPr lang="en-US" smtClean="0"/>
-              <a:t>1/23/2017</a:t>
+              <a:t>19-Jun-15</a:t>
             </a:fld>
             <a:endParaRPr lang="en-US"/>
           </a:p>
@@ -3457,9 +3483,10 @@
           </a:lstStyle>
           <a:p>
             <a:r>
-              <a:rPr lang="en-US"/>
+              <a:rPr lang="en-US" smtClean="0"/>
               <a:t>Click to edit Master title style</a:t>
             </a:r>
+            <a:endParaRPr lang="en-US"/>
           </a:p>
         </p:txBody>
       </p:sp>
@@ -3583,7 +3610,7 @@
           <a:p>
             <a:pPr lvl="0"/>
             <a:r>
-              <a:rPr lang="en-US"/>
+              <a:rPr lang="en-US" smtClean="0"/>
               <a:t>Click to edit Master text styles</a:t>
             </a:r>
           </a:p>
@@ -3606,7 +3633,7 @@
           <a:p>
             <a:fld id="{699DC775-C286-4358-8C92-D7E584E969B3}" type="datetimeFigureOut">
               <a:rPr lang="en-US" smtClean="0"/>
-              <a:t>1/23/2017</a:t>
+              <a:t>19-Jun-15</a:t>
             </a:fld>
             <a:endParaRPr lang="en-US"/>
           </a:p>
@@ -3700,9 +3727,10 @@
           <a:lstStyle/>
           <a:p>
             <a:r>
-              <a:rPr lang="en-US"/>
+              <a:rPr lang="en-US" smtClean="0"/>
               <a:t>Click to edit Master title style</a:t>
             </a:r>
+            <a:endParaRPr lang="en-US"/>
           </a:p>
         </p:txBody>
       </p:sp>
@@ -3723,37 +3751,38 @@
           <a:p>
             <a:pPr lvl="0"/>
             <a:r>
-              <a:rPr lang="en-US"/>
+              <a:rPr lang="en-US" smtClean="0"/>
               <a:t>Click to edit Master text styles</a:t>
             </a:r>
           </a:p>
           <a:p>
             <a:pPr lvl="1"/>
             <a:r>
-              <a:rPr lang="en-US"/>
+              <a:rPr lang="en-US" smtClean="0"/>
               <a:t>Second level</a:t>
             </a:r>
           </a:p>
           <a:p>
             <a:pPr lvl="2"/>
             <a:r>
-              <a:rPr lang="en-US"/>
+              <a:rPr lang="en-US" smtClean="0"/>
               <a:t>Third level</a:t>
             </a:r>
           </a:p>
           <a:p>
             <a:pPr lvl="3"/>
             <a:r>
-              <a:rPr lang="en-US"/>
+              <a:rPr lang="en-US" smtClean="0"/>
               <a:t>Fourth level</a:t>
             </a:r>
           </a:p>
           <a:p>
             <a:pPr lvl="4"/>
             <a:r>
-              <a:rPr lang="en-US"/>
+              <a:rPr lang="en-US" smtClean="0"/>
               <a:t>Fifth level</a:t>
             </a:r>
+            <a:endParaRPr lang="en-US"/>
           </a:p>
         </p:txBody>
       </p:sp>
@@ -3774,7 +3803,7 @@
           <a:p>
             <a:fld id="{699DC775-C286-4358-8C92-D7E584E969B3}" type="datetimeFigureOut">
               <a:rPr lang="en-US" smtClean="0"/>
-              <a:t>1/23/2017</a:t>
+              <a:t>19-Jun-15</a:t>
             </a:fld>
             <a:endParaRPr lang="en-US"/>
           </a:p>
@@ -3873,9 +3902,10 @@
           <a:lstStyle/>
           <a:p>
             <a:r>
-              <a:rPr lang="en-US"/>
+              <a:rPr lang="en-US" smtClean="0"/>
               <a:t>Click to edit Master title style</a:t>
             </a:r>
+            <a:endParaRPr lang="en-US"/>
           </a:p>
         </p:txBody>
       </p:sp>
@@ -3901,37 +3931,38 @@
           <a:p>
             <a:pPr lvl="0"/>
             <a:r>
-              <a:rPr lang="en-US"/>
+              <a:rPr lang="en-US" smtClean="0"/>
               <a:t>Click to edit Master text styles</a:t>
             </a:r>
           </a:p>
           <a:p>
             <a:pPr lvl="1"/>
             <a:r>
-              <a:rPr lang="en-US"/>
+              <a:rPr lang="en-US" smtClean="0"/>
               <a:t>Second level</a:t>
             </a:r>
           </a:p>
           <a:p>
             <a:pPr lvl="2"/>
             <a:r>
-              <a:rPr lang="en-US"/>
+              <a:rPr lang="en-US" smtClean="0"/>
               <a:t>Third level</a:t>
             </a:r>
           </a:p>
           <a:p>
             <a:pPr lvl="3"/>
             <a:r>
-              <a:rPr lang="en-US"/>
+              <a:rPr lang="en-US" smtClean="0"/>
               <a:t>Fourth level</a:t>
             </a:r>
           </a:p>
           <a:p>
             <a:pPr lvl="4"/>
             <a:r>
-              <a:rPr lang="en-US"/>
+              <a:rPr lang="en-US" smtClean="0"/>
               <a:t>Fifth level</a:t>
             </a:r>
+            <a:endParaRPr lang="en-US"/>
           </a:p>
         </p:txBody>
       </p:sp>
@@ -3952,7 +3983,7 @@
           <a:p>
             <a:fld id="{699DC775-C286-4358-8C92-D7E584E969B3}" type="datetimeFigureOut">
               <a:rPr lang="en-US" smtClean="0"/>
-              <a:t>1/23/2017</a:t>
+              <a:t>19-Jun-15</a:t>
             </a:fld>
             <a:endParaRPr lang="en-US"/>
           </a:p>
@@ -4046,9 +4077,10 @@
           <a:lstStyle/>
           <a:p>
             <a:r>
-              <a:rPr lang="en-US"/>
+              <a:rPr lang="en-US" smtClean="0"/>
               <a:t>Click to edit Master title style</a:t>
             </a:r>
+            <a:endParaRPr lang="en-US"/>
           </a:p>
         </p:txBody>
       </p:sp>
@@ -4069,37 +4101,38 @@
           <a:p>
             <a:pPr lvl="0"/>
             <a:r>
-              <a:rPr lang="en-US"/>
+              <a:rPr lang="en-US" smtClean="0"/>
               <a:t>Click to edit Master text styles</a:t>
             </a:r>
           </a:p>
           <a:p>
             <a:pPr lvl="1"/>
             <a:r>
-              <a:rPr lang="en-US"/>
+              <a:rPr lang="en-US" smtClean="0"/>
               <a:t>Second level</a:t>
             </a:r>
           </a:p>
           <a:p>
             <a:pPr lvl="2"/>
             <a:r>
-              <a:rPr lang="en-US"/>
+              <a:rPr lang="en-US" smtClean="0"/>
               <a:t>Third level</a:t>
             </a:r>
           </a:p>
           <a:p>
             <a:pPr lvl="3"/>
             <a:r>
-              <a:rPr lang="en-US"/>
+              <a:rPr lang="en-US" smtClean="0"/>
               <a:t>Fourth level</a:t>
             </a:r>
           </a:p>
           <a:p>
             <a:pPr lvl="4"/>
             <a:r>
-              <a:rPr lang="en-US"/>
+              <a:rPr lang="en-US" smtClean="0"/>
               <a:t>Fifth level</a:t>
             </a:r>
+            <a:endParaRPr lang="en-US"/>
           </a:p>
         </p:txBody>
       </p:sp>
@@ -4120,7 +4153,7 @@
           <a:p>
             <a:fld id="{699DC775-C286-4358-8C92-D7E584E969B3}" type="datetimeFigureOut">
               <a:rPr lang="en-US" smtClean="0"/>
-              <a:t>1/23/2017</a:t>
+              <a:t>19-Jun-15</a:t>
             </a:fld>
             <a:endParaRPr lang="en-US"/>
           </a:p>
@@ -4227,9 +4260,10 @@
           <a:lstStyle/>
           <a:p>
             <a:r>
-              <a:rPr lang="en-US"/>
+              <a:rPr lang="en-US" smtClean="0"/>
               <a:t>Click to edit Master title style</a:t>
             </a:r>
+            <a:endParaRPr lang="en-US"/>
           </a:p>
         </p:txBody>
       </p:sp>
@@ -4345,9 +4379,10 @@
           </a:lstStyle>
           <a:p>
             <a:r>
-              <a:rPr lang="en-US"/>
+              <a:rPr lang="en-US" smtClean="0"/>
               <a:t>Click to edit Master subtitle style</a:t>
             </a:r>
+            <a:endParaRPr lang="en-US"/>
           </a:p>
         </p:txBody>
       </p:sp>
@@ -4368,7 +4403,7 @@
           <a:p>
             <a:fld id="{699DC775-C286-4358-8C92-D7E584E969B3}" type="datetimeFigureOut">
               <a:rPr lang="en-US" smtClean="0"/>
-              <a:t>1/23/2017</a:t>
+              <a:t>19-Jun-15</a:t>
             </a:fld>
             <a:endParaRPr lang="en-US"/>
           </a:p>
@@ -4470,9 +4505,10 @@
           <a:lstStyle/>
           <a:p>
             <a:r>
-              <a:rPr lang="en-US"/>
+              <a:rPr lang="en-US" smtClean="0"/>
               <a:t>Click to edit Master title style</a:t>
             </a:r>
+            <a:endParaRPr lang="en-US"/>
           </a:p>
         </p:txBody>
       </p:sp>
@@ -4493,37 +4529,38 @@
           <a:p>
             <a:pPr lvl="0"/>
             <a:r>
-              <a:rPr lang="en-US"/>
+              <a:rPr lang="en-US" smtClean="0"/>
               <a:t>Click to edit Master text styles</a:t>
             </a:r>
           </a:p>
           <a:p>
             <a:pPr lvl="1"/>
             <a:r>
-              <a:rPr lang="en-US"/>
+              <a:rPr lang="en-US" smtClean="0"/>
               <a:t>Second level</a:t>
             </a:r>
           </a:p>
           <a:p>
             <a:pPr lvl="2"/>
             <a:r>
-              <a:rPr lang="en-US"/>
+              <a:rPr lang="en-US" smtClean="0"/>
               <a:t>Third level</a:t>
             </a:r>
           </a:p>
           <a:p>
             <a:pPr lvl="3"/>
             <a:r>
-              <a:rPr lang="en-US"/>
+              <a:rPr lang="en-US" smtClean="0"/>
               <a:t>Fourth level</a:t>
             </a:r>
           </a:p>
           <a:p>
             <a:pPr lvl="4"/>
             <a:r>
-              <a:rPr lang="en-US"/>
+              <a:rPr lang="en-US" smtClean="0"/>
               <a:t>Fifth level</a:t>
             </a:r>
+            <a:endParaRPr lang="en-US"/>
           </a:p>
         </p:txBody>
       </p:sp>
@@ -4544,7 +4581,7 @@
           <a:p>
             <a:fld id="{699DC775-C286-4358-8C92-D7E584E969B3}" type="datetimeFigureOut">
               <a:rPr lang="en-US" smtClean="0"/>
-              <a:t>1/23/2017</a:t>
+              <a:t>19-Jun-15</a:t>
             </a:fld>
             <a:endParaRPr lang="en-US"/>
           </a:p>
@@ -4655,9 +4692,10 @@
           </a:lstStyle>
           <a:p>
             <a:r>
-              <a:rPr lang="en-US"/>
+              <a:rPr lang="en-US" smtClean="0"/>
               <a:t>Click to edit Master title style</a:t>
             </a:r>
+            <a:endParaRPr lang="en-US"/>
           </a:p>
         </p:txBody>
       </p:sp>
@@ -4774,7 +4812,7 @@
           <a:p>
             <a:pPr lvl="0"/>
             <a:r>
-              <a:rPr lang="en-US"/>
+              <a:rPr lang="en-US" smtClean="0"/>
               <a:t>Click to edit Master text styles</a:t>
             </a:r>
           </a:p>
@@ -4797,7 +4835,7 @@
           <a:p>
             <a:fld id="{699DC775-C286-4358-8C92-D7E584E969B3}" type="datetimeFigureOut">
               <a:rPr lang="en-US" smtClean="0"/>
-              <a:t>1/23/2017</a:t>
+              <a:t>19-Jun-15</a:t>
             </a:fld>
             <a:endParaRPr lang="en-US"/>
           </a:p>
@@ -4899,9 +4937,10 @@
           <a:lstStyle/>
           <a:p>
             <a:r>
-              <a:rPr lang="en-US"/>
+              <a:rPr lang="en-US" smtClean="0"/>
               <a:t>Click to edit Master title style</a:t>
             </a:r>
+            <a:endParaRPr lang="en-US"/>
           </a:p>
         </p:txBody>
       </p:sp>
@@ -4955,37 +4994,38 @@
           <a:p>
             <a:pPr lvl="0"/>
             <a:r>
-              <a:rPr lang="en-US"/>
+              <a:rPr lang="en-US" smtClean="0"/>
               <a:t>Click to edit Master text styles</a:t>
             </a:r>
           </a:p>
           <a:p>
             <a:pPr lvl="1"/>
             <a:r>
-              <a:rPr lang="en-US"/>
+              <a:rPr lang="en-US" smtClean="0"/>
               <a:t>Second level</a:t>
             </a:r>
           </a:p>
           <a:p>
             <a:pPr lvl="2"/>
             <a:r>
-              <a:rPr lang="en-US"/>
+              <a:rPr lang="en-US" smtClean="0"/>
               <a:t>Third level</a:t>
             </a:r>
           </a:p>
           <a:p>
             <a:pPr lvl="3"/>
             <a:r>
-              <a:rPr lang="en-US"/>
+              <a:rPr lang="en-US" smtClean="0"/>
               <a:t>Fourth level</a:t>
             </a:r>
           </a:p>
           <a:p>
             <a:pPr lvl="4"/>
             <a:r>
-              <a:rPr lang="en-US"/>
+              <a:rPr lang="en-US" smtClean="0"/>
               <a:t>Fifth level</a:t>
             </a:r>
+            <a:endParaRPr lang="en-US"/>
           </a:p>
         </p:txBody>
       </p:sp>
@@ -5039,37 +5079,38 @@
           <a:p>
             <a:pPr lvl="0"/>
             <a:r>
-              <a:rPr lang="en-US"/>
+              <a:rPr lang="en-US" smtClean="0"/>
               <a:t>Click to edit Master text styles</a:t>
             </a:r>
           </a:p>
           <a:p>
             <a:pPr lvl="1"/>
             <a:r>
-              <a:rPr lang="en-US"/>
+              <a:rPr lang="en-US" smtClean="0"/>
               <a:t>Second level</a:t>
             </a:r>
           </a:p>
           <a:p>
             <a:pPr lvl="2"/>
             <a:r>
-              <a:rPr lang="en-US"/>
+              <a:rPr lang="en-US" smtClean="0"/>
               <a:t>Third level</a:t>
             </a:r>
           </a:p>
           <a:p>
             <a:pPr lvl="3"/>
             <a:r>
-              <a:rPr lang="en-US"/>
+              <a:rPr lang="en-US" smtClean="0"/>
               <a:t>Fourth level</a:t>
             </a:r>
           </a:p>
           <a:p>
             <a:pPr lvl="4"/>
             <a:r>
-              <a:rPr lang="en-US"/>
+              <a:rPr lang="en-US" smtClean="0"/>
               <a:t>Fifth level</a:t>
             </a:r>
+            <a:endParaRPr lang="en-US"/>
           </a:p>
         </p:txBody>
       </p:sp>
@@ -5090,7 +5131,7 @@
           <a:p>
             <a:fld id="{699DC775-C286-4358-8C92-D7E584E969B3}" type="datetimeFigureOut">
               <a:rPr lang="en-US" smtClean="0"/>
-              <a:t>1/23/2017</a:t>
+              <a:t>19-Jun-15</a:t>
             </a:fld>
             <a:endParaRPr lang="en-US"/>
           </a:p>
@@ -5196,9 +5237,10 @@
           </a:lstStyle>
           <a:p>
             <a:r>
-              <a:rPr lang="en-US"/>
+              <a:rPr lang="en-US" smtClean="0"/>
               <a:t>Click to edit Master title style</a:t>
             </a:r>
+            <a:endParaRPr lang="en-US"/>
           </a:p>
         </p:txBody>
       </p:sp>
@@ -5261,7 +5303,7 @@
           <a:p>
             <a:pPr lvl="0"/>
             <a:r>
-              <a:rPr lang="en-US"/>
+              <a:rPr lang="en-US" smtClean="0"/>
               <a:t>Click to edit Master text styles</a:t>
             </a:r>
           </a:p>
@@ -5317,37 +5359,38 @@
           <a:p>
             <a:pPr lvl="0"/>
             <a:r>
-              <a:rPr lang="en-US"/>
+              <a:rPr lang="en-US" smtClean="0"/>
               <a:t>Click to edit Master text styles</a:t>
             </a:r>
           </a:p>
           <a:p>
             <a:pPr lvl="1"/>
             <a:r>
-              <a:rPr lang="en-US"/>
+              <a:rPr lang="en-US" smtClean="0"/>
               <a:t>Second level</a:t>
             </a:r>
           </a:p>
           <a:p>
             <a:pPr lvl="2"/>
             <a:r>
-              <a:rPr lang="en-US"/>
+              <a:rPr lang="en-US" smtClean="0"/>
               <a:t>Third level</a:t>
             </a:r>
           </a:p>
           <a:p>
             <a:pPr lvl="3"/>
             <a:r>
-              <a:rPr lang="en-US"/>
+              <a:rPr lang="en-US" smtClean="0"/>
               <a:t>Fourth level</a:t>
             </a:r>
           </a:p>
           <a:p>
             <a:pPr lvl="4"/>
             <a:r>
-              <a:rPr lang="en-US"/>
+              <a:rPr lang="en-US" smtClean="0"/>
               <a:t>Fifth level</a:t>
             </a:r>
+            <a:endParaRPr lang="en-US"/>
           </a:p>
         </p:txBody>
       </p:sp>
@@ -5410,7 +5453,7 @@
           <a:p>
             <a:pPr lvl="0"/>
             <a:r>
-              <a:rPr lang="en-US"/>
+              <a:rPr lang="en-US" smtClean="0"/>
               <a:t>Click to edit Master text styles</a:t>
             </a:r>
           </a:p>
@@ -5466,37 +5509,38 @@
           <a:p>
             <a:pPr lvl="0"/>
             <a:r>
-              <a:rPr lang="en-US"/>
+              <a:rPr lang="en-US" smtClean="0"/>
               <a:t>Click to edit Master text styles</a:t>
             </a:r>
           </a:p>
           <a:p>
             <a:pPr lvl="1"/>
             <a:r>
-              <a:rPr lang="en-US"/>
+              <a:rPr lang="en-US" smtClean="0"/>
               <a:t>Second level</a:t>
             </a:r>
           </a:p>
           <a:p>
             <a:pPr lvl="2"/>
             <a:r>
-              <a:rPr lang="en-US"/>
+              <a:rPr lang="en-US" smtClean="0"/>
               <a:t>Third level</a:t>
             </a:r>
           </a:p>
           <a:p>
             <a:pPr lvl="3"/>
             <a:r>
-              <a:rPr lang="en-US"/>
+              <a:rPr lang="en-US" smtClean="0"/>
               <a:t>Fourth level</a:t>
             </a:r>
           </a:p>
           <a:p>
             <a:pPr lvl="4"/>
             <a:r>
-              <a:rPr lang="en-US"/>
+              <a:rPr lang="en-US" smtClean="0"/>
               <a:t>Fifth level</a:t>
             </a:r>
+            <a:endParaRPr lang="en-US"/>
           </a:p>
         </p:txBody>
       </p:sp>
@@ -5517,7 +5561,7 @@
           <a:p>
             <a:fld id="{699DC775-C286-4358-8C92-D7E584E969B3}" type="datetimeFigureOut">
               <a:rPr lang="en-US" smtClean="0"/>
-              <a:t>1/23/2017</a:t>
+              <a:t>19-Jun-15</a:t>
             </a:fld>
             <a:endParaRPr lang="en-US"/>
           </a:p>
@@ -5620,9 +5664,10 @@
           </a:lstStyle>
           <a:p>
             <a:r>
-              <a:rPr lang="en-US"/>
+              <a:rPr lang="en-US" smtClean="0"/>
               <a:t>Click to edit Master title style</a:t>
             </a:r>
+            <a:endParaRPr lang="en-US"/>
           </a:p>
         </p:txBody>
       </p:sp>
@@ -5739,7 +5784,7 @@
           <a:p>
             <a:pPr lvl="0"/>
             <a:r>
-              <a:rPr lang="en-US"/>
+              <a:rPr lang="en-US" smtClean="0"/>
               <a:t>Click to edit Master text styles</a:t>
             </a:r>
           </a:p>
@@ -5762,7 +5807,7 @@
           <a:p>
             <a:fld id="{699DC775-C286-4358-8C92-D7E584E969B3}" type="datetimeFigureOut">
               <a:rPr lang="en-US" smtClean="0"/>
-              <a:t>1/23/2017</a:t>
+              <a:t>19-Jun-15</a:t>
             </a:fld>
             <a:endParaRPr lang="en-US"/>
           </a:p>
@@ -5864,9 +5909,10 @@
           <a:lstStyle/>
           <a:p>
             <a:r>
-              <a:rPr lang="en-US"/>
+              <a:rPr lang="en-US" smtClean="0"/>
               <a:t>Click to edit Master title style</a:t>
             </a:r>
+            <a:endParaRPr lang="en-US"/>
           </a:p>
         </p:txBody>
       </p:sp>
@@ -5887,7 +5933,7 @@
           <a:p>
             <a:fld id="{699DC775-C286-4358-8C92-D7E584E969B3}" type="datetimeFigureOut">
               <a:rPr lang="en-US" smtClean="0"/>
-              <a:t>1/23/2017</a:t>
+              <a:t>19-Jun-15</a:t>
             </a:fld>
             <a:endParaRPr lang="en-US"/>
           </a:p>
@@ -5990,7 +6036,7 @@
           <a:p>
             <a:fld id="{699DC775-C286-4358-8C92-D7E584E969B3}" type="datetimeFigureOut">
               <a:rPr lang="en-US" smtClean="0"/>
-              <a:t>1/23/2017</a:t>
+              <a:t>19-Jun-15</a:t>
             </a:fld>
             <a:endParaRPr lang="en-US"/>
           </a:p>
@@ -6101,9 +6147,10 @@
           </a:lstStyle>
           <a:p>
             <a:r>
-              <a:rPr lang="en-US"/>
+              <a:rPr lang="en-US" smtClean="0"/>
               <a:t>Click to edit Master title style</a:t>
             </a:r>
+            <a:endParaRPr lang="en-US"/>
           </a:p>
         </p:txBody>
       </p:sp>
@@ -6157,37 +6204,38 @@
           <a:p>
             <a:pPr lvl="0"/>
             <a:r>
-              <a:rPr lang="en-US"/>
+              <a:rPr lang="en-US" smtClean="0"/>
               <a:t>Click to edit Master text styles</a:t>
             </a:r>
           </a:p>
           <a:p>
             <a:pPr lvl="1"/>
             <a:r>
-              <a:rPr lang="en-US"/>
+              <a:rPr lang="en-US" smtClean="0"/>
               <a:t>Second level</a:t>
             </a:r>
           </a:p>
           <a:p>
             <a:pPr lvl="2"/>
             <a:r>
-              <a:rPr lang="en-US"/>
+              <a:rPr lang="en-US" smtClean="0"/>
               <a:t>Third level</a:t>
             </a:r>
           </a:p>
           <a:p>
             <a:pPr lvl="3"/>
             <a:r>
-              <a:rPr lang="en-US"/>
+              <a:rPr lang="en-US" smtClean="0"/>
               <a:t>Fourth level</a:t>
             </a:r>
           </a:p>
           <a:p>
             <a:pPr lvl="4"/>
             <a:r>
-              <a:rPr lang="en-US"/>
+              <a:rPr lang="en-US" smtClean="0"/>
               <a:t>Fifth level</a:t>
             </a:r>
+            <a:endParaRPr lang="en-US"/>
           </a:p>
         </p:txBody>
       </p:sp>
@@ -6250,7 +6298,7 @@
           <a:p>
             <a:pPr lvl="0"/>
             <a:r>
-              <a:rPr lang="en-US"/>
+              <a:rPr lang="en-US" smtClean="0"/>
               <a:t>Click to edit Master text styles</a:t>
             </a:r>
           </a:p>
@@ -6273,7 +6321,7 @@
           <a:p>
             <a:fld id="{699DC775-C286-4358-8C92-D7E584E969B3}" type="datetimeFigureOut">
               <a:rPr lang="en-US" smtClean="0"/>
-              <a:t>1/23/2017</a:t>
+              <a:t>19-Jun-15</a:t>
             </a:fld>
             <a:endParaRPr lang="en-US"/>
           </a:p>
@@ -6384,9 +6432,10 @@
           </a:lstStyle>
           <a:p>
             <a:r>
-              <a:rPr lang="en-US"/>
+              <a:rPr lang="en-US" smtClean="0"/>
               <a:t>Click to edit Master title style</a:t>
             </a:r>
+            <a:endParaRPr lang="en-US"/>
           </a:p>
         </p:txBody>
       </p:sp>
@@ -6510,7 +6559,7 @@
           <a:p>
             <a:pPr lvl="0"/>
             <a:r>
-              <a:rPr lang="en-US"/>
+              <a:rPr lang="en-US" smtClean="0"/>
               <a:t>Click to edit Master text styles</a:t>
             </a:r>
           </a:p>
@@ -6533,7 +6582,7 @@
           <a:p>
             <a:fld id="{699DC775-C286-4358-8C92-D7E584E969B3}" type="datetimeFigureOut">
               <a:rPr lang="en-US" smtClean="0"/>
-              <a:t>1/23/2017</a:t>
+              <a:t>19-Jun-15</a:t>
             </a:fld>
             <a:endParaRPr lang="en-US"/>
           </a:p>
@@ -6635,9 +6684,10 @@
           <a:lstStyle/>
           <a:p>
             <a:r>
-              <a:rPr lang="en-US"/>
+              <a:rPr lang="en-US" smtClean="0"/>
               <a:t>Click to edit Master title style</a:t>
             </a:r>
+            <a:endParaRPr lang="en-US"/>
           </a:p>
         </p:txBody>
       </p:sp>
@@ -6658,37 +6708,38 @@
           <a:p>
             <a:pPr lvl="0"/>
             <a:r>
-              <a:rPr lang="en-US"/>
+              <a:rPr lang="en-US" smtClean="0"/>
               <a:t>Click to edit Master text styles</a:t>
             </a:r>
           </a:p>
           <a:p>
             <a:pPr lvl="1"/>
             <a:r>
-              <a:rPr lang="en-US"/>
+              <a:rPr lang="en-US" smtClean="0"/>
               <a:t>Second level</a:t>
             </a:r>
           </a:p>
           <a:p>
             <a:pPr lvl="2"/>
             <a:r>
-              <a:rPr lang="en-US"/>
+              <a:rPr lang="en-US" smtClean="0"/>
               <a:t>Third level</a:t>
             </a:r>
           </a:p>
           <a:p>
             <a:pPr lvl="3"/>
             <a:r>
-              <a:rPr lang="en-US"/>
+              <a:rPr lang="en-US" smtClean="0"/>
               <a:t>Fourth level</a:t>
             </a:r>
           </a:p>
           <a:p>
             <a:pPr lvl="4"/>
             <a:r>
-              <a:rPr lang="en-US"/>
+              <a:rPr lang="en-US" smtClean="0"/>
               <a:t>Fifth level</a:t>
             </a:r>
+            <a:endParaRPr lang="en-US"/>
           </a:p>
         </p:txBody>
       </p:sp>
@@ -6709,7 +6760,7 @@
           <a:p>
             <a:fld id="{699DC775-C286-4358-8C92-D7E584E969B3}" type="datetimeFigureOut">
               <a:rPr lang="en-US" smtClean="0"/>
-              <a:t>1/23/2017</a:t>
+              <a:t>19-Jun-15</a:t>
             </a:fld>
             <a:endParaRPr lang="en-US"/>
           </a:p>
@@ -6816,9 +6867,10 @@
           <a:lstStyle/>
           <a:p>
             <a:r>
-              <a:rPr lang="en-US"/>
+              <a:rPr lang="en-US" smtClean="0"/>
               <a:t>Click to edit Master title style</a:t>
             </a:r>
+            <a:endParaRPr lang="en-US"/>
           </a:p>
         </p:txBody>
       </p:sp>
@@ -6844,37 +6896,38 @@
           <a:p>
             <a:pPr lvl="0"/>
             <a:r>
-              <a:rPr lang="en-US"/>
+              <a:rPr lang="en-US" smtClean="0"/>
               <a:t>Click to edit Master text styles</a:t>
             </a:r>
           </a:p>
           <a:p>
             <a:pPr lvl="1"/>
             <a:r>
-              <a:rPr lang="en-US"/>
+              <a:rPr lang="en-US" smtClean="0"/>
               <a:t>Second level</a:t>
             </a:r>
           </a:p>
           <a:p>
             <a:pPr lvl="2"/>
             <a:r>
-              <a:rPr lang="en-US"/>
+              <a:rPr lang="en-US" smtClean="0"/>
               <a:t>Third level</a:t>
             </a:r>
           </a:p>
           <a:p>
             <a:pPr lvl="3"/>
             <a:r>
-              <a:rPr lang="en-US"/>
+              <a:rPr lang="en-US" smtClean="0"/>
               <a:t>Fourth level</a:t>
             </a:r>
           </a:p>
           <a:p>
             <a:pPr lvl="4"/>
             <a:r>
-              <a:rPr lang="en-US"/>
+              <a:rPr lang="en-US" smtClean="0"/>
               <a:t>Fifth level</a:t>
             </a:r>
+            <a:endParaRPr lang="en-US"/>
           </a:p>
         </p:txBody>
       </p:sp>
@@ -6895,7 +6948,7 @@
           <a:p>
             <a:fld id="{699DC775-C286-4358-8C92-D7E584E969B3}" type="datetimeFigureOut">
               <a:rPr lang="en-US" smtClean="0"/>
-              <a:t>1/23/2017</a:t>
+              <a:t>19-Jun-15</a:t>
             </a:fld>
             <a:endParaRPr lang="en-US"/>
           </a:p>
@@ -6989,9 +7042,10 @@
           <a:lstStyle/>
           <a:p>
             <a:r>
-              <a:rPr lang="en-US"/>
+              <a:rPr lang="en-US" smtClean="0"/>
               <a:t>Click to edit Master title style</a:t>
             </a:r>
+            <a:endParaRPr lang="en-US"/>
           </a:p>
         </p:txBody>
       </p:sp>
@@ -7012,37 +7066,38 @@
           <a:p>
             <a:pPr lvl="0"/>
             <a:r>
-              <a:rPr lang="en-US"/>
+              <a:rPr lang="en-US" smtClean="0"/>
               <a:t>Click to edit Master text styles</a:t>
             </a:r>
           </a:p>
           <a:p>
             <a:pPr lvl="1"/>
             <a:r>
-              <a:rPr lang="en-US"/>
+              <a:rPr lang="en-US" smtClean="0"/>
               <a:t>Second level</a:t>
             </a:r>
           </a:p>
           <a:p>
             <a:pPr lvl="2"/>
             <a:r>
-              <a:rPr lang="en-US"/>
+              <a:rPr lang="en-US" smtClean="0"/>
               <a:t>Third level</a:t>
             </a:r>
           </a:p>
           <a:p>
             <a:pPr lvl="3"/>
             <a:r>
-              <a:rPr lang="en-US"/>
+              <a:rPr lang="en-US" smtClean="0"/>
               <a:t>Fourth level</a:t>
             </a:r>
           </a:p>
           <a:p>
             <a:pPr lvl="4"/>
             <a:r>
-              <a:rPr lang="en-US"/>
+              <a:rPr lang="en-US" smtClean="0"/>
               <a:t>Fifth level</a:t>
             </a:r>
+            <a:endParaRPr lang="en-US"/>
           </a:p>
         </p:txBody>
       </p:sp>
@@ -7063,7 +7118,7 @@
           <a:p>
             <a:fld id="{699DC775-C286-4358-8C92-D7E584E969B3}" type="datetimeFigureOut">
               <a:rPr lang="en-US" smtClean="0"/>
-              <a:t>1/23/2017</a:t>
+              <a:t>19-Jun-15</a:t>
             </a:fld>
             <a:endParaRPr lang="en-US"/>
           </a:p>
@@ -7157,9 +7212,10 @@
           <a:lstStyle/>
           <a:p>
             <a:r>
-              <a:rPr lang="en-US"/>
+              <a:rPr lang="en-US" smtClean="0"/>
               <a:t>Click to edit Master title style</a:t>
             </a:r>
+            <a:endParaRPr lang="en-US"/>
           </a:p>
         </p:txBody>
       </p:sp>
@@ -7213,37 +7269,38 @@
           <a:p>
             <a:pPr lvl="0"/>
             <a:r>
-              <a:rPr lang="en-US"/>
+              <a:rPr lang="en-US" smtClean="0"/>
               <a:t>Click to edit Master text styles</a:t>
             </a:r>
           </a:p>
           <a:p>
             <a:pPr lvl="1"/>
             <a:r>
-              <a:rPr lang="en-US"/>
+              <a:rPr lang="en-US" smtClean="0"/>
               <a:t>Second level</a:t>
             </a:r>
           </a:p>
           <a:p>
             <a:pPr lvl="2"/>
             <a:r>
-              <a:rPr lang="en-US"/>
+              <a:rPr lang="en-US" smtClean="0"/>
               <a:t>Third level</a:t>
             </a:r>
           </a:p>
           <a:p>
             <a:pPr lvl="3"/>
             <a:r>
-              <a:rPr lang="en-US"/>
+              <a:rPr lang="en-US" smtClean="0"/>
               <a:t>Fourth level</a:t>
             </a:r>
           </a:p>
           <a:p>
             <a:pPr lvl="4"/>
             <a:r>
-              <a:rPr lang="en-US"/>
+              <a:rPr lang="en-US" smtClean="0"/>
               <a:t>Fifth level</a:t>
             </a:r>
+            <a:endParaRPr lang="en-US"/>
           </a:p>
         </p:txBody>
       </p:sp>
@@ -7297,37 +7354,38 @@
           <a:p>
             <a:pPr lvl="0"/>
             <a:r>
-              <a:rPr lang="en-US"/>
+              <a:rPr lang="en-US" smtClean="0"/>
               <a:t>Click to edit Master text styles</a:t>
             </a:r>
           </a:p>
           <a:p>
             <a:pPr lvl="1"/>
             <a:r>
-              <a:rPr lang="en-US"/>
+              <a:rPr lang="en-US" smtClean="0"/>
               <a:t>Second level</a:t>
             </a:r>
           </a:p>
           <a:p>
             <a:pPr lvl="2"/>
             <a:r>
-              <a:rPr lang="en-US"/>
+              <a:rPr lang="en-US" smtClean="0"/>
               <a:t>Third level</a:t>
             </a:r>
           </a:p>
           <a:p>
             <a:pPr lvl="3"/>
             <a:r>
-              <a:rPr lang="en-US"/>
+              <a:rPr lang="en-US" smtClean="0"/>
               <a:t>Fourth level</a:t>
             </a:r>
           </a:p>
           <a:p>
             <a:pPr lvl="4"/>
             <a:r>
-              <a:rPr lang="en-US"/>
+              <a:rPr lang="en-US" smtClean="0"/>
               <a:t>Fifth level</a:t>
             </a:r>
+            <a:endParaRPr lang="en-US"/>
           </a:p>
         </p:txBody>
       </p:sp>
@@ -7348,7 +7406,7 @@
           <a:p>
             <a:fld id="{699DC775-C286-4358-8C92-D7E584E969B3}" type="datetimeFigureOut">
               <a:rPr lang="en-US" smtClean="0"/>
-              <a:t>1/23/2017</a:t>
+              <a:t>19-Jun-15</a:t>
             </a:fld>
             <a:endParaRPr lang="en-US"/>
           </a:p>
@@ -7446,9 +7504,10 @@
           </a:lstStyle>
           <a:p>
             <a:r>
-              <a:rPr lang="en-US"/>
+              <a:rPr lang="en-US" smtClean="0"/>
               <a:t>Click to edit Master title style</a:t>
             </a:r>
+            <a:endParaRPr lang="en-US"/>
           </a:p>
         </p:txBody>
       </p:sp>
@@ -7511,7 +7570,7 @@
           <a:p>
             <a:pPr lvl="0"/>
             <a:r>
-              <a:rPr lang="en-US"/>
+              <a:rPr lang="en-US" smtClean="0"/>
               <a:t>Click to edit Master text styles</a:t>
             </a:r>
           </a:p>
@@ -7567,37 +7626,38 @@
           <a:p>
             <a:pPr lvl="0"/>
             <a:r>
-              <a:rPr lang="en-US"/>
+              <a:rPr lang="en-US" smtClean="0"/>
               <a:t>Click to edit Master text styles</a:t>
             </a:r>
           </a:p>
           <a:p>
             <a:pPr lvl="1"/>
             <a:r>
-              <a:rPr lang="en-US"/>
+              <a:rPr lang="en-US" smtClean="0"/>
               <a:t>Second level</a:t>
             </a:r>
           </a:p>
           <a:p>
             <a:pPr lvl="2"/>
             <a:r>
-              <a:rPr lang="en-US"/>
+              <a:rPr lang="en-US" smtClean="0"/>
               <a:t>Third level</a:t>
             </a:r>
           </a:p>
           <a:p>
             <a:pPr lvl="3"/>
             <a:r>
-              <a:rPr lang="en-US"/>
+              <a:rPr lang="en-US" smtClean="0"/>
               <a:t>Fourth level</a:t>
             </a:r>
           </a:p>
           <a:p>
             <a:pPr lvl="4"/>
             <a:r>
-              <a:rPr lang="en-US"/>
+              <a:rPr lang="en-US" smtClean="0"/>
               <a:t>Fifth level</a:t>
             </a:r>
+            <a:endParaRPr lang="en-US"/>
           </a:p>
         </p:txBody>
       </p:sp>
@@ -7660,7 +7720,7 @@
           <a:p>
             <a:pPr lvl="0"/>
             <a:r>
-              <a:rPr lang="en-US"/>
+              <a:rPr lang="en-US" smtClean="0"/>
               <a:t>Click to edit Master text styles</a:t>
             </a:r>
           </a:p>
@@ -7716,37 +7776,38 @@
           <a:p>
             <a:pPr lvl="0"/>
             <a:r>
-              <a:rPr lang="en-US"/>
+              <a:rPr lang="en-US" smtClean="0"/>
               <a:t>Click to edit Master text styles</a:t>
             </a:r>
           </a:p>
           <a:p>
             <a:pPr lvl="1"/>
             <a:r>
-              <a:rPr lang="en-US"/>
+              <a:rPr lang="en-US" smtClean="0"/>
               <a:t>Second level</a:t>
             </a:r>
           </a:p>
           <a:p>
             <a:pPr lvl="2"/>
             <a:r>
-              <a:rPr lang="en-US"/>
+              <a:rPr lang="en-US" smtClean="0"/>
               <a:t>Third level</a:t>
             </a:r>
           </a:p>
           <a:p>
             <a:pPr lvl="3"/>
             <a:r>
-              <a:rPr lang="en-US"/>
+              <a:rPr lang="en-US" smtClean="0"/>
               <a:t>Fourth level</a:t>
             </a:r>
           </a:p>
           <a:p>
             <a:pPr lvl="4"/>
             <a:r>
-              <a:rPr lang="en-US"/>
+              <a:rPr lang="en-US" smtClean="0"/>
               <a:t>Fifth level</a:t>
             </a:r>
+            <a:endParaRPr lang="en-US"/>
           </a:p>
         </p:txBody>
       </p:sp>
@@ -7767,7 +7828,7 @@
           <a:p>
             <a:fld id="{699DC775-C286-4358-8C92-D7E584E969B3}" type="datetimeFigureOut">
               <a:rPr lang="en-US" smtClean="0"/>
-              <a:t>1/23/2017</a:t>
+              <a:t>19-Jun-15</a:t>
             </a:fld>
             <a:endParaRPr lang="en-US"/>
           </a:p>
@@ -7861,9 +7922,10 @@
           <a:lstStyle/>
           <a:p>
             <a:r>
-              <a:rPr lang="en-US"/>
+              <a:rPr lang="en-US" smtClean="0"/>
               <a:t>Click to edit Master title style</a:t>
             </a:r>
+            <a:endParaRPr lang="en-US"/>
           </a:p>
         </p:txBody>
       </p:sp>
@@ -7884,7 +7946,7 @@
           <a:p>
             <a:fld id="{699DC775-C286-4358-8C92-D7E584E969B3}" type="datetimeFigureOut">
               <a:rPr lang="en-US" smtClean="0"/>
-              <a:t>1/23/2017</a:t>
+              <a:t>19-Jun-15</a:t>
             </a:fld>
             <a:endParaRPr lang="en-US"/>
           </a:p>
@@ -7979,7 +8041,7 @@
           <a:p>
             <a:fld id="{699DC775-C286-4358-8C92-D7E584E969B3}" type="datetimeFigureOut">
               <a:rPr lang="en-US" smtClean="0"/>
-              <a:t>1/23/2017</a:t>
+              <a:t>19-Jun-15</a:t>
             </a:fld>
             <a:endParaRPr lang="en-US"/>
           </a:p>
@@ -8082,9 +8144,10 @@
           </a:lstStyle>
           <a:p>
             <a:r>
-              <a:rPr lang="en-US"/>
+              <a:rPr lang="en-US" smtClean="0"/>
               <a:t>Click to edit Master title style</a:t>
             </a:r>
+            <a:endParaRPr lang="en-US"/>
           </a:p>
         </p:txBody>
       </p:sp>
@@ -8138,37 +8201,38 @@
           <a:p>
             <a:pPr lvl="0"/>
             <a:r>
-              <a:rPr lang="en-US"/>
+              <a:rPr lang="en-US" smtClean="0"/>
               <a:t>Click to edit Master text styles</a:t>
             </a:r>
           </a:p>
           <a:p>
             <a:pPr lvl="1"/>
             <a:r>
-              <a:rPr lang="en-US"/>
+              <a:rPr lang="en-US" smtClean="0"/>
               <a:t>Second level</a:t>
             </a:r>
           </a:p>
           <a:p>
             <a:pPr lvl="2"/>
             <a:r>
-              <a:rPr lang="en-US"/>
+              <a:rPr lang="en-US" smtClean="0"/>
               <a:t>Third level</a:t>
             </a:r>
           </a:p>
           <a:p>
             <a:pPr lvl="3"/>
             <a:r>
-              <a:rPr lang="en-US"/>
+              <a:rPr lang="en-US" smtClean="0"/>
               <a:t>Fourth level</a:t>
             </a:r>
           </a:p>
           <a:p>
             <a:pPr lvl="4"/>
             <a:r>
-              <a:rPr lang="en-US"/>
+              <a:rPr lang="en-US" smtClean="0"/>
               <a:t>Fifth level</a:t>
             </a:r>
+            <a:endParaRPr lang="en-US"/>
           </a:p>
         </p:txBody>
       </p:sp>
@@ -8231,7 +8295,7 @@
           <a:p>
             <a:pPr lvl="0"/>
             <a:r>
-              <a:rPr lang="en-US"/>
+              <a:rPr lang="en-US" smtClean="0"/>
               <a:t>Click to edit Master text styles</a:t>
             </a:r>
           </a:p>
@@ -8254,7 +8318,7 @@
           <a:p>
             <a:fld id="{699DC775-C286-4358-8C92-D7E584E969B3}" type="datetimeFigureOut">
               <a:rPr lang="en-US" smtClean="0"/>
-              <a:t>1/23/2017</a:t>
+              <a:t>19-Jun-15</a:t>
             </a:fld>
             <a:endParaRPr lang="en-US"/>
           </a:p>
@@ -8357,9 +8421,10 @@
           </a:lstStyle>
           <a:p>
             <a:r>
-              <a:rPr lang="en-US"/>
+              <a:rPr lang="en-US" smtClean="0"/>
               <a:t>Click to edit Master title style</a:t>
             </a:r>
+            <a:endParaRPr lang="en-US"/>
           </a:p>
         </p:txBody>
       </p:sp>
@@ -8483,7 +8548,7 @@
           <a:p>
             <a:pPr lvl="0"/>
             <a:r>
-              <a:rPr lang="en-US"/>
+              <a:rPr lang="en-US" smtClean="0"/>
               <a:t>Click to edit Master text styles</a:t>
             </a:r>
           </a:p>
@@ -8506,7 +8571,7 @@
           <a:p>
             <a:fld id="{699DC775-C286-4358-8C92-D7E584E969B3}" type="datetimeFigureOut">
               <a:rPr lang="en-US" smtClean="0"/>
-              <a:t>1/23/2017</a:t>
+              <a:t>19-Jun-15</a:t>
             </a:fld>
             <a:endParaRPr lang="en-US"/>
           </a:p>
@@ -8615,9 +8680,10 @@
           <a:lstStyle/>
           <a:p>
             <a:r>
-              <a:rPr lang="en-US"/>
+              <a:rPr lang="en-US" smtClean="0"/>
               <a:t>Click to edit Master title style</a:t>
             </a:r>
+            <a:endParaRPr lang="en-US"/>
           </a:p>
         </p:txBody>
       </p:sp>
@@ -8648,37 +8714,38 @@
           <a:p>
             <a:pPr lvl="0"/>
             <a:r>
-              <a:rPr lang="en-US"/>
+              <a:rPr lang="en-US" smtClean="0"/>
               <a:t>Click to edit Master text styles</a:t>
             </a:r>
           </a:p>
           <a:p>
             <a:pPr lvl="1"/>
             <a:r>
-              <a:rPr lang="en-US"/>
+              <a:rPr lang="en-US" smtClean="0"/>
               <a:t>Second level</a:t>
             </a:r>
           </a:p>
           <a:p>
             <a:pPr lvl="2"/>
             <a:r>
-              <a:rPr lang="en-US"/>
+              <a:rPr lang="en-US" smtClean="0"/>
               <a:t>Third level</a:t>
             </a:r>
           </a:p>
           <a:p>
             <a:pPr lvl="3"/>
             <a:r>
-              <a:rPr lang="en-US"/>
+              <a:rPr lang="en-US" smtClean="0"/>
               <a:t>Fourth level</a:t>
             </a:r>
           </a:p>
           <a:p>
             <a:pPr lvl="4"/>
             <a:r>
-              <a:rPr lang="en-US"/>
+              <a:rPr lang="en-US" smtClean="0"/>
               <a:t>Fifth level</a:t>
             </a:r>
+            <a:endParaRPr lang="en-US"/>
           </a:p>
         </p:txBody>
       </p:sp>
@@ -8717,7 +8784,7 @@
           <a:p>
             <a:fld id="{699DC775-C286-4358-8C92-D7E584E969B3}" type="datetimeFigureOut">
               <a:rPr lang="en-US" smtClean="0"/>
-              <a:t>1/23/2017</a:t>
+              <a:t>19-Jun-15</a:t>
             </a:fld>
             <a:endParaRPr lang="en-US"/>
           </a:p>
@@ -9129,9 +9196,10 @@
           <a:lstStyle/>
           <a:p>
             <a:r>
-              <a:rPr lang="en-US"/>
+              <a:rPr lang="en-US" smtClean="0"/>
               <a:t>Click to edit Master title style</a:t>
             </a:r>
+            <a:endParaRPr lang="en-US"/>
           </a:p>
         </p:txBody>
       </p:sp>
@@ -9162,37 +9230,38 @@
           <a:p>
             <a:pPr lvl="0"/>
             <a:r>
-              <a:rPr lang="en-US"/>
+              <a:rPr lang="en-US" smtClean="0"/>
               <a:t>Click to edit Master text styles</a:t>
             </a:r>
           </a:p>
           <a:p>
             <a:pPr lvl="1"/>
             <a:r>
-              <a:rPr lang="en-US"/>
+              <a:rPr lang="en-US" smtClean="0"/>
               <a:t>Second level</a:t>
             </a:r>
           </a:p>
           <a:p>
             <a:pPr lvl="2"/>
             <a:r>
-              <a:rPr lang="en-US"/>
+              <a:rPr lang="en-US" smtClean="0"/>
               <a:t>Third level</a:t>
             </a:r>
           </a:p>
           <a:p>
             <a:pPr lvl="3"/>
             <a:r>
-              <a:rPr lang="en-US"/>
+              <a:rPr lang="en-US" smtClean="0"/>
               <a:t>Fourth level</a:t>
             </a:r>
           </a:p>
           <a:p>
             <a:pPr lvl="4"/>
             <a:r>
-              <a:rPr lang="en-US"/>
+              <a:rPr lang="en-US" smtClean="0"/>
               <a:t>Fifth level</a:t>
             </a:r>
+            <a:endParaRPr lang="en-US"/>
           </a:p>
         </p:txBody>
       </p:sp>
@@ -9231,7 +9300,7 @@
           <a:p>
             <a:fld id="{699DC775-C286-4358-8C92-D7E584E969B3}" type="datetimeFigureOut">
               <a:rPr lang="en-US" smtClean="0"/>
-              <a:t>1/23/2017</a:t>
+              <a:t>19-Jun-15</a:t>
             </a:fld>
             <a:endParaRPr lang="en-US"/>
           </a:p>
@@ -9641,9 +9710,10 @@
           <a:lstStyle/>
           <a:p>
             <a:r>
-              <a:rPr lang="en-US" dirty="0"/>
+              <a:rPr lang="en-US" dirty="0" smtClean="0"/>
               <a:t>Click to edit Master title style</a:t>
             </a:r>
+            <a:endParaRPr lang="en-US" dirty="0"/>
           </a:p>
         </p:txBody>
       </p:sp>
@@ -9674,37 +9744,38 @@
           <a:p>
             <a:pPr lvl="0"/>
             <a:r>
-              <a:rPr lang="en-US"/>
+              <a:rPr lang="en-US" smtClean="0"/>
               <a:t>Click to edit Master text styles</a:t>
             </a:r>
           </a:p>
           <a:p>
             <a:pPr lvl="1"/>
             <a:r>
-              <a:rPr lang="en-US"/>
+              <a:rPr lang="en-US" smtClean="0"/>
               <a:t>Second level</a:t>
             </a:r>
           </a:p>
           <a:p>
             <a:pPr lvl="2"/>
             <a:r>
-              <a:rPr lang="en-US"/>
+              <a:rPr lang="en-US" smtClean="0"/>
               <a:t>Third level</a:t>
             </a:r>
           </a:p>
           <a:p>
             <a:pPr lvl="3"/>
             <a:r>
-              <a:rPr lang="en-US"/>
+              <a:rPr lang="en-US" smtClean="0"/>
               <a:t>Fourth level</a:t>
             </a:r>
           </a:p>
           <a:p>
             <a:pPr lvl="4"/>
             <a:r>
-              <a:rPr lang="en-US"/>
+              <a:rPr lang="en-US" smtClean="0"/>
               <a:t>Fifth level</a:t>
             </a:r>
+            <a:endParaRPr lang="en-US"/>
           </a:p>
         </p:txBody>
       </p:sp>
@@ -9743,7 +9814,7 @@
           <a:p>
             <a:fld id="{699DC775-C286-4358-8C92-D7E584E969B3}" type="datetimeFigureOut">
               <a:rPr lang="en-US" smtClean="0"/>
-              <a:t>1/23/2017</a:t>
+              <a:t>19-Jun-15</a:t>
             </a:fld>
             <a:endParaRPr lang="en-US"/>
           </a:p>
@@ -10145,7 +10216,7 @@
           <a:p>
             <a:pPr algn="ctr"/>
             <a:r>
-              <a:rPr lang="en-US" b="1">
+              <a:rPr lang="en-US" b="1" smtClean="0">
                 <a:solidFill>
                   <a:srgbClr val="FFFF00"/>
                 </a:solidFill>
@@ -10156,13 +10227,18 @@
           <a:p>
             <a:pPr algn="ctr"/>
             <a:r>
-              <a:rPr lang="en-US">
+              <a:rPr lang="en-US" smtClean="0">
                 <a:solidFill>
                   <a:srgbClr val="FFFFFF"/>
                 </a:solidFill>
               </a:rPr>
               <a:t>Adjust the design of this slide and click the 'Sync Agenda' (in Agenda Lab) to replicate the design in the other slides.</a:t>
             </a:r>
+            <a:endParaRPr lang="en-US">
+              <a:solidFill>
+                <a:srgbClr val="FFFFFF"/>
+              </a:solidFill>
+            </a:endParaRPr>
           </a:p>
         </p:txBody>
       </p:sp>
@@ -10625,6 +10701,14 @@
   <p:clrMapOvr>
     <a:masterClrMapping/>
   </p:clrMapOvr>
+  <mc:AlternateContent xmlns:mc="http://schemas.openxmlformats.org/markup-compatibility/2006" xmlns:p14="http://schemas.microsoft.com/office/powerpoint/2010/main">
+    <mc:Choice Requires="p14">
+      <p:transition spd="slow" p14:dur="2000"/>
+    </mc:Choice>
+    <mc:Fallback xmlns="">
+      <p:transition spd="slow"/>
+    </mc:Fallback>
+  </mc:AlternateContent>
   <p:timing>
     <p:tnLst>
       <p:par>
@@ -11005,11 +11089,11 @@
   <p:clrMapOvr>
     <a:masterClrMapping/>
   </p:clrMapOvr>
-  <mc:AlternateContent xmlns:mc="http://schemas.openxmlformats.org/markup-compatibility/2006" xmlns:p14="http://schemas.microsoft.com/office/powerpoint/2010/main">
-    <mc:Choice Requires="p14">
+  <mc:AlternateContent xmlns:mc="http://schemas.openxmlformats.org/markup-compatibility/2006">
+    <mc:Choice xmlns:p14="http://schemas.microsoft.com/office/powerpoint/2010/main" Requires="p14">
       <p:transition p14:dur="250" advClick="0" advTm="0"/>
     </mc:Choice>
-    <mc:Fallback xmlns="">
+    <mc:Fallback>
       <p:transition advClick="0" advTm="0"/>
     </mc:Fallback>
   </mc:AlternateContent>
@@ -11785,13 +11869,13 @@
   <p:clrMapOvr>
     <a:masterClrMapping/>
   </p:clrMapOvr>
-  <mc:AlternateContent xmlns:mc="http://schemas.openxmlformats.org/markup-compatibility/2006" xmlns:p14="http://schemas.microsoft.com/office/powerpoint/2010/main">
-    <mc:Choice Requires="p14">
+  <mc:AlternateContent xmlns:mc="http://schemas.openxmlformats.org/markup-compatibility/2006">
+    <mc:Choice xmlns:p14="http://schemas.microsoft.com/office/powerpoint/2010/main" Requires="p14">
       <p:transition p14:dur="250">
         <p:fade/>
       </p:transition>
     </mc:Choice>
-    <mc:Fallback xmlns="">
+    <mc:Fallback>
       <p:transition>
         <p:fade/>
       </p:transition>
@@ -12154,11 +12238,11 @@
   <p:clrMapOvr>
     <a:masterClrMapping/>
   </p:clrMapOvr>
-  <mc:AlternateContent xmlns:mc="http://schemas.openxmlformats.org/markup-compatibility/2006" xmlns:p14="http://schemas.microsoft.com/office/powerpoint/2010/main">
-    <mc:Choice Requires="p14">
+  <mc:AlternateContent xmlns:mc="http://schemas.openxmlformats.org/markup-compatibility/2006">
+    <mc:Choice xmlns:p14="http://schemas.microsoft.com/office/powerpoint/2010/main" Requires="p14">
       <p:transition p14:dur="250" advClick="0" advTm="0"/>
     </mc:Choice>
-    <mc:Fallback xmlns="">
+    <mc:Fallback>
       <p:transition advClick="0" advTm="0"/>
     </mc:Fallback>
   </mc:AlternateContent>
@@ -12578,18 +12662,25 @@
   <p:clrMapOvr>
     <a:masterClrMapping/>
   </p:clrMapOvr>
-  <mc:AlternateContent xmlns:mc="http://schemas.openxmlformats.org/markup-compatibility/2006" xmlns:p14="http://schemas.microsoft.com/office/powerpoint/2010/main">
-    <mc:Choice Requires="p14">
+  <mc:AlternateContent xmlns:mc="http://schemas.openxmlformats.org/markup-compatibility/2006">
+    <mc:Choice xmlns:p14="http://schemas.microsoft.com/office/powerpoint/2010/main" Requires="p14">
       <p:transition p14:dur="250">
         <p:fade/>
       </p:transition>
     </mc:Choice>
-    <mc:Fallback xmlns="">
+    <mc:Fallback>
       <p:transition>
         <p:fade/>
       </p:transition>
     </mc:Fallback>
   </mc:AlternateContent>
+  <p:timing>
+    <p:tnLst>
+      <p:par>
+        <p:cTn id="1" dur="indefinite" restart="never" nodeType="tmRoot"/>
+      </p:par>
+    </p:tnLst>
+  </p:timing>
 </p:sld>
 </file>
 
@@ -12620,6 +12711,13 @@
   <p:clrMapOvr>
     <a:masterClrMapping/>
   </p:clrMapOvr>
+  <p:timing>
+    <p:tnLst>
+      <p:par>
+        <p:cTn id="1" dur="indefinite" restart="never" nodeType="tmRoot"/>
+      </p:par>
+    </p:tnLst>
+  </p:timing>
 </p:sld>
 </file>
 
@@ -12872,11 +12970,11 @@
   <p:clrMapOvr>
     <a:masterClrMapping/>
   </p:clrMapOvr>
-  <mc:AlternateContent xmlns:mc="http://schemas.openxmlformats.org/markup-compatibility/2006" xmlns:p14="http://schemas.microsoft.com/office/powerpoint/2010/main">
-    <mc:Choice Requires="p14">
+  <mc:AlternateContent xmlns:mc="http://schemas.openxmlformats.org/markup-compatibility/2006">
+    <mc:Choice xmlns:p14="http://schemas.microsoft.com/office/powerpoint/2010/main" Requires="p14">
       <p:transition spd="slow" p14:dur="2000" advClick="0" advTm="0"/>
     </mc:Choice>
-    <mc:Fallback xmlns="">
+    <mc:Fallback>
       <p:transition spd="slow" advClick="0" advTm="0"/>
     </mc:Fallback>
   </mc:AlternateContent>
@@ -13652,13 +13750,13 @@
   <p:clrMapOvr>
     <a:masterClrMapping/>
   </p:clrMapOvr>
-  <mc:AlternateContent xmlns:mc="http://schemas.openxmlformats.org/markup-compatibility/2006" xmlns:p14="http://schemas.microsoft.com/office/powerpoint/2010/main">
-    <mc:Choice Requires="p14">
+  <mc:AlternateContent xmlns:mc="http://schemas.openxmlformats.org/markup-compatibility/2006">
+    <mc:Choice xmlns:p14="http://schemas.microsoft.com/office/powerpoint/2010/main" Requires="p14">
       <p:transition p14:dur="250">
         <p:fade/>
       </p:transition>
     </mc:Choice>
-    <mc:Fallback xmlns="">
+    <mc:Fallback>
       <p:transition>
         <p:fade/>
       </p:transition>
@@ -14021,11 +14119,11 @@
   <p:clrMapOvr>
     <a:masterClrMapping/>
   </p:clrMapOvr>
-  <mc:AlternateContent xmlns:mc="http://schemas.openxmlformats.org/markup-compatibility/2006" xmlns:p14="http://schemas.microsoft.com/office/powerpoint/2010/main">
-    <mc:Choice Requires="p14">
+  <mc:AlternateContent xmlns:mc="http://schemas.openxmlformats.org/markup-compatibility/2006">
+    <mc:Choice xmlns:p14="http://schemas.microsoft.com/office/powerpoint/2010/main" Requires="p14">
       <p:transition p14:dur="250" advClick="0" advTm="0"/>
     </mc:Choice>
-    <mc:Fallback xmlns="">
+    <mc:Fallback>
       <p:transition advClick="0" advTm="0"/>
     </mc:Fallback>
   </mc:AlternateContent>
@@ -14359,7 +14457,7 @@
           <a:lstStyle/>
           <a:p>
             <a:r>
-              <a:rPr lang="en-US" sz="6000" dirty="0"/>
+              <a:rPr lang="en-US" sz="6000" dirty="0" smtClean="0"/>
               <a:t>Test Image</a:t>
             </a:r>
             <a:endParaRPr lang="en-SG" sz="6000" dirty="0"/>
@@ -14376,18 +14474,25 @@
   <p:clrMapOvr>
     <a:masterClrMapping/>
   </p:clrMapOvr>
-  <mc:AlternateContent xmlns:mc="http://schemas.openxmlformats.org/markup-compatibility/2006" xmlns:p14="http://schemas.microsoft.com/office/powerpoint/2010/main">
-    <mc:Choice Requires="p14">
+  <mc:AlternateContent xmlns:mc="http://schemas.openxmlformats.org/markup-compatibility/2006">
+    <mc:Choice xmlns:p14="http://schemas.microsoft.com/office/powerpoint/2010/main" Requires="p14">
       <p:transition p14:dur="250">
         <p:fade/>
       </p:transition>
     </mc:Choice>
-    <mc:Fallback xmlns="">
+    <mc:Fallback>
       <p:transition>
         <p:fade/>
       </p:transition>
     </mc:Fallback>
   </mc:AlternateContent>
+  <p:timing>
+    <p:tnLst>
+      <p:par>
+        <p:cTn id="1" dur="indefinite" restart="never" nodeType="tmRoot"/>
+      </p:par>
+    </p:tnLst>
+  </p:timing>
 </p:sld>
 </file>
 
@@ -14431,7 +14536,7 @@
           <a:lstStyle/>
           <a:p>
             <a:r>
-              <a:rPr lang="en-US" sz="6000" dirty="0"/>
+              <a:rPr lang="en-US" sz="6000" dirty="0" smtClean="0"/>
               <a:t>A long section</a:t>
             </a:r>
             <a:endParaRPr lang="en-SG" sz="6000" dirty="0"/>
@@ -14448,6 +14553,13 @@
   <p:clrMapOvr>
     <a:masterClrMapping/>
   </p:clrMapOvr>
+  <p:timing>
+    <p:tnLst>
+      <p:par>
+        <p:cTn id="1" dur="indefinite" restart="never" nodeType="tmRoot"/>
+      </p:par>
+    </p:tnLst>
+  </p:timing>
 </p:sld>
 </file>
 
@@ -14486,7 +14598,7 @@
           <a:lstStyle/>
           <a:p>
             <a:r>
-              <a:rPr lang="en-US" sz="5400" b="1" dirty="0" err="1">
+              <a:rPr lang="en-US" sz="5400" b="1" dirty="0" err="1" smtClean="0">
                 <a:solidFill>
                   <a:schemeClr val="accent6">
                     <a:lumMod val="75000"/>
@@ -14496,7 +14608,7 @@
               <a:t>PowerPointLabs</a:t>
             </a:r>
             <a:r>
-              <a:rPr lang="en-US" sz="5400" b="1" dirty="0">
+              <a:rPr lang="en-US" sz="5400" b="1" dirty="0" smtClean="0">
                 <a:solidFill>
                   <a:schemeClr val="accent6">
                     <a:lumMod val="75000"/>
@@ -14534,42 +14646,95 @@
               <a:buNone/>
             </a:pPr>
             <a:r>
+              <a:rPr lang="en-US" b="1" dirty="0" smtClean="0">
+                <a:solidFill>
+                  <a:srgbClr val="0070C0"/>
+                </a:solidFill>
+              </a:rPr>
+              <a:t>General instructions:</a:t>
+            </a:r>
+          </a:p>
+          <a:p>
+            <a:pPr marL="285750" indent="-285750"/>
+            <a:r>
+              <a:rPr lang="en-US" b="1" dirty="0" smtClean="0">
+                <a:solidFill>
+                  <a:srgbClr val="0070C0"/>
+                </a:solidFill>
+              </a:rPr>
+              <a:t>DO </a:t>
+            </a:r>
+            <a:r>
               <a:rPr lang="en-US" b="1" dirty="0">
                 <a:solidFill>
                   <a:srgbClr val="0070C0"/>
                 </a:solidFill>
               </a:rPr>
-              <a:t>General instructions:</a:t>
-            </a:r>
-          </a:p>
-          <a:p>
-            <a:pPr marL="285750" indent="-285750"/>
-            <a:r>
-              <a:rPr lang="en-US" b="1" dirty="0">
+              <a:t>NOT SAVE </a:t>
+            </a:r>
+            <a:r>
+              <a:rPr lang="en-US" dirty="0" smtClean="0">
                 <a:solidFill>
                   <a:srgbClr val="0070C0"/>
                 </a:solidFill>
               </a:rPr>
-              <a:t>DO NOT SAVE </a:t>
-            </a:r>
+              <a:t>these slides after testing. Keep this file in its original form.</a:t>
+            </a:r>
+            <a:endParaRPr lang="en-US" dirty="0">
+              <a:solidFill>
+                <a:srgbClr val="0070C0"/>
+              </a:solidFill>
+            </a:endParaRPr>
+          </a:p>
+          <a:p>
+            <a:pPr marL="285750" indent="-285750"/>
             <a:r>
               <a:rPr lang="en-US" dirty="0">
                 <a:solidFill>
                   <a:srgbClr val="0070C0"/>
                 </a:solidFill>
               </a:rPr>
-              <a:t>these slides after testing. Keep this file in its original form.</a:t>
-            </a:r>
-          </a:p>
-          <a:p>
-            <a:pPr marL="285750" indent="-285750"/>
+              <a:t>If </a:t>
+            </a:r>
+            <a:r>
+              <a:rPr lang="en-US" dirty="0" smtClean="0">
+                <a:solidFill>
+                  <a:srgbClr val="0070C0"/>
+                </a:solidFill>
+              </a:rPr>
+              <a:t>your </a:t>
+            </a:r>
             <a:r>
               <a:rPr lang="en-US" dirty="0">
                 <a:solidFill>
                   <a:srgbClr val="0070C0"/>
                 </a:solidFill>
               </a:rPr>
-              <a:t>If your result is different from the expected output, please submit a bug report (attach slides/screenshots as necessary).</a:t>
+              <a:t>result </a:t>
+            </a:r>
+            <a:r>
+              <a:rPr lang="en-US" dirty="0" smtClean="0">
+                <a:solidFill>
+                  <a:srgbClr val="0070C0"/>
+                </a:solidFill>
+              </a:rPr>
+              <a:t>is different from the </a:t>
+            </a:r>
+            <a:r>
+              <a:rPr lang="en-US" dirty="0">
+                <a:solidFill>
+                  <a:srgbClr val="0070C0"/>
+                </a:solidFill>
+              </a:rPr>
+              <a:t>expected output, </a:t>
+            </a:r>
+            <a:r>
+              <a:rPr lang="en-US" dirty="0" smtClean="0">
+                <a:solidFill>
+                  <a:srgbClr val="0070C0"/>
+                </a:solidFill>
+              </a:rPr>
+              <a:t>please submit a bug report (attach slides/screenshots as necessary).</a:t>
             </a:r>
             <a:endParaRPr lang="en-SG" dirty="0">
               <a:solidFill>
@@ -14592,6 +14757,13 @@
   <p:clrMapOvr>
     <a:masterClrMapping/>
   </p:clrMapOvr>
+  <p:timing>
+    <p:tnLst>
+      <p:par>
+        <p:cTn id="1" dur="indefinite" restart="never" nodeType="tmRoot"/>
+      </p:par>
+    </p:tnLst>
+  </p:timing>
 </p:sld>
 </file>
 
@@ -14630,6 +14802,13 @@
   <p:clrMapOvr>
     <a:masterClrMapping/>
   </p:clrMapOvr>
+  <p:timing>
+    <p:tnLst>
+      <p:par>
+        <p:cTn id="1" dur="indefinite" restart="never" nodeType="tmRoot"/>
+      </p:par>
+    </p:tnLst>
+  </p:timing>
 </p:sld>
 </file>
 
@@ -14669,6 +14848,13 @@
   <p:clrMapOvr>
     <a:masterClrMapping/>
   </p:clrMapOvr>
+  <p:timing>
+    <p:tnLst>
+      <p:par>
+        <p:cTn id="1" dur="indefinite" restart="never" nodeType="tmRoot"/>
+      </p:par>
+    </p:tnLst>
+  </p:timing>
 </p:sld>
 </file>
 
@@ -14699,6 +14885,13 @@
   <p:clrMapOvr>
     <a:masterClrMapping/>
   </p:clrMapOvr>
+  <p:timing>
+    <p:tnLst>
+      <p:par>
+        <p:cTn id="1" dur="indefinite" restart="never" nodeType="tmRoot"/>
+      </p:par>
+    </p:tnLst>
+  </p:timing>
 </p:sld>
 </file>
 
@@ -14951,11 +15144,11 @@
   <p:clrMapOvr>
     <a:masterClrMapping/>
   </p:clrMapOvr>
-  <mc:AlternateContent xmlns:mc="http://schemas.openxmlformats.org/markup-compatibility/2006" xmlns:p14="http://schemas.microsoft.com/office/powerpoint/2010/main">
-    <mc:Choice Requires="p14">
+  <mc:AlternateContent xmlns:mc="http://schemas.openxmlformats.org/markup-compatibility/2006">
+    <mc:Choice xmlns:p14="http://schemas.microsoft.com/office/powerpoint/2010/main" Requires="p14">
       <p:transition spd="slow" p14:dur="2000" advClick="0" advTm="0"/>
     </mc:Choice>
-    <mc:Fallback xmlns="">
+    <mc:Fallback>
       <p:transition spd="slow" advClick="0" advTm="0"/>
     </mc:Fallback>
   </mc:AlternateContent>
@@ -15731,13 +15924,13 @@
   <p:clrMapOvr>
     <a:masterClrMapping/>
   </p:clrMapOvr>
-  <mc:AlternateContent xmlns:mc="http://schemas.openxmlformats.org/markup-compatibility/2006" xmlns:p14="http://schemas.microsoft.com/office/powerpoint/2010/main">
-    <mc:Choice Requires="p14">
+  <mc:AlternateContent xmlns:mc="http://schemas.openxmlformats.org/markup-compatibility/2006">
+    <mc:Choice xmlns:p14="http://schemas.microsoft.com/office/powerpoint/2010/main" Requires="p14">
       <p:transition p14:dur="250">
         <p:fade/>
       </p:transition>
     </mc:Choice>
-    <mc:Fallback xmlns="">
+    <mc:Fallback>
       <p:transition>
         <p:fade/>
       </p:transition>
@@ -16100,11 +16293,11 @@
   <p:clrMapOvr>
     <a:masterClrMapping/>
   </p:clrMapOvr>
-  <mc:AlternateContent xmlns:mc="http://schemas.openxmlformats.org/markup-compatibility/2006" xmlns:p14="http://schemas.microsoft.com/office/powerpoint/2010/main">
-    <mc:Choice Requires="p14">
+  <mc:AlternateContent xmlns:mc="http://schemas.openxmlformats.org/markup-compatibility/2006">
+    <mc:Choice xmlns:p14="http://schemas.microsoft.com/office/powerpoint/2010/main" Requires="p14">
       <p:transition p14:dur="250" advClick="0" advTm="0"/>
     </mc:Choice>
-    <mc:Fallback xmlns="">
+    <mc:Fallback>
       <p:transition advClick="0" advTm="0"/>
     </mc:Fallback>
   </mc:AlternateContent>
@@ -16403,18 +16596,25 @@
   <p:clrMapOvr>
     <a:masterClrMapping/>
   </p:clrMapOvr>
-  <mc:AlternateContent xmlns:mc="http://schemas.openxmlformats.org/markup-compatibility/2006" xmlns:p14="http://schemas.microsoft.com/office/powerpoint/2010/main">
-    <mc:Choice Requires="p14">
+  <mc:AlternateContent xmlns:mc="http://schemas.openxmlformats.org/markup-compatibility/2006">
+    <mc:Choice xmlns:p14="http://schemas.microsoft.com/office/powerpoint/2010/main" Requires="p14">
       <p:transition p14:dur="250">
         <p:fade/>
       </p:transition>
     </mc:Choice>
-    <mc:Fallback xmlns="">
+    <mc:Fallback>
       <p:transition>
         <p:fade/>
       </p:transition>
     </mc:Fallback>
   </mc:AlternateContent>
+  <p:timing>
+    <p:tnLst>
+      <p:par>
+        <p:cTn id="1" dur="indefinite" restart="never" nodeType="tmRoot"/>
+      </p:par>
+    </p:tnLst>
+  </p:timing>
 </p:sld>
 </file>
 
@@ -16675,11 +16875,11 @@
   <p:clrMapOvr>
     <a:masterClrMapping/>
   </p:clrMapOvr>
-  <mc:AlternateContent xmlns:mc="http://schemas.openxmlformats.org/markup-compatibility/2006" xmlns:p14="http://schemas.microsoft.com/office/powerpoint/2010/main">
-    <mc:Choice Requires="p14">
+  <mc:AlternateContent xmlns:mc="http://schemas.openxmlformats.org/markup-compatibility/2006">
+    <mc:Choice xmlns:p14="http://schemas.microsoft.com/office/powerpoint/2010/main" Requires="p14">
       <p:transition p14:dur="250" advClick="0" advTm="0"/>
     </mc:Choice>
-    <mc:Fallback xmlns="">
+    <mc:Fallback>
       <p:transition advClick="0" advTm="0"/>
     </mc:Fallback>
   </mc:AlternateContent>
@@ -17455,13 +17655,13 @@
   <p:clrMapOvr>
     <a:masterClrMapping/>
   </p:clrMapOvr>
-  <mc:AlternateContent xmlns:mc="http://schemas.openxmlformats.org/markup-compatibility/2006" xmlns:p14="http://schemas.microsoft.com/office/powerpoint/2010/main">
-    <mc:Choice Requires="p14">
+  <mc:AlternateContent xmlns:mc="http://schemas.openxmlformats.org/markup-compatibility/2006">
+    <mc:Choice xmlns:p14="http://schemas.microsoft.com/office/powerpoint/2010/main" Requires="p14">
       <p:transition p14:dur="250">
         <p:fade/>
       </p:transition>
     </mc:Choice>
-    <mc:Fallback xmlns="">
+    <mc:Fallback>
       <p:transition>
         <p:fade/>
       </p:transition>
@@ -17596,7 +17796,7 @@
         <p:nvPicPr>
           <p:cNvPr id="2" name="Picture 1"/>
           <p:cNvPicPr>
-            <a:picLocks noChangeAspect="1"/>
+            <a:picLocks/>
           </p:cNvPicPr>
           <p:nvPr/>
         </p:nvPicPr>
@@ -17614,8 +17814,8 @@
         </p:blipFill>
         <p:spPr>
           <a:xfrm>
-            <a:off x="0" y="1029202"/>
-            <a:ext cx="9144000" cy="4799596"/>
+            <a:off x="649224" y="992124"/>
+            <a:ext cx="7845552" cy="4873752"/>
           </a:xfrm>
           <a:prstGeom prst="rect">
             <a:avLst/>
@@ -17625,13 +17825,21 @@
     </p:spTree>
     <p:extLst>
       <p:ext uri="{BB962C8B-B14F-4D97-AF65-F5344CB8AC3E}">
-        <p14:creationId xmlns:p14="http://schemas.microsoft.com/office/powerpoint/2010/main" val="1597053776"/>
+        <p14:creationId xmlns:p14="http://schemas.microsoft.com/office/powerpoint/2010/main" val="538995199"/>
       </p:ext>
     </p:extLst>
   </p:cSld>
   <p:clrMapOvr>
     <a:masterClrMapping/>
   </p:clrMapOvr>
+  <mc:AlternateContent xmlns:mc="http://schemas.openxmlformats.org/markup-compatibility/2006">
+    <mc:Choice xmlns:p14="http://schemas.microsoft.com/office/powerpoint/2010/main" Requires="p14">
+      <p:transition spd="slow" p14:dur="2000"/>
+    </mc:Choice>
+    <mc:Fallback>
+      <p:transition spd="slow"/>
+    </mc:Fallback>
+  </mc:AlternateContent>
 </p:sld>
 </file>
 
@@ -18504,11 +18712,11 @@
   <p:clrMapOvr>
     <a:masterClrMapping/>
   </p:clrMapOvr>
-  <mc:AlternateContent xmlns:mc="http://schemas.openxmlformats.org/markup-compatibility/2006" xmlns:p14="http://schemas.microsoft.com/office/powerpoint/2010/main">
-    <mc:Choice Requires="p14">
+  <mc:AlternateContent xmlns:mc="http://schemas.openxmlformats.org/markup-compatibility/2006">
+    <mc:Choice xmlns:p14="http://schemas.microsoft.com/office/powerpoint/2010/main" Requires="p14">
       <p:transition spd="slow" p14:dur="2000" advClick="0" advTm="0"/>
     </mc:Choice>
-    <mc:Fallback xmlns="">
+    <mc:Fallback>
       <p:transition spd="slow" advClick="0" advTm="0"/>
     </mc:Fallback>
   </mc:AlternateContent>
@@ -18823,7 +19031,7 @@
           <a:p>
             <a:pPr algn="l"/>
             <a:r>
-              <a:rPr lang="en-US" sz="7200" dirty="0">
+              <a:rPr lang="en-US" sz="7200" dirty="0" smtClean="0">
                 <a:solidFill>
                   <a:schemeClr val="bg1"/>
                 </a:solidFill>
@@ -18861,7 +19069,7 @@
           <a:lstStyle/>
           <a:p>
             <a:r>
-              <a:rPr lang="en-US" sz="2400" b="1" dirty="0">
+              <a:rPr lang="en-US" sz="2400" b="1" dirty="0" smtClean="0">
                 <a:solidFill>
                   <a:schemeClr val="bg1"/>
                 </a:solidFill>
@@ -18875,7 +19083,7 @@
               <a:buChar char="•"/>
             </a:pPr>
             <a:r>
-              <a:rPr lang="en-US" sz="2400" dirty="0">
+              <a:rPr lang="en-US" sz="2400" dirty="0" smtClean="0">
                 <a:solidFill>
                   <a:schemeClr val="bg1"/>
                 </a:solidFill>
@@ -18895,18 +19103,25 @@
   <p:clrMapOvr>
     <a:masterClrMapping/>
   </p:clrMapOvr>
-  <mc:AlternateContent xmlns:mc="http://schemas.openxmlformats.org/markup-compatibility/2006" xmlns:p14="http://schemas.microsoft.com/office/powerpoint/2010/main">
-    <mc:Choice Requires="p14">
+  <mc:AlternateContent xmlns:mc="http://schemas.openxmlformats.org/markup-compatibility/2006">
+    <mc:Choice xmlns:p14="http://schemas.microsoft.com/office/powerpoint/2010/main" Requires="p14">
       <p:transition p14:dur="250">
         <p:fade/>
       </p:transition>
     </mc:Choice>
-    <mc:Fallback xmlns="">
+    <mc:Fallback>
       <p:transition>
         <p:fade/>
       </p:transition>
     </mc:Fallback>
   </mc:AlternateContent>
+  <p:timing>
+    <p:tnLst>
+      <p:par>
+        <p:cTn id="1" dur="indefinite" restart="never" nodeType="tmRoot"/>
+      </p:par>
+    </p:tnLst>
+  </p:timing>
 </p:sld>
 </file>
 
@@ -19188,11 +19403,11 @@
   <p:clrMapOvr>
     <a:masterClrMapping/>
   </p:clrMapOvr>
-  <mc:AlternateContent xmlns:mc="http://schemas.openxmlformats.org/markup-compatibility/2006" xmlns:p14="http://schemas.microsoft.com/office/powerpoint/2010/main">
-    <mc:Choice Requires="p14">
+  <mc:AlternateContent xmlns:mc="http://schemas.openxmlformats.org/markup-compatibility/2006">
+    <mc:Choice xmlns:p14="http://schemas.microsoft.com/office/powerpoint/2010/main" Requires="p14">
       <p:transition p14:dur="250" advClick="0" advTm="0"/>
     </mc:Choice>
-    <mc:Fallback xmlns="">
+    <mc:Fallback>
       <p:transition advClick="0" advTm="0"/>
     </mc:Fallback>
   </mc:AlternateContent>
@@ -19968,13 +20183,13 @@
   <p:clrMapOvr>
     <a:masterClrMapping/>
   </p:clrMapOvr>
-  <mc:AlternateContent xmlns:mc="http://schemas.openxmlformats.org/markup-compatibility/2006" xmlns:p14="http://schemas.microsoft.com/office/powerpoint/2010/main">
-    <mc:Choice Requires="p14">
+  <mc:AlternateContent xmlns:mc="http://schemas.openxmlformats.org/markup-compatibility/2006">
+    <mc:Choice xmlns:p14="http://schemas.microsoft.com/office/powerpoint/2010/main" Requires="p14">
       <p:transition p14:dur="250">
         <p:fade/>
       </p:transition>
     </mc:Choice>
-    <mc:Fallback xmlns="">
+    <mc:Fallback>
       <p:transition>
         <p:fade/>
       </p:transition>
@@ -20337,11 +20552,11 @@
   <p:clrMapOvr>
     <a:masterClrMapping/>
   </p:clrMapOvr>
-  <mc:AlternateContent xmlns:mc="http://schemas.openxmlformats.org/markup-compatibility/2006" xmlns:p14="http://schemas.microsoft.com/office/powerpoint/2010/main">
-    <mc:Choice Requires="p14">
+  <mc:AlternateContent xmlns:mc="http://schemas.openxmlformats.org/markup-compatibility/2006">
+    <mc:Choice xmlns:p14="http://schemas.microsoft.com/office/powerpoint/2010/main" Requires="p14">
       <p:transition p14:dur="250" advClick="0" advTm="0"/>
     </mc:Choice>
-    <mc:Fallback xmlns="">
+    <mc:Fallback>
       <p:transition advClick="0" advTm="0"/>
     </mc:Fallback>
   </mc:AlternateContent>
@@ -20675,7 +20890,7 @@
           <a:lstStyle/>
           <a:p>
             <a:r>
-              <a:rPr lang="en-US" sz="6000" dirty="0"/>
+              <a:rPr lang="en-US" sz="6000" dirty="0" smtClean="0"/>
               <a:t>Test Image</a:t>
             </a:r>
             <a:endParaRPr lang="en-SG" sz="6000" dirty="0"/>
@@ -20692,18 +20907,25 @@
   <p:clrMapOvr>
     <a:masterClrMapping/>
   </p:clrMapOvr>
-  <mc:AlternateContent xmlns:mc="http://schemas.openxmlformats.org/markup-compatibility/2006" xmlns:p14="http://schemas.microsoft.com/office/powerpoint/2010/main">
-    <mc:Choice Requires="p14">
+  <mc:AlternateContent xmlns:mc="http://schemas.openxmlformats.org/markup-compatibility/2006">
+    <mc:Choice xmlns:p14="http://schemas.microsoft.com/office/powerpoint/2010/main" Requires="p14">
       <p:transition p14:dur="250">
         <p:fade/>
       </p:transition>
     </mc:Choice>
-    <mc:Fallback xmlns="">
+    <mc:Fallback>
       <p:transition>
         <p:fade/>
       </p:transition>
     </mc:Fallback>
   </mc:AlternateContent>
+  <p:timing>
+    <p:tnLst>
+      <p:par>
+        <p:cTn id="1" dur="indefinite" restart="never" nodeType="tmRoot"/>
+      </p:par>
+    </p:tnLst>
+  </p:timing>
 </p:sld>
 </file>
 
